--- a/IoT_System_Attack_Case_Study/IoT_Attack_Case_Study_02/img/designDoc.pptx
+++ b/IoT_System_Attack_Case_Study/IoT_Attack_Case_Study_02/img/designDoc.pptx
@@ -4,8 +4,13 @@
   <p:sldMasterIdLst>
     <p:sldMasterId id="2147483648" r:id="rId1"/>
   </p:sldMasterIdLst>
+  <p:notesMasterIdLst>
+    <p:notesMasterId r:id="rId5"/>
+  </p:notesMasterIdLst>
   <p:sldIdLst>
     <p:sldId id="256" r:id="rId2"/>
+    <p:sldId id="257" r:id="rId3"/>
+    <p:sldId id="258" r:id="rId4"/>
   </p:sldIdLst>
   <p:sldSz cx="12192000" cy="6858000"/>
   <p:notesSz cx="6858000" cy="9144000"/>
@@ -104,7 +109,446 @@
       </a:defRPr>
     </a:lvl9pPr>
   </p:defaultTextStyle>
+  <p:extLst>
+    <p:ext uri="{EFAFB233-063F-42B5-8137-9DF3F51BA10A}">
+      <p15:sldGuideLst xmlns:p15="http://schemas.microsoft.com/office/powerpoint/2012/main"/>
+    </p:ext>
+  </p:extLst>
 </p:presentation>
+</file>
+
+<file path=ppt/notesMasters/notesMaster1.xml><?xml version="1.0" encoding="utf-8"?>
+<p:notesMaster xmlns:a="http://schemas.openxmlformats.org/drawingml/2006/main" xmlns:r="http://schemas.openxmlformats.org/officeDocument/2006/relationships" xmlns:p="http://schemas.openxmlformats.org/presentationml/2006/main">
+  <p:cSld>
+    <p:bg>
+      <p:bgRef idx="1001">
+        <a:schemeClr val="bg1"/>
+      </p:bgRef>
+    </p:bg>
+    <p:spTree>
+      <p:nvGrpSpPr>
+        <p:cNvPr id="1" name=""/>
+        <p:cNvGrpSpPr/>
+        <p:nvPr/>
+      </p:nvGrpSpPr>
+      <p:grpSpPr>
+        <a:xfrm>
+          <a:off x="0" y="0"/>
+          <a:ext cx="0" cy="0"/>
+          <a:chOff x="0" y="0"/>
+          <a:chExt cx="0" cy="0"/>
+        </a:xfrm>
+      </p:grpSpPr>
+      <p:sp>
+        <p:nvSpPr>
+          <p:cNvPr id="2" name="Header Placeholder 1"/>
+          <p:cNvSpPr>
+            <a:spLocks noGrp="1"/>
+          </p:cNvSpPr>
+          <p:nvPr>
+            <p:ph type="hdr" sz="quarter"/>
+          </p:nvPr>
+        </p:nvSpPr>
+        <p:spPr>
+          <a:xfrm>
+            <a:off x="0" y="0"/>
+            <a:ext cx="2971800" cy="458788"/>
+          </a:xfrm>
+          <a:prstGeom prst="rect">
+            <a:avLst/>
+          </a:prstGeom>
+        </p:spPr>
+        <p:txBody>
+          <a:bodyPr vert="horz" lIns="91440" tIns="45720" rIns="91440" bIns="45720" rtlCol="0"/>
+          <a:lstStyle>
+            <a:lvl1pPr algn="l">
+              <a:defRPr sz="1200"/>
+            </a:lvl1pPr>
+          </a:lstStyle>
+          <a:p>
+            <a:endParaRPr lang="en-SG"/>
+          </a:p>
+        </p:txBody>
+      </p:sp>
+      <p:sp>
+        <p:nvSpPr>
+          <p:cNvPr id="3" name="Date Placeholder 2"/>
+          <p:cNvSpPr>
+            <a:spLocks noGrp="1"/>
+          </p:cNvSpPr>
+          <p:nvPr>
+            <p:ph type="dt" idx="1"/>
+          </p:nvPr>
+        </p:nvSpPr>
+        <p:spPr>
+          <a:xfrm>
+            <a:off x="3884613" y="0"/>
+            <a:ext cx="2971800" cy="458788"/>
+          </a:xfrm>
+          <a:prstGeom prst="rect">
+            <a:avLst/>
+          </a:prstGeom>
+        </p:spPr>
+        <p:txBody>
+          <a:bodyPr vert="horz" lIns="91440" tIns="45720" rIns="91440" bIns="45720" rtlCol="0"/>
+          <a:lstStyle>
+            <a:lvl1pPr algn="r">
+              <a:defRPr sz="1200"/>
+            </a:lvl1pPr>
+          </a:lstStyle>
+          <a:p>
+            <a:fld id="{15F01AB4-CA5D-4A85-A426-4979B77B2FC3}" type="datetimeFigureOut">
+              <a:rPr lang="en-SG" smtClean="0"/>
+              <a:t>11/7/2024</a:t>
+            </a:fld>
+            <a:endParaRPr lang="en-SG"/>
+          </a:p>
+        </p:txBody>
+      </p:sp>
+      <p:sp>
+        <p:nvSpPr>
+          <p:cNvPr id="4" name="Slide Image Placeholder 3"/>
+          <p:cNvSpPr>
+            <a:spLocks noGrp="1" noRot="1" noChangeAspect="1"/>
+          </p:cNvSpPr>
+          <p:nvPr>
+            <p:ph type="sldImg" idx="2"/>
+          </p:nvPr>
+        </p:nvSpPr>
+        <p:spPr>
+          <a:xfrm>
+            <a:off x="685800" y="1143000"/>
+            <a:ext cx="5486400" cy="3086100"/>
+          </a:xfrm>
+          <a:prstGeom prst="rect">
+            <a:avLst/>
+          </a:prstGeom>
+          <a:noFill/>
+          <a:ln w="12700">
+            <a:solidFill>
+              <a:prstClr val="black"/>
+            </a:solidFill>
+          </a:ln>
+        </p:spPr>
+        <p:txBody>
+          <a:bodyPr vert="horz" lIns="91440" tIns="45720" rIns="91440" bIns="45720" rtlCol="0" anchor="ctr"/>
+          <a:lstStyle/>
+          <a:p>
+            <a:endParaRPr lang="en-SG"/>
+          </a:p>
+        </p:txBody>
+      </p:sp>
+      <p:sp>
+        <p:nvSpPr>
+          <p:cNvPr id="5" name="Notes Placeholder 4"/>
+          <p:cNvSpPr>
+            <a:spLocks noGrp="1"/>
+          </p:cNvSpPr>
+          <p:nvPr>
+            <p:ph type="body" sz="quarter" idx="3"/>
+          </p:nvPr>
+        </p:nvSpPr>
+        <p:spPr>
+          <a:xfrm>
+            <a:off x="685800" y="4400550"/>
+            <a:ext cx="5486400" cy="3600450"/>
+          </a:xfrm>
+          <a:prstGeom prst="rect">
+            <a:avLst/>
+          </a:prstGeom>
+        </p:spPr>
+        <p:txBody>
+          <a:bodyPr vert="horz" lIns="91440" tIns="45720" rIns="91440" bIns="45720" rtlCol="0"/>
+          <a:lstStyle/>
+          <a:p>
+            <a:pPr lvl="0"/>
+            <a:r>
+              <a:rPr lang="en-US"/>
+              <a:t>Click to edit Master text styles</a:t>
+            </a:r>
+          </a:p>
+          <a:p>
+            <a:pPr lvl="1"/>
+            <a:r>
+              <a:rPr lang="en-US"/>
+              <a:t>Second level</a:t>
+            </a:r>
+          </a:p>
+          <a:p>
+            <a:pPr lvl="2"/>
+            <a:r>
+              <a:rPr lang="en-US"/>
+              <a:t>Third level</a:t>
+            </a:r>
+          </a:p>
+          <a:p>
+            <a:pPr lvl="3"/>
+            <a:r>
+              <a:rPr lang="en-US"/>
+              <a:t>Fourth level</a:t>
+            </a:r>
+          </a:p>
+          <a:p>
+            <a:pPr lvl="4"/>
+            <a:r>
+              <a:rPr lang="en-US"/>
+              <a:t>Fifth level</a:t>
+            </a:r>
+            <a:endParaRPr lang="en-SG"/>
+          </a:p>
+        </p:txBody>
+      </p:sp>
+      <p:sp>
+        <p:nvSpPr>
+          <p:cNvPr id="6" name="Footer Placeholder 5"/>
+          <p:cNvSpPr>
+            <a:spLocks noGrp="1"/>
+          </p:cNvSpPr>
+          <p:nvPr>
+            <p:ph type="ftr" sz="quarter" idx="4"/>
+          </p:nvPr>
+        </p:nvSpPr>
+        <p:spPr>
+          <a:xfrm>
+            <a:off x="0" y="8685213"/>
+            <a:ext cx="2971800" cy="458787"/>
+          </a:xfrm>
+          <a:prstGeom prst="rect">
+            <a:avLst/>
+          </a:prstGeom>
+        </p:spPr>
+        <p:txBody>
+          <a:bodyPr vert="horz" lIns="91440" tIns="45720" rIns="91440" bIns="45720" rtlCol="0" anchor="b"/>
+          <a:lstStyle>
+            <a:lvl1pPr algn="l">
+              <a:defRPr sz="1200"/>
+            </a:lvl1pPr>
+          </a:lstStyle>
+          <a:p>
+            <a:endParaRPr lang="en-SG"/>
+          </a:p>
+        </p:txBody>
+      </p:sp>
+      <p:sp>
+        <p:nvSpPr>
+          <p:cNvPr id="7" name="Slide Number Placeholder 6"/>
+          <p:cNvSpPr>
+            <a:spLocks noGrp="1"/>
+          </p:cNvSpPr>
+          <p:nvPr>
+            <p:ph type="sldNum" sz="quarter" idx="5"/>
+          </p:nvPr>
+        </p:nvSpPr>
+        <p:spPr>
+          <a:xfrm>
+            <a:off x="3884613" y="8685213"/>
+            <a:ext cx="2971800" cy="458787"/>
+          </a:xfrm>
+          <a:prstGeom prst="rect">
+            <a:avLst/>
+          </a:prstGeom>
+        </p:spPr>
+        <p:txBody>
+          <a:bodyPr vert="horz" lIns="91440" tIns="45720" rIns="91440" bIns="45720" rtlCol="0" anchor="b"/>
+          <a:lstStyle>
+            <a:lvl1pPr algn="r">
+              <a:defRPr sz="1200"/>
+            </a:lvl1pPr>
+          </a:lstStyle>
+          <a:p>
+            <a:fld id="{2DCFB1D4-988F-4DCF-8842-FA119517B4C9}" type="slidenum">
+              <a:rPr lang="en-SG" smtClean="0"/>
+              <a:t>‹#›</a:t>
+            </a:fld>
+            <a:endParaRPr lang="en-SG"/>
+          </a:p>
+        </p:txBody>
+      </p:sp>
+    </p:spTree>
+    <p:extLst>
+      <p:ext uri="{BB962C8B-B14F-4D97-AF65-F5344CB8AC3E}">
+        <p14:creationId xmlns:p14="http://schemas.microsoft.com/office/powerpoint/2010/main" val="1679632087"/>
+      </p:ext>
+    </p:extLst>
+  </p:cSld>
+  <p:clrMap bg1="lt1" tx1="dk1" bg2="lt2" tx2="dk2" accent1="accent1" accent2="accent2" accent3="accent3" accent4="accent4" accent5="accent5" accent6="accent6" hlink="hlink" folHlink="folHlink"/>
+  <p:notesStyle>
+    <a:lvl1pPr marL="0" algn="l" defTabSz="914400" rtl="0" eaLnBrk="1" latinLnBrk="0" hangingPunct="1">
+      <a:defRPr sz="1200" kern="1200">
+        <a:solidFill>
+          <a:schemeClr val="tx1"/>
+        </a:solidFill>
+        <a:latin typeface="+mn-lt"/>
+        <a:ea typeface="+mn-ea"/>
+        <a:cs typeface="+mn-cs"/>
+      </a:defRPr>
+    </a:lvl1pPr>
+    <a:lvl2pPr marL="457200" algn="l" defTabSz="914400" rtl="0" eaLnBrk="1" latinLnBrk="0" hangingPunct="1">
+      <a:defRPr sz="1200" kern="1200">
+        <a:solidFill>
+          <a:schemeClr val="tx1"/>
+        </a:solidFill>
+        <a:latin typeface="+mn-lt"/>
+        <a:ea typeface="+mn-ea"/>
+        <a:cs typeface="+mn-cs"/>
+      </a:defRPr>
+    </a:lvl2pPr>
+    <a:lvl3pPr marL="914400" algn="l" defTabSz="914400" rtl="0" eaLnBrk="1" latinLnBrk="0" hangingPunct="1">
+      <a:defRPr sz="1200" kern="1200">
+        <a:solidFill>
+          <a:schemeClr val="tx1"/>
+        </a:solidFill>
+        <a:latin typeface="+mn-lt"/>
+        <a:ea typeface="+mn-ea"/>
+        <a:cs typeface="+mn-cs"/>
+      </a:defRPr>
+    </a:lvl3pPr>
+    <a:lvl4pPr marL="1371600" algn="l" defTabSz="914400" rtl="0" eaLnBrk="1" latinLnBrk="0" hangingPunct="1">
+      <a:defRPr sz="1200" kern="1200">
+        <a:solidFill>
+          <a:schemeClr val="tx1"/>
+        </a:solidFill>
+        <a:latin typeface="+mn-lt"/>
+        <a:ea typeface="+mn-ea"/>
+        <a:cs typeface="+mn-cs"/>
+      </a:defRPr>
+    </a:lvl4pPr>
+    <a:lvl5pPr marL="1828800" algn="l" defTabSz="914400" rtl="0" eaLnBrk="1" latinLnBrk="0" hangingPunct="1">
+      <a:defRPr sz="1200" kern="1200">
+        <a:solidFill>
+          <a:schemeClr val="tx1"/>
+        </a:solidFill>
+        <a:latin typeface="+mn-lt"/>
+        <a:ea typeface="+mn-ea"/>
+        <a:cs typeface="+mn-cs"/>
+      </a:defRPr>
+    </a:lvl5pPr>
+    <a:lvl6pPr marL="2286000" algn="l" defTabSz="914400" rtl="0" eaLnBrk="1" latinLnBrk="0" hangingPunct="1">
+      <a:defRPr sz="1200" kern="1200">
+        <a:solidFill>
+          <a:schemeClr val="tx1"/>
+        </a:solidFill>
+        <a:latin typeface="+mn-lt"/>
+        <a:ea typeface="+mn-ea"/>
+        <a:cs typeface="+mn-cs"/>
+      </a:defRPr>
+    </a:lvl6pPr>
+    <a:lvl7pPr marL="2743200" algn="l" defTabSz="914400" rtl="0" eaLnBrk="1" latinLnBrk="0" hangingPunct="1">
+      <a:defRPr sz="1200" kern="1200">
+        <a:solidFill>
+          <a:schemeClr val="tx1"/>
+        </a:solidFill>
+        <a:latin typeface="+mn-lt"/>
+        <a:ea typeface="+mn-ea"/>
+        <a:cs typeface="+mn-cs"/>
+      </a:defRPr>
+    </a:lvl7pPr>
+    <a:lvl8pPr marL="3200400" algn="l" defTabSz="914400" rtl="0" eaLnBrk="1" latinLnBrk="0" hangingPunct="1">
+      <a:defRPr sz="1200" kern="1200">
+        <a:solidFill>
+          <a:schemeClr val="tx1"/>
+        </a:solidFill>
+        <a:latin typeface="+mn-lt"/>
+        <a:ea typeface="+mn-ea"/>
+        <a:cs typeface="+mn-cs"/>
+      </a:defRPr>
+    </a:lvl8pPr>
+    <a:lvl9pPr marL="3657600" algn="l" defTabSz="914400" rtl="0" eaLnBrk="1" latinLnBrk="0" hangingPunct="1">
+      <a:defRPr sz="1200" kern="1200">
+        <a:solidFill>
+          <a:schemeClr val="tx1"/>
+        </a:solidFill>
+        <a:latin typeface="+mn-lt"/>
+        <a:ea typeface="+mn-ea"/>
+        <a:cs typeface="+mn-cs"/>
+      </a:defRPr>
+    </a:lvl9pPr>
+  </p:notesStyle>
+</p:notesMaster>
+</file>
+
+<file path=ppt/notesSlides/notesSlide1.xml><?xml version="1.0" encoding="utf-8"?>
+<p:notes xmlns:a="http://schemas.openxmlformats.org/drawingml/2006/main" xmlns:r="http://schemas.openxmlformats.org/officeDocument/2006/relationships" xmlns:p="http://schemas.openxmlformats.org/presentationml/2006/main">
+  <p:cSld>
+    <p:spTree>
+      <p:nvGrpSpPr>
+        <p:cNvPr id="1" name=""/>
+        <p:cNvGrpSpPr/>
+        <p:nvPr/>
+      </p:nvGrpSpPr>
+      <p:grpSpPr>
+        <a:xfrm>
+          <a:off x="0" y="0"/>
+          <a:ext cx="0" cy="0"/>
+          <a:chOff x="0" y="0"/>
+          <a:chExt cx="0" cy="0"/>
+        </a:xfrm>
+      </p:grpSpPr>
+      <p:sp>
+        <p:nvSpPr>
+          <p:cNvPr id="2" name="Slide Image Placeholder 1"/>
+          <p:cNvSpPr>
+            <a:spLocks noGrp="1" noRot="1" noChangeAspect="1"/>
+          </p:cNvSpPr>
+          <p:nvPr>
+            <p:ph type="sldImg"/>
+          </p:nvPr>
+        </p:nvSpPr>
+        <p:spPr/>
+      </p:sp>
+      <p:sp>
+        <p:nvSpPr>
+          <p:cNvPr id="3" name="Notes Placeholder 2"/>
+          <p:cNvSpPr>
+            <a:spLocks noGrp="1"/>
+          </p:cNvSpPr>
+          <p:nvPr>
+            <p:ph type="body" idx="1"/>
+          </p:nvPr>
+        </p:nvSpPr>
+        <p:spPr/>
+        <p:txBody>
+          <a:bodyPr/>
+          <a:lstStyle/>
+          <a:p>
+            <a:endParaRPr lang="en-SG" dirty="0"/>
+          </a:p>
+        </p:txBody>
+      </p:sp>
+      <p:sp>
+        <p:nvSpPr>
+          <p:cNvPr id="4" name="Slide Number Placeholder 3"/>
+          <p:cNvSpPr>
+            <a:spLocks noGrp="1"/>
+          </p:cNvSpPr>
+          <p:nvPr>
+            <p:ph type="sldNum" sz="quarter" idx="5"/>
+          </p:nvPr>
+        </p:nvSpPr>
+        <p:spPr/>
+        <p:txBody>
+          <a:bodyPr/>
+          <a:lstStyle/>
+          <a:p>
+            <a:fld id="{2DCFB1D4-988F-4DCF-8842-FA119517B4C9}" type="slidenum">
+              <a:rPr lang="en-SG" smtClean="0"/>
+              <a:t>2</a:t>
+            </a:fld>
+            <a:endParaRPr lang="en-SG"/>
+          </a:p>
+        </p:txBody>
+      </p:sp>
+    </p:spTree>
+    <p:extLst>
+      <p:ext uri="{BB962C8B-B14F-4D97-AF65-F5344CB8AC3E}">
+        <p14:creationId xmlns:p14="http://schemas.microsoft.com/office/powerpoint/2010/main" val="1456081124"/>
+      </p:ext>
+    </p:extLst>
+  </p:cSld>
+  <p:clrMapOvr>
+    <a:masterClrMapping/>
+  </p:clrMapOvr>
+</p:notes>
 </file>
 
 <file path=ppt/slideLayouts/slideLayout1.xml><?xml version="1.0" encoding="utf-8"?>
@@ -256,7 +700,7 @@
           <a:p>
             <a:fld id="{5D17EEFB-EFC6-438C-843F-BB2C8BF0D30E}" type="datetimeFigureOut">
               <a:rPr lang="en-SG" smtClean="0"/>
-              <a:t>9/7/2024</a:t>
+              <a:t>11/7/2024</a:t>
             </a:fld>
             <a:endParaRPr lang="en-SG"/>
           </a:p>
@@ -456,7 +900,7 @@
           <a:p>
             <a:fld id="{5D17EEFB-EFC6-438C-843F-BB2C8BF0D30E}" type="datetimeFigureOut">
               <a:rPr lang="en-SG" smtClean="0"/>
-              <a:t>9/7/2024</a:t>
+              <a:t>11/7/2024</a:t>
             </a:fld>
             <a:endParaRPr lang="en-SG"/>
           </a:p>
@@ -666,7 +1110,7 @@
           <a:p>
             <a:fld id="{5D17EEFB-EFC6-438C-843F-BB2C8BF0D30E}" type="datetimeFigureOut">
               <a:rPr lang="en-SG" smtClean="0"/>
-              <a:t>9/7/2024</a:t>
+              <a:t>11/7/2024</a:t>
             </a:fld>
             <a:endParaRPr lang="en-SG"/>
           </a:p>
@@ -866,7 +1310,7 @@
           <a:p>
             <a:fld id="{5D17EEFB-EFC6-438C-843F-BB2C8BF0D30E}" type="datetimeFigureOut">
               <a:rPr lang="en-SG" smtClean="0"/>
-              <a:t>9/7/2024</a:t>
+              <a:t>11/7/2024</a:t>
             </a:fld>
             <a:endParaRPr lang="en-SG"/>
           </a:p>
@@ -1142,7 +1586,7 @@
           <a:p>
             <a:fld id="{5D17EEFB-EFC6-438C-843F-BB2C8BF0D30E}" type="datetimeFigureOut">
               <a:rPr lang="en-SG" smtClean="0"/>
-              <a:t>9/7/2024</a:t>
+              <a:t>11/7/2024</a:t>
             </a:fld>
             <a:endParaRPr lang="en-SG"/>
           </a:p>
@@ -1410,7 +1854,7 @@
           <a:p>
             <a:fld id="{5D17EEFB-EFC6-438C-843F-BB2C8BF0D30E}" type="datetimeFigureOut">
               <a:rPr lang="en-SG" smtClean="0"/>
-              <a:t>9/7/2024</a:t>
+              <a:t>11/7/2024</a:t>
             </a:fld>
             <a:endParaRPr lang="en-SG"/>
           </a:p>
@@ -1825,7 +2269,7 @@
           <a:p>
             <a:fld id="{5D17EEFB-EFC6-438C-843F-BB2C8BF0D30E}" type="datetimeFigureOut">
               <a:rPr lang="en-SG" smtClean="0"/>
-              <a:t>9/7/2024</a:t>
+              <a:t>11/7/2024</a:t>
             </a:fld>
             <a:endParaRPr lang="en-SG"/>
           </a:p>
@@ -1967,7 +2411,7 @@
           <a:p>
             <a:fld id="{5D17EEFB-EFC6-438C-843F-BB2C8BF0D30E}" type="datetimeFigureOut">
               <a:rPr lang="en-SG" smtClean="0"/>
-              <a:t>9/7/2024</a:t>
+              <a:t>11/7/2024</a:t>
             </a:fld>
             <a:endParaRPr lang="en-SG"/>
           </a:p>
@@ -2080,7 +2524,7 @@
           <a:p>
             <a:fld id="{5D17EEFB-EFC6-438C-843F-BB2C8BF0D30E}" type="datetimeFigureOut">
               <a:rPr lang="en-SG" smtClean="0"/>
-              <a:t>9/7/2024</a:t>
+              <a:t>11/7/2024</a:t>
             </a:fld>
             <a:endParaRPr lang="en-SG"/>
           </a:p>
@@ -2393,7 +2837,7 @@
           <a:p>
             <a:fld id="{5D17EEFB-EFC6-438C-843F-BB2C8BF0D30E}" type="datetimeFigureOut">
               <a:rPr lang="en-SG" smtClean="0"/>
-              <a:t>9/7/2024</a:t>
+              <a:t>11/7/2024</a:t>
             </a:fld>
             <a:endParaRPr lang="en-SG"/>
           </a:p>
@@ -2682,7 +3126,7 @@
           <a:p>
             <a:fld id="{5D17EEFB-EFC6-438C-843F-BB2C8BF0D30E}" type="datetimeFigureOut">
               <a:rPr lang="en-SG" smtClean="0"/>
-              <a:t>9/7/2024</a:t>
+              <a:t>11/7/2024</a:t>
             </a:fld>
             <a:endParaRPr lang="en-SG"/>
           </a:p>
@@ -2925,7 +3369,7 @@
           <a:p>
             <a:fld id="{5D17EEFB-EFC6-438C-843F-BB2C8BF0D30E}" type="datetimeFigureOut">
               <a:rPr lang="en-SG" smtClean="0"/>
-              <a:t>9/7/2024</a:t>
+              <a:t>11/7/2024</a:t>
             </a:fld>
             <a:endParaRPr lang="en-SG"/>
           </a:p>
@@ -3785,6 +4229,5082 @@
 </p:sld>
 </file>
 
+<file path=ppt/slides/slide2.xml><?xml version="1.0" encoding="utf-8"?>
+<p:sld xmlns:a="http://schemas.openxmlformats.org/drawingml/2006/main" xmlns:r="http://schemas.openxmlformats.org/officeDocument/2006/relationships" xmlns:p="http://schemas.openxmlformats.org/presentationml/2006/main">
+  <p:cSld>
+    <p:spTree>
+      <p:nvGrpSpPr>
+        <p:cNvPr id="1" name=""/>
+        <p:cNvGrpSpPr/>
+        <p:nvPr/>
+      </p:nvGrpSpPr>
+      <p:grpSpPr>
+        <a:xfrm>
+          <a:off x="0" y="0"/>
+          <a:ext cx="0" cy="0"/>
+          <a:chOff x="0" y="0"/>
+          <a:chExt cx="0" cy="0"/>
+        </a:xfrm>
+      </p:grpSpPr>
+      <p:pic>
+        <p:nvPicPr>
+          <p:cNvPr id="7" name="Picture 6">
+            <a:extLst>
+              <a:ext uri="{FF2B5EF4-FFF2-40B4-BE49-F238E27FC236}">
+                <a16:creationId xmlns:a16="http://schemas.microsoft.com/office/drawing/2014/main" id="{C42BE0DE-C8B5-1509-6442-96CF828E8954}"/>
+              </a:ext>
+            </a:extLst>
+          </p:cNvPr>
+          <p:cNvPicPr>
+            <a:picLocks noChangeAspect="1"/>
+          </p:cNvPicPr>
+          <p:nvPr/>
+        </p:nvPicPr>
+        <p:blipFill>
+          <a:blip r:embed="rId3"/>
+          <a:stretch>
+            <a:fillRect/>
+          </a:stretch>
+        </p:blipFill>
+        <p:spPr>
+          <a:xfrm>
+            <a:off x="4511882" y="2485787"/>
+            <a:ext cx="1399822" cy="1077169"/>
+          </a:xfrm>
+          <a:prstGeom prst="rect">
+            <a:avLst/>
+          </a:prstGeom>
+        </p:spPr>
+      </p:pic>
+      <p:sp>
+        <p:nvSpPr>
+          <p:cNvPr id="4" name="Rectangle 3">
+            <a:extLst>
+              <a:ext uri="{FF2B5EF4-FFF2-40B4-BE49-F238E27FC236}">
+                <a16:creationId xmlns:a16="http://schemas.microsoft.com/office/drawing/2014/main" id="{BE8B4C90-B2C5-2A72-BD58-B4E9CC948F74}"/>
+              </a:ext>
+            </a:extLst>
+          </p:cNvPr>
+          <p:cNvSpPr/>
+          <p:nvPr/>
+        </p:nvSpPr>
+        <p:spPr>
+          <a:xfrm>
+            <a:off x="4430198" y="2399746"/>
+            <a:ext cx="3296354" cy="2247745"/>
+          </a:xfrm>
+          <a:prstGeom prst="rect">
+            <a:avLst/>
+          </a:prstGeom>
+          <a:noFill/>
+          <a:ln>
+            <a:prstDash val="sysDot"/>
+          </a:ln>
+        </p:spPr>
+        <p:style>
+          <a:lnRef idx="2">
+            <a:schemeClr val="accent1">
+              <a:shade val="15000"/>
+            </a:schemeClr>
+          </a:lnRef>
+          <a:fillRef idx="1">
+            <a:schemeClr val="accent1"/>
+          </a:fillRef>
+          <a:effectRef idx="0">
+            <a:schemeClr val="accent1"/>
+          </a:effectRef>
+          <a:fontRef idx="minor">
+            <a:schemeClr val="lt1"/>
+          </a:fontRef>
+        </p:style>
+        <p:txBody>
+          <a:bodyPr rtlCol="0" anchor="ctr"/>
+          <a:lstStyle/>
+          <a:p>
+            <a:pPr algn="ctr"/>
+            <a:endParaRPr lang="en-SG" sz="1200" b="1" dirty="0">
+              <a:solidFill>
+                <a:schemeClr val="tx1"/>
+              </a:solidFill>
+            </a:endParaRPr>
+          </a:p>
+        </p:txBody>
+      </p:sp>
+      <p:sp>
+        <p:nvSpPr>
+          <p:cNvPr id="5" name="TextBox 4">
+            <a:extLst>
+              <a:ext uri="{FF2B5EF4-FFF2-40B4-BE49-F238E27FC236}">
+                <a16:creationId xmlns:a16="http://schemas.microsoft.com/office/drawing/2014/main" id="{8DAF7ACA-1875-F29E-1637-8C3F507426EF}"/>
+              </a:ext>
+            </a:extLst>
+          </p:cNvPr>
+          <p:cNvSpPr txBox="1"/>
+          <p:nvPr/>
+        </p:nvSpPr>
+        <p:spPr>
+          <a:xfrm>
+            <a:off x="6001203" y="2468585"/>
+            <a:ext cx="1522413" cy="1015663"/>
+          </a:xfrm>
+          <a:prstGeom prst="rect">
+            <a:avLst/>
+          </a:prstGeom>
+          <a:noFill/>
+        </p:spPr>
+        <p:txBody>
+          <a:bodyPr wrap="square" rtlCol="0">
+            <a:spAutoFit/>
+          </a:bodyPr>
+          <a:lstStyle/>
+          <a:p>
+            <a:pPr algn="l"/>
+            <a:r>
+              <a:rPr lang="en-SG" sz="2000" b="1" i="0" dirty="0">
+                <a:solidFill>
+                  <a:srgbClr val="1F2328"/>
+                </a:solidFill>
+                <a:effectLst/>
+                <a:highlight>
+                  <a:srgbClr val="FFFFFF"/>
+                </a:highlight>
+              </a:rPr>
+              <a:t>People Detection Radar IoT</a:t>
+            </a:r>
+          </a:p>
+        </p:txBody>
+      </p:sp>
+      <p:pic>
+        <p:nvPicPr>
+          <p:cNvPr id="8" name="Picture 7">
+            <a:extLst>
+              <a:ext uri="{FF2B5EF4-FFF2-40B4-BE49-F238E27FC236}">
+                <a16:creationId xmlns:a16="http://schemas.microsoft.com/office/drawing/2014/main" id="{3091FB4E-EE28-FAD3-8B9A-C78F95369356}"/>
+              </a:ext>
+            </a:extLst>
+          </p:cNvPr>
+          <p:cNvPicPr>
+            <a:picLocks noChangeAspect="1"/>
+          </p:cNvPicPr>
+          <p:nvPr/>
+        </p:nvPicPr>
+        <p:blipFill>
+          <a:blip r:embed="rId4"/>
+          <a:stretch>
+            <a:fillRect/>
+          </a:stretch>
+        </p:blipFill>
+        <p:spPr>
+          <a:xfrm>
+            <a:off x="4739881" y="3700048"/>
+            <a:ext cx="765740" cy="662262"/>
+          </a:xfrm>
+          <a:prstGeom prst="rect">
+            <a:avLst/>
+          </a:prstGeom>
+          <a:ln w="9525">
+            <a:solidFill>
+              <a:schemeClr val="tx1"/>
+            </a:solidFill>
+          </a:ln>
+        </p:spPr>
+      </p:pic>
+      <p:pic>
+        <p:nvPicPr>
+          <p:cNvPr id="10" name="Picture 9">
+            <a:extLst>
+              <a:ext uri="{FF2B5EF4-FFF2-40B4-BE49-F238E27FC236}">
+                <a16:creationId xmlns:a16="http://schemas.microsoft.com/office/drawing/2014/main" id="{1F903544-7CE0-1CB6-D771-57A24F99F7A6}"/>
+              </a:ext>
+            </a:extLst>
+          </p:cNvPr>
+          <p:cNvPicPr>
+            <a:picLocks noChangeAspect="1"/>
+          </p:cNvPicPr>
+          <p:nvPr/>
+        </p:nvPicPr>
+        <p:blipFill>
+          <a:blip r:embed="rId5"/>
+          <a:stretch>
+            <a:fillRect/>
+          </a:stretch>
+        </p:blipFill>
+        <p:spPr>
+          <a:xfrm>
+            <a:off x="6953839" y="3635265"/>
+            <a:ext cx="671517" cy="671517"/>
+          </a:xfrm>
+          <a:prstGeom prst="rect">
+            <a:avLst/>
+          </a:prstGeom>
+          <a:ln>
+            <a:solidFill>
+              <a:srgbClr val="0070C0"/>
+            </a:solidFill>
+            <a:prstDash val="sysDash"/>
+          </a:ln>
+        </p:spPr>
+      </p:pic>
+      <p:cxnSp>
+        <p:nvCxnSpPr>
+          <p:cNvPr id="12" name="Straight Connector 11">
+            <a:extLst>
+              <a:ext uri="{FF2B5EF4-FFF2-40B4-BE49-F238E27FC236}">
+                <a16:creationId xmlns:a16="http://schemas.microsoft.com/office/drawing/2014/main" id="{E73823C3-4B4A-3F7D-9C72-727C863AB15D}"/>
+              </a:ext>
+            </a:extLst>
+          </p:cNvPr>
+          <p:cNvCxnSpPr>
+            <a:cxnSpLocks/>
+          </p:cNvCxnSpPr>
+          <p:nvPr/>
+        </p:nvCxnSpPr>
+        <p:spPr>
+          <a:xfrm>
+            <a:off x="5505621" y="3781254"/>
+            <a:ext cx="1448218" cy="0"/>
+          </a:xfrm>
+          <a:prstGeom prst="line">
+            <a:avLst/>
+          </a:prstGeom>
+        </p:spPr>
+        <p:style>
+          <a:lnRef idx="2">
+            <a:schemeClr val="accent1"/>
+          </a:lnRef>
+          <a:fillRef idx="0">
+            <a:schemeClr val="accent1"/>
+          </a:fillRef>
+          <a:effectRef idx="1">
+            <a:schemeClr val="accent1"/>
+          </a:effectRef>
+          <a:fontRef idx="minor">
+            <a:schemeClr val="tx1"/>
+          </a:fontRef>
+        </p:style>
+      </p:cxnSp>
+      <p:pic>
+        <p:nvPicPr>
+          <p:cNvPr id="9" name="Picture 8">
+            <a:extLst>
+              <a:ext uri="{FF2B5EF4-FFF2-40B4-BE49-F238E27FC236}">
+                <a16:creationId xmlns:a16="http://schemas.microsoft.com/office/drawing/2014/main" id="{F9E6DD22-74F4-0444-B7FA-90A82EE6873F}"/>
+              </a:ext>
+            </a:extLst>
+          </p:cNvPr>
+          <p:cNvPicPr>
+            <a:picLocks noChangeAspect="1"/>
+          </p:cNvPicPr>
+          <p:nvPr/>
+        </p:nvPicPr>
+        <p:blipFill>
+          <a:blip r:embed="rId6"/>
+          <a:stretch>
+            <a:fillRect/>
+          </a:stretch>
+        </p:blipFill>
+        <p:spPr>
+          <a:xfrm rot="5400000">
+            <a:off x="5786752" y="3631587"/>
+            <a:ext cx="662264" cy="768429"/>
+          </a:xfrm>
+          <a:prstGeom prst="rect">
+            <a:avLst/>
+          </a:prstGeom>
+          <a:ln w="6350">
+            <a:solidFill>
+              <a:schemeClr val="tx1"/>
+            </a:solidFill>
+          </a:ln>
+        </p:spPr>
+      </p:pic>
+      <p:cxnSp>
+        <p:nvCxnSpPr>
+          <p:cNvPr id="13" name="Straight Connector 12">
+            <a:extLst>
+              <a:ext uri="{FF2B5EF4-FFF2-40B4-BE49-F238E27FC236}">
+                <a16:creationId xmlns:a16="http://schemas.microsoft.com/office/drawing/2014/main" id="{B40224CC-E332-7794-8747-76543A6A3F09}"/>
+              </a:ext>
+            </a:extLst>
+          </p:cNvPr>
+          <p:cNvCxnSpPr>
+            <a:cxnSpLocks/>
+          </p:cNvCxnSpPr>
+          <p:nvPr/>
+        </p:nvCxnSpPr>
+        <p:spPr>
+          <a:xfrm>
+            <a:off x="6497193" y="4170720"/>
+            <a:ext cx="456646" cy="0"/>
+          </a:xfrm>
+          <a:prstGeom prst="line">
+            <a:avLst/>
+          </a:prstGeom>
+        </p:spPr>
+        <p:style>
+          <a:lnRef idx="2">
+            <a:schemeClr val="accent1"/>
+          </a:lnRef>
+          <a:fillRef idx="0">
+            <a:schemeClr val="accent1"/>
+          </a:fillRef>
+          <a:effectRef idx="1">
+            <a:schemeClr val="accent1"/>
+          </a:effectRef>
+          <a:fontRef idx="minor">
+            <a:schemeClr val="tx1"/>
+          </a:fontRef>
+        </p:style>
+      </p:cxnSp>
+      <p:sp>
+        <p:nvSpPr>
+          <p:cNvPr id="15" name="Isosceles Triangle 14">
+            <a:extLst>
+              <a:ext uri="{FF2B5EF4-FFF2-40B4-BE49-F238E27FC236}">
+                <a16:creationId xmlns:a16="http://schemas.microsoft.com/office/drawing/2014/main" id="{B939440D-C616-F677-3CA3-0775426F105B}"/>
+              </a:ext>
+            </a:extLst>
+          </p:cNvPr>
+          <p:cNvSpPr/>
+          <p:nvPr/>
+        </p:nvSpPr>
+        <p:spPr>
+          <a:xfrm>
+            <a:off x="4858723" y="4377293"/>
+            <a:ext cx="561907" cy="532103"/>
+          </a:xfrm>
+          <a:prstGeom prst="triangle">
+            <a:avLst>
+              <a:gd name="adj" fmla="val 48277"/>
+            </a:avLst>
+          </a:prstGeom>
+          <a:solidFill>
+            <a:schemeClr val="accent6">
+              <a:lumMod val="20000"/>
+              <a:lumOff val="80000"/>
+            </a:schemeClr>
+          </a:solidFill>
+          <a:ln>
+            <a:solidFill>
+              <a:schemeClr val="bg1"/>
+            </a:solidFill>
+          </a:ln>
+        </p:spPr>
+        <p:style>
+          <a:lnRef idx="2">
+            <a:schemeClr val="accent1">
+              <a:shade val="15000"/>
+            </a:schemeClr>
+          </a:lnRef>
+          <a:fillRef idx="1">
+            <a:schemeClr val="accent1"/>
+          </a:fillRef>
+          <a:effectRef idx="0">
+            <a:schemeClr val="accent1"/>
+          </a:effectRef>
+          <a:fontRef idx="minor">
+            <a:schemeClr val="lt1"/>
+          </a:fontRef>
+        </p:style>
+        <p:txBody>
+          <a:bodyPr rtlCol="0" anchor="ctr"/>
+          <a:lstStyle/>
+          <a:p>
+            <a:pPr algn="ctr"/>
+            <a:endParaRPr lang="en-SG" dirty="0"/>
+          </a:p>
+        </p:txBody>
+      </p:sp>
+      <p:sp>
+        <p:nvSpPr>
+          <p:cNvPr id="16" name="Isosceles Triangle 15">
+            <a:extLst>
+              <a:ext uri="{FF2B5EF4-FFF2-40B4-BE49-F238E27FC236}">
+                <a16:creationId xmlns:a16="http://schemas.microsoft.com/office/drawing/2014/main" id="{4AB7A42D-1D9C-23BA-861D-7FC53DB84D3B}"/>
+              </a:ext>
+            </a:extLst>
+          </p:cNvPr>
+          <p:cNvSpPr/>
+          <p:nvPr/>
+        </p:nvSpPr>
+        <p:spPr>
+          <a:xfrm>
+            <a:off x="5849154" y="4385588"/>
+            <a:ext cx="561906" cy="523808"/>
+          </a:xfrm>
+          <a:prstGeom prst="triangle">
+            <a:avLst>
+              <a:gd name="adj" fmla="val 49185"/>
+            </a:avLst>
+          </a:prstGeom>
+          <a:solidFill>
+            <a:schemeClr val="accent2">
+              <a:lumMod val="20000"/>
+              <a:lumOff val="80000"/>
+            </a:schemeClr>
+          </a:solidFill>
+          <a:ln>
+            <a:solidFill>
+              <a:schemeClr val="bg1"/>
+            </a:solidFill>
+          </a:ln>
+        </p:spPr>
+        <p:style>
+          <a:lnRef idx="2">
+            <a:schemeClr val="accent1">
+              <a:shade val="15000"/>
+            </a:schemeClr>
+          </a:lnRef>
+          <a:fillRef idx="1">
+            <a:schemeClr val="accent1"/>
+          </a:fillRef>
+          <a:effectRef idx="0">
+            <a:schemeClr val="accent1"/>
+          </a:effectRef>
+          <a:fontRef idx="minor">
+            <a:schemeClr val="lt1"/>
+          </a:fontRef>
+        </p:style>
+        <p:txBody>
+          <a:bodyPr rtlCol="0" anchor="ctr"/>
+          <a:lstStyle/>
+          <a:p>
+            <a:pPr algn="ctr"/>
+            <a:endParaRPr lang="en-SG"/>
+          </a:p>
+        </p:txBody>
+      </p:sp>
+      <p:pic>
+        <p:nvPicPr>
+          <p:cNvPr id="17" name="Picture 16">
+            <a:extLst>
+              <a:ext uri="{FF2B5EF4-FFF2-40B4-BE49-F238E27FC236}">
+                <a16:creationId xmlns:a16="http://schemas.microsoft.com/office/drawing/2014/main" id="{DBB4A5DB-FB0C-925B-0531-99E207A3250E}"/>
+              </a:ext>
+            </a:extLst>
+          </p:cNvPr>
+          <p:cNvPicPr>
+            <a:picLocks noChangeAspect="1"/>
+          </p:cNvPicPr>
+          <p:nvPr/>
+        </p:nvPicPr>
+        <p:blipFill>
+          <a:blip r:embed="rId7"/>
+          <a:stretch>
+            <a:fillRect/>
+          </a:stretch>
+        </p:blipFill>
+        <p:spPr>
+          <a:xfrm>
+            <a:off x="5849155" y="4941625"/>
+            <a:ext cx="561905" cy="523810"/>
+          </a:xfrm>
+          <a:prstGeom prst="rect">
+            <a:avLst/>
+          </a:prstGeom>
+        </p:spPr>
+      </p:pic>
+      <p:pic>
+        <p:nvPicPr>
+          <p:cNvPr id="19" name="Picture 18">
+            <a:extLst>
+              <a:ext uri="{FF2B5EF4-FFF2-40B4-BE49-F238E27FC236}">
+                <a16:creationId xmlns:a16="http://schemas.microsoft.com/office/drawing/2014/main" id="{B2EB0CA5-E588-FFE3-2935-4DED903746F4}"/>
+              </a:ext>
+            </a:extLst>
+          </p:cNvPr>
+          <p:cNvPicPr>
+            <a:picLocks noChangeAspect="1"/>
+          </p:cNvPicPr>
+          <p:nvPr/>
+        </p:nvPicPr>
+        <p:blipFill>
+          <a:blip r:embed="rId8"/>
+          <a:stretch>
+            <a:fillRect/>
+          </a:stretch>
+        </p:blipFill>
+        <p:spPr>
+          <a:xfrm>
+            <a:off x="4898900" y="4947882"/>
+            <a:ext cx="521730" cy="511296"/>
+          </a:xfrm>
+          <a:prstGeom prst="rect">
+            <a:avLst/>
+          </a:prstGeom>
+        </p:spPr>
+      </p:pic>
+      <p:pic>
+        <p:nvPicPr>
+          <p:cNvPr id="21" name="Picture 20">
+            <a:extLst>
+              <a:ext uri="{FF2B5EF4-FFF2-40B4-BE49-F238E27FC236}">
+                <a16:creationId xmlns:a16="http://schemas.microsoft.com/office/drawing/2014/main" id="{527ABFFB-0731-8203-98A1-17CA3304312A}"/>
+              </a:ext>
+            </a:extLst>
+          </p:cNvPr>
+          <p:cNvPicPr>
+            <a:picLocks noChangeAspect="1"/>
+          </p:cNvPicPr>
+          <p:nvPr/>
+        </p:nvPicPr>
+        <p:blipFill>
+          <a:blip r:embed="rId9">
+            <a:duotone>
+              <a:schemeClr val="accent2">
+                <a:shade val="45000"/>
+                <a:satMod val="135000"/>
+              </a:schemeClr>
+              <a:prstClr val="white"/>
+            </a:duotone>
+          </a:blip>
+          <a:stretch>
+            <a:fillRect/>
+          </a:stretch>
+        </p:blipFill>
+        <p:spPr>
+          <a:xfrm>
+            <a:off x="1961365" y="4258629"/>
+            <a:ext cx="868485" cy="708005"/>
+          </a:xfrm>
+          <a:prstGeom prst="rect">
+            <a:avLst/>
+          </a:prstGeom>
+        </p:spPr>
+      </p:pic>
+      <p:pic>
+        <p:nvPicPr>
+          <p:cNvPr id="23" name="Graphic 22" descr="Cube with solid fill">
+            <a:extLst>
+              <a:ext uri="{FF2B5EF4-FFF2-40B4-BE49-F238E27FC236}">
+                <a16:creationId xmlns:a16="http://schemas.microsoft.com/office/drawing/2014/main" id="{E9EE9EF8-17C5-0638-5EDC-297945CE9266}"/>
+              </a:ext>
+            </a:extLst>
+          </p:cNvPr>
+          <p:cNvPicPr>
+            <a:picLocks noChangeAspect="1"/>
+          </p:cNvPicPr>
+          <p:nvPr/>
+        </p:nvPicPr>
+        <p:blipFill>
+          <a:blip r:embed="rId10">
+            <a:extLst>
+              <a:ext uri="{96DAC541-7B7A-43D3-8B79-37D633B846F1}">
+                <asvg:svgBlip xmlns:asvg="http://schemas.microsoft.com/office/drawing/2016/SVG/main" r:embed="rId11"/>
+              </a:ext>
+            </a:extLst>
+          </a:blip>
+          <a:stretch>
+            <a:fillRect/>
+          </a:stretch>
+        </p:blipFill>
+        <p:spPr>
+          <a:xfrm>
+            <a:off x="1953992" y="3193589"/>
+            <a:ext cx="784520" cy="784520"/>
+          </a:xfrm>
+          <a:prstGeom prst="rect">
+            <a:avLst/>
+          </a:prstGeom>
+        </p:spPr>
+      </p:pic>
+      <p:pic>
+        <p:nvPicPr>
+          <p:cNvPr id="27" name="Picture 26" descr="A blue and yellow snake logo&#10;&#10;Description automatically generated">
+            <a:extLst>
+              <a:ext uri="{FF2B5EF4-FFF2-40B4-BE49-F238E27FC236}">
+                <a16:creationId xmlns:a16="http://schemas.microsoft.com/office/drawing/2014/main" id="{9309AFAF-AEA9-F936-AE7B-4F3ECF0C63FA}"/>
+              </a:ext>
+            </a:extLst>
+          </p:cNvPr>
+          <p:cNvPicPr>
+            <a:picLocks noChangeAspect="1"/>
+          </p:cNvPicPr>
+          <p:nvPr/>
+        </p:nvPicPr>
+        <p:blipFill>
+          <a:blip r:embed="rId12">
+            <a:extLst>
+              <a:ext uri="{28A0092B-C50C-407E-A947-70E740481C1C}">
+                <a14:useLocalDpi xmlns:a14="http://schemas.microsoft.com/office/drawing/2010/main" val="0"/>
+              </a:ext>
+            </a:extLst>
+          </a:blip>
+          <a:stretch>
+            <a:fillRect/>
+          </a:stretch>
+        </p:blipFill>
+        <p:spPr>
+          <a:xfrm>
+            <a:off x="1933482" y="3354698"/>
+            <a:ext cx="825539" cy="462302"/>
+          </a:xfrm>
+          <a:prstGeom prst="rect">
+            <a:avLst/>
+          </a:prstGeom>
+        </p:spPr>
+      </p:pic>
+      <p:cxnSp>
+        <p:nvCxnSpPr>
+          <p:cNvPr id="29" name="Straight Arrow Connector 28">
+            <a:extLst>
+              <a:ext uri="{FF2B5EF4-FFF2-40B4-BE49-F238E27FC236}">
+                <a16:creationId xmlns:a16="http://schemas.microsoft.com/office/drawing/2014/main" id="{B9AD9371-AF7D-6246-31B0-2E736C098882}"/>
+              </a:ext>
+            </a:extLst>
+          </p:cNvPr>
+          <p:cNvCxnSpPr>
+            <a:cxnSpLocks/>
+          </p:cNvCxnSpPr>
+          <p:nvPr/>
+        </p:nvCxnSpPr>
+        <p:spPr>
+          <a:xfrm>
+            <a:off x="2820196" y="3602874"/>
+            <a:ext cx="1410758" cy="0"/>
+          </a:xfrm>
+          <a:prstGeom prst="straightConnector1">
+            <a:avLst/>
+          </a:prstGeom>
+          <a:ln w="57150">
+            <a:solidFill>
+              <a:srgbClr val="C00000"/>
+            </a:solidFill>
+            <a:tailEnd type="triangle"/>
+          </a:ln>
+        </p:spPr>
+        <p:style>
+          <a:lnRef idx="2">
+            <a:schemeClr val="accent1"/>
+          </a:lnRef>
+          <a:fillRef idx="0">
+            <a:schemeClr val="accent1"/>
+          </a:fillRef>
+          <a:effectRef idx="1">
+            <a:schemeClr val="accent1"/>
+          </a:effectRef>
+          <a:fontRef idx="minor">
+            <a:schemeClr val="tx1"/>
+          </a:fontRef>
+        </p:style>
+      </p:cxnSp>
+      <p:cxnSp>
+        <p:nvCxnSpPr>
+          <p:cNvPr id="31" name="Straight Arrow Connector 30">
+            <a:extLst>
+              <a:ext uri="{FF2B5EF4-FFF2-40B4-BE49-F238E27FC236}">
+                <a16:creationId xmlns:a16="http://schemas.microsoft.com/office/drawing/2014/main" id="{0308DD7D-C63B-8DFA-AFB4-4C36A8027816}"/>
+              </a:ext>
+            </a:extLst>
+          </p:cNvPr>
+          <p:cNvCxnSpPr>
+            <a:cxnSpLocks/>
+          </p:cNvCxnSpPr>
+          <p:nvPr/>
+        </p:nvCxnSpPr>
+        <p:spPr>
+          <a:xfrm>
+            <a:off x="2809782" y="4533697"/>
+            <a:ext cx="1421172" cy="0"/>
+          </a:xfrm>
+          <a:prstGeom prst="straightConnector1">
+            <a:avLst/>
+          </a:prstGeom>
+          <a:ln w="57150">
+            <a:solidFill>
+              <a:srgbClr val="C00000"/>
+            </a:solidFill>
+            <a:tailEnd type="triangle"/>
+          </a:ln>
+        </p:spPr>
+        <p:style>
+          <a:lnRef idx="2">
+            <a:schemeClr val="accent1"/>
+          </a:lnRef>
+          <a:fillRef idx="0">
+            <a:schemeClr val="accent1"/>
+          </a:fillRef>
+          <a:effectRef idx="1">
+            <a:schemeClr val="accent1"/>
+          </a:effectRef>
+          <a:fontRef idx="minor">
+            <a:schemeClr val="tx1"/>
+          </a:fontRef>
+        </p:style>
+      </p:cxnSp>
+      <p:cxnSp>
+        <p:nvCxnSpPr>
+          <p:cNvPr id="34" name="Straight Arrow Connector 33">
+            <a:extLst>
+              <a:ext uri="{FF2B5EF4-FFF2-40B4-BE49-F238E27FC236}">
+                <a16:creationId xmlns:a16="http://schemas.microsoft.com/office/drawing/2014/main" id="{528CBBA3-9E8A-1153-BB14-E02D3D070CBD}"/>
+              </a:ext>
+            </a:extLst>
+          </p:cNvPr>
+          <p:cNvCxnSpPr>
+            <a:cxnSpLocks/>
+          </p:cNvCxnSpPr>
+          <p:nvPr/>
+        </p:nvCxnSpPr>
+        <p:spPr>
+          <a:xfrm>
+            <a:off x="2801967" y="2570186"/>
+            <a:ext cx="1428987" cy="0"/>
+          </a:xfrm>
+          <a:prstGeom prst="straightConnector1">
+            <a:avLst/>
+          </a:prstGeom>
+          <a:ln w="57150">
+            <a:solidFill>
+              <a:srgbClr val="C00000"/>
+            </a:solidFill>
+            <a:tailEnd type="triangle"/>
+          </a:ln>
+        </p:spPr>
+        <p:style>
+          <a:lnRef idx="2">
+            <a:schemeClr val="accent1"/>
+          </a:lnRef>
+          <a:fillRef idx="0">
+            <a:schemeClr val="accent1"/>
+          </a:fillRef>
+          <a:effectRef idx="1">
+            <a:schemeClr val="accent1"/>
+          </a:effectRef>
+          <a:fontRef idx="minor">
+            <a:schemeClr val="tx1"/>
+          </a:fontRef>
+        </p:style>
+      </p:cxnSp>
+      <p:pic>
+        <p:nvPicPr>
+          <p:cNvPr id="36" name="Picture 35">
+            <a:extLst>
+              <a:ext uri="{FF2B5EF4-FFF2-40B4-BE49-F238E27FC236}">
+                <a16:creationId xmlns:a16="http://schemas.microsoft.com/office/drawing/2014/main" id="{E9887EF8-6880-CD88-2A5E-E181EC651A7B}"/>
+              </a:ext>
+            </a:extLst>
+          </p:cNvPr>
+          <p:cNvPicPr>
+            <a:picLocks noChangeAspect="1"/>
+          </p:cNvPicPr>
+          <p:nvPr/>
+        </p:nvPicPr>
+        <p:blipFill>
+          <a:blip r:embed="rId13">
+            <a:duotone>
+              <a:schemeClr val="accent2">
+                <a:shade val="45000"/>
+                <a:satMod val="135000"/>
+              </a:schemeClr>
+              <a:prstClr val="white"/>
+            </a:duotone>
+          </a:blip>
+          <a:stretch>
+            <a:fillRect/>
+          </a:stretch>
+        </p:blipFill>
+        <p:spPr>
+          <a:xfrm>
+            <a:off x="1933482" y="2228640"/>
+            <a:ext cx="535992" cy="635631"/>
+          </a:xfrm>
+          <a:prstGeom prst="rect">
+            <a:avLst/>
+          </a:prstGeom>
+        </p:spPr>
+      </p:pic>
+      <p:pic>
+        <p:nvPicPr>
+          <p:cNvPr id="35" name="Picture 34">
+            <a:extLst>
+              <a:ext uri="{FF2B5EF4-FFF2-40B4-BE49-F238E27FC236}">
+                <a16:creationId xmlns:a16="http://schemas.microsoft.com/office/drawing/2014/main" id="{3D6AA817-BA0A-9492-3B7D-ABDB69E27642}"/>
+              </a:ext>
+            </a:extLst>
+          </p:cNvPr>
+          <p:cNvPicPr>
+            <a:picLocks noChangeAspect="1"/>
+          </p:cNvPicPr>
+          <p:nvPr/>
+        </p:nvPicPr>
+        <p:blipFill>
+          <a:blip r:embed="rId14"/>
+          <a:stretch>
+            <a:fillRect/>
+          </a:stretch>
+        </p:blipFill>
+        <p:spPr>
+          <a:xfrm>
+            <a:off x="2198548" y="2346554"/>
+            <a:ext cx="364729" cy="376887"/>
+          </a:xfrm>
+          <a:prstGeom prst="rect">
+            <a:avLst/>
+          </a:prstGeom>
+          <a:ln w="12700">
+            <a:solidFill>
+              <a:schemeClr val="tx1"/>
+            </a:solidFill>
+          </a:ln>
+        </p:spPr>
+      </p:pic>
+      <p:pic>
+        <p:nvPicPr>
+          <p:cNvPr id="37" name="Picture 36" descr="A red bomb with a star&#10;&#10;Description automatically generated">
+            <a:extLst>
+              <a:ext uri="{FF2B5EF4-FFF2-40B4-BE49-F238E27FC236}">
+                <a16:creationId xmlns:a16="http://schemas.microsoft.com/office/drawing/2014/main" id="{34D3015C-3F5B-D021-513E-4A4CA4EE0FB3}"/>
+              </a:ext>
+            </a:extLst>
+          </p:cNvPr>
+          <p:cNvPicPr>
+            <a:picLocks noChangeAspect="1"/>
+          </p:cNvPicPr>
+          <p:nvPr/>
+        </p:nvPicPr>
+        <p:blipFill>
+          <a:blip r:embed="rId15">
+            <a:extLst>
+              <a:ext uri="{28A0092B-C50C-407E-A947-70E740481C1C}">
+                <a14:useLocalDpi xmlns:a14="http://schemas.microsoft.com/office/drawing/2010/main" val="0"/>
+              </a:ext>
+            </a:extLst>
+          </a:blip>
+          <a:stretch>
+            <a:fillRect/>
+          </a:stretch>
+        </p:blipFill>
+        <p:spPr>
+          <a:xfrm flipH="1">
+            <a:off x="2298034" y="2431446"/>
+            <a:ext cx="570118" cy="462302"/>
+          </a:xfrm>
+          <a:prstGeom prst="rect">
+            <a:avLst/>
+          </a:prstGeom>
+        </p:spPr>
+      </p:pic>
+      <p:sp>
+        <p:nvSpPr>
+          <p:cNvPr id="39" name="TextBox 38">
+            <a:extLst>
+              <a:ext uri="{FF2B5EF4-FFF2-40B4-BE49-F238E27FC236}">
+                <a16:creationId xmlns:a16="http://schemas.microsoft.com/office/drawing/2014/main" id="{D95DBAA4-1F40-42A6-11CC-5E16B072CE74}"/>
+              </a:ext>
+            </a:extLst>
+          </p:cNvPr>
+          <p:cNvSpPr txBox="1"/>
+          <p:nvPr/>
+        </p:nvSpPr>
+        <p:spPr>
+          <a:xfrm>
+            <a:off x="2764767" y="2029095"/>
+            <a:ext cx="2180106" cy="523220"/>
+          </a:xfrm>
+          <a:prstGeom prst="rect">
+            <a:avLst/>
+          </a:prstGeom>
+          <a:noFill/>
+        </p:spPr>
+        <p:txBody>
+          <a:bodyPr wrap="square" rtlCol="0">
+            <a:spAutoFit/>
+          </a:bodyPr>
+          <a:lstStyle/>
+          <a:p>
+            <a:r>
+              <a:rPr lang="en-US" sz="1400" b="1" dirty="0"/>
+              <a:t>Python Deserialization Attack</a:t>
+            </a:r>
+            <a:endParaRPr lang="en-SG" sz="1400" b="1" dirty="0"/>
+          </a:p>
+        </p:txBody>
+      </p:sp>
+      <p:sp>
+        <p:nvSpPr>
+          <p:cNvPr id="47" name="TextBox 46">
+            <a:extLst>
+              <a:ext uri="{FF2B5EF4-FFF2-40B4-BE49-F238E27FC236}">
+                <a16:creationId xmlns:a16="http://schemas.microsoft.com/office/drawing/2014/main" id="{B071AF14-7F82-232E-861F-CA35E6CA3460}"/>
+              </a:ext>
+            </a:extLst>
+          </p:cNvPr>
+          <p:cNvSpPr txBox="1"/>
+          <p:nvPr/>
+        </p:nvSpPr>
+        <p:spPr>
+          <a:xfrm>
+            <a:off x="2759021" y="3030840"/>
+            <a:ext cx="1541537" cy="523220"/>
+          </a:xfrm>
+          <a:prstGeom prst="rect">
+            <a:avLst/>
+          </a:prstGeom>
+          <a:noFill/>
+        </p:spPr>
+        <p:txBody>
+          <a:bodyPr wrap="square" rtlCol="0">
+            <a:spAutoFit/>
+          </a:bodyPr>
+          <a:lstStyle/>
+          <a:p>
+            <a:r>
+              <a:rPr lang="en-US" sz="1400" b="1" dirty="0"/>
+              <a:t>Python Package Hijacking Attack</a:t>
+            </a:r>
+            <a:endParaRPr lang="en-SG" sz="1400" b="1" dirty="0"/>
+          </a:p>
+        </p:txBody>
+      </p:sp>
+      <p:sp>
+        <p:nvSpPr>
+          <p:cNvPr id="48" name="TextBox 47">
+            <a:extLst>
+              <a:ext uri="{FF2B5EF4-FFF2-40B4-BE49-F238E27FC236}">
+                <a16:creationId xmlns:a16="http://schemas.microsoft.com/office/drawing/2014/main" id="{F893BD26-7AEC-9879-C15D-0B7A86586F54}"/>
+              </a:ext>
+            </a:extLst>
+          </p:cNvPr>
+          <p:cNvSpPr txBox="1"/>
+          <p:nvPr/>
+        </p:nvSpPr>
+        <p:spPr>
+          <a:xfrm>
+            <a:off x="2763806" y="3990167"/>
+            <a:ext cx="1541537" cy="523220"/>
+          </a:xfrm>
+          <a:prstGeom prst="rect">
+            <a:avLst/>
+          </a:prstGeom>
+          <a:noFill/>
+        </p:spPr>
+        <p:txBody>
+          <a:bodyPr wrap="square" rtlCol="0">
+            <a:spAutoFit/>
+          </a:bodyPr>
+          <a:lstStyle/>
+          <a:p>
+            <a:r>
+              <a:rPr lang="en-US" sz="1400" b="1" dirty="0"/>
+              <a:t>Python Web Shell Attack </a:t>
+            </a:r>
+            <a:endParaRPr lang="en-SG" sz="1400" b="1" dirty="0"/>
+          </a:p>
+        </p:txBody>
+      </p:sp>
+      <p:sp>
+        <p:nvSpPr>
+          <p:cNvPr id="49" name="TextBox 48">
+            <a:extLst>
+              <a:ext uri="{FF2B5EF4-FFF2-40B4-BE49-F238E27FC236}">
+                <a16:creationId xmlns:a16="http://schemas.microsoft.com/office/drawing/2014/main" id="{8CA96509-F430-E3BF-5D15-88DDB1D0BABF}"/>
+              </a:ext>
+            </a:extLst>
+          </p:cNvPr>
+          <p:cNvSpPr txBox="1"/>
+          <p:nvPr/>
+        </p:nvSpPr>
+        <p:spPr>
+          <a:xfrm>
+            <a:off x="1759716" y="2850707"/>
+            <a:ext cx="1271781" cy="276999"/>
+          </a:xfrm>
+          <a:prstGeom prst="rect">
+            <a:avLst/>
+          </a:prstGeom>
+          <a:noFill/>
+        </p:spPr>
+        <p:txBody>
+          <a:bodyPr wrap="square" rtlCol="0">
+            <a:spAutoFit/>
+          </a:bodyPr>
+          <a:lstStyle/>
+          <a:p>
+            <a:r>
+              <a:rPr lang="en-US" sz="1200" b="1" dirty="0">
+                <a:solidFill>
+                  <a:srgbClr val="C00000"/>
+                </a:solidFill>
+              </a:rPr>
+              <a:t>P</a:t>
+            </a:r>
+            <a:r>
+              <a:rPr lang="en-SG" sz="1200" b="1" dirty="0">
+                <a:solidFill>
+                  <a:srgbClr val="C00000"/>
+                </a:solidFill>
+              </a:rPr>
+              <a:t>ickle Bomb</a:t>
+            </a:r>
+          </a:p>
+        </p:txBody>
+      </p:sp>
+      <p:sp>
+        <p:nvSpPr>
+          <p:cNvPr id="50" name="TextBox 49">
+            <a:extLst>
+              <a:ext uri="{FF2B5EF4-FFF2-40B4-BE49-F238E27FC236}">
+                <a16:creationId xmlns:a16="http://schemas.microsoft.com/office/drawing/2014/main" id="{9924ABE8-973E-3D00-55B8-E37A44850F21}"/>
+              </a:ext>
+            </a:extLst>
+          </p:cNvPr>
+          <p:cNvSpPr txBox="1"/>
+          <p:nvPr/>
+        </p:nvSpPr>
+        <p:spPr>
+          <a:xfrm>
+            <a:off x="1823176" y="3851217"/>
+            <a:ext cx="1271781" cy="461665"/>
+          </a:xfrm>
+          <a:prstGeom prst="rect">
+            <a:avLst/>
+          </a:prstGeom>
+          <a:noFill/>
+        </p:spPr>
+        <p:txBody>
+          <a:bodyPr wrap="square" rtlCol="0">
+            <a:spAutoFit/>
+          </a:bodyPr>
+          <a:lstStyle/>
+          <a:p>
+            <a:r>
+              <a:rPr lang="en-US" sz="1200" b="1" dirty="0">
+                <a:solidFill>
+                  <a:srgbClr val="C00000"/>
+                </a:solidFill>
+              </a:rPr>
+              <a:t>Fake serial Com lib</a:t>
+            </a:r>
+            <a:endParaRPr lang="en-SG" sz="1200" b="1" dirty="0">
+              <a:solidFill>
+                <a:srgbClr val="C00000"/>
+              </a:solidFill>
+            </a:endParaRPr>
+          </a:p>
+        </p:txBody>
+      </p:sp>
+      <p:sp>
+        <p:nvSpPr>
+          <p:cNvPr id="51" name="TextBox 50">
+            <a:extLst>
+              <a:ext uri="{FF2B5EF4-FFF2-40B4-BE49-F238E27FC236}">
+                <a16:creationId xmlns:a16="http://schemas.microsoft.com/office/drawing/2014/main" id="{DF13490E-ECD7-7060-1AA5-A0D66E5753F7}"/>
+              </a:ext>
+            </a:extLst>
+          </p:cNvPr>
+          <p:cNvSpPr txBox="1"/>
+          <p:nvPr/>
+        </p:nvSpPr>
+        <p:spPr>
+          <a:xfrm>
+            <a:off x="1823176" y="4861424"/>
+            <a:ext cx="1271780" cy="276999"/>
+          </a:xfrm>
+          <a:prstGeom prst="rect">
+            <a:avLst/>
+          </a:prstGeom>
+          <a:noFill/>
+        </p:spPr>
+        <p:txBody>
+          <a:bodyPr wrap="square" rtlCol="0">
+            <a:spAutoFit/>
+          </a:bodyPr>
+          <a:lstStyle/>
+          <a:p>
+            <a:r>
+              <a:rPr lang="en-US" sz="1200" b="1" dirty="0">
+                <a:solidFill>
+                  <a:srgbClr val="C00000"/>
+                </a:solidFill>
+              </a:rPr>
+              <a:t>Flask web shell</a:t>
+            </a:r>
+            <a:endParaRPr lang="en-SG" sz="1200" b="1" dirty="0">
+              <a:solidFill>
+                <a:srgbClr val="C00000"/>
+              </a:solidFill>
+            </a:endParaRPr>
+          </a:p>
+        </p:txBody>
+      </p:sp>
+      <p:pic>
+        <p:nvPicPr>
+          <p:cNvPr id="54" name="Picture 53">
+            <a:extLst>
+              <a:ext uri="{FF2B5EF4-FFF2-40B4-BE49-F238E27FC236}">
+                <a16:creationId xmlns:a16="http://schemas.microsoft.com/office/drawing/2014/main" id="{9998F11B-EED6-6EA2-F5C8-F0E34C2CACF7}"/>
+              </a:ext>
+            </a:extLst>
+          </p:cNvPr>
+          <p:cNvPicPr>
+            <a:picLocks noChangeAspect="1"/>
+          </p:cNvPicPr>
+          <p:nvPr/>
+        </p:nvPicPr>
+        <p:blipFill>
+          <a:blip r:embed="rId16"/>
+          <a:stretch>
+            <a:fillRect/>
+          </a:stretch>
+        </p:blipFill>
+        <p:spPr>
+          <a:xfrm>
+            <a:off x="628896" y="3308502"/>
+            <a:ext cx="489507" cy="542715"/>
+          </a:xfrm>
+          <a:prstGeom prst="rect">
+            <a:avLst/>
+          </a:prstGeom>
+          <a:ln w="9525">
+            <a:solidFill>
+              <a:schemeClr val="tx1"/>
+            </a:solidFill>
+          </a:ln>
+        </p:spPr>
+      </p:pic>
+      <p:cxnSp>
+        <p:nvCxnSpPr>
+          <p:cNvPr id="55" name="Connector: Elbow 54">
+            <a:extLst>
+              <a:ext uri="{FF2B5EF4-FFF2-40B4-BE49-F238E27FC236}">
+                <a16:creationId xmlns:a16="http://schemas.microsoft.com/office/drawing/2014/main" id="{F7EB15D4-DF04-C5FD-0B6B-6598F15132B8}"/>
+              </a:ext>
+            </a:extLst>
+          </p:cNvPr>
+          <p:cNvCxnSpPr>
+            <a:cxnSpLocks/>
+            <a:stCxn id="54" idx="3"/>
+            <a:endCxn id="36" idx="1"/>
+          </p:cNvCxnSpPr>
+          <p:nvPr/>
+        </p:nvCxnSpPr>
+        <p:spPr>
+          <a:xfrm flipV="1">
+            <a:off x="1118403" y="2546456"/>
+            <a:ext cx="815079" cy="1033404"/>
+          </a:xfrm>
+          <a:prstGeom prst="bentConnector3">
+            <a:avLst/>
+          </a:prstGeom>
+          <a:ln w="19050">
+            <a:solidFill>
+              <a:srgbClr val="C00000"/>
+            </a:solidFill>
+            <a:tailEnd type="triangle"/>
+          </a:ln>
+        </p:spPr>
+        <p:style>
+          <a:lnRef idx="1">
+            <a:schemeClr val="accent1"/>
+          </a:lnRef>
+          <a:fillRef idx="0">
+            <a:schemeClr val="accent1"/>
+          </a:fillRef>
+          <a:effectRef idx="0">
+            <a:schemeClr val="accent1"/>
+          </a:effectRef>
+          <a:fontRef idx="minor">
+            <a:schemeClr val="tx1"/>
+          </a:fontRef>
+        </p:style>
+      </p:cxnSp>
+      <p:cxnSp>
+        <p:nvCxnSpPr>
+          <p:cNvPr id="59" name="Connector: Elbow 58">
+            <a:extLst>
+              <a:ext uri="{FF2B5EF4-FFF2-40B4-BE49-F238E27FC236}">
+                <a16:creationId xmlns:a16="http://schemas.microsoft.com/office/drawing/2014/main" id="{8FB6AD09-0818-86AA-D11D-E872A39B6F7E}"/>
+              </a:ext>
+            </a:extLst>
+          </p:cNvPr>
+          <p:cNvCxnSpPr>
+            <a:cxnSpLocks/>
+            <a:stCxn id="54" idx="3"/>
+            <a:endCxn id="21" idx="1"/>
+          </p:cNvCxnSpPr>
+          <p:nvPr/>
+        </p:nvCxnSpPr>
+        <p:spPr>
+          <a:xfrm>
+            <a:off x="1118403" y="3579860"/>
+            <a:ext cx="842962" cy="1032772"/>
+          </a:xfrm>
+          <a:prstGeom prst="bentConnector3">
+            <a:avLst>
+              <a:gd name="adj1" fmla="val 50000"/>
+            </a:avLst>
+          </a:prstGeom>
+          <a:ln w="19050">
+            <a:solidFill>
+              <a:srgbClr val="C00000"/>
+            </a:solidFill>
+            <a:tailEnd type="triangle"/>
+          </a:ln>
+        </p:spPr>
+        <p:style>
+          <a:lnRef idx="1">
+            <a:schemeClr val="accent1"/>
+          </a:lnRef>
+          <a:fillRef idx="0">
+            <a:schemeClr val="accent1"/>
+          </a:fillRef>
+          <a:effectRef idx="0">
+            <a:schemeClr val="accent1"/>
+          </a:effectRef>
+          <a:fontRef idx="minor">
+            <a:schemeClr val="tx1"/>
+          </a:fontRef>
+        </p:style>
+      </p:cxnSp>
+      <p:cxnSp>
+        <p:nvCxnSpPr>
+          <p:cNvPr id="66" name="Connector: Elbow 65">
+            <a:extLst>
+              <a:ext uri="{FF2B5EF4-FFF2-40B4-BE49-F238E27FC236}">
+                <a16:creationId xmlns:a16="http://schemas.microsoft.com/office/drawing/2014/main" id="{E9050106-2839-554E-01F0-3C6EA668003F}"/>
+              </a:ext>
+            </a:extLst>
+          </p:cNvPr>
+          <p:cNvCxnSpPr>
+            <a:cxnSpLocks/>
+            <a:stCxn id="54" idx="3"/>
+            <a:endCxn id="27" idx="1"/>
+          </p:cNvCxnSpPr>
+          <p:nvPr/>
+        </p:nvCxnSpPr>
+        <p:spPr>
+          <a:xfrm>
+            <a:off x="1118403" y="3579860"/>
+            <a:ext cx="815079" cy="5989"/>
+          </a:xfrm>
+          <a:prstGeom prst="bentConnector3">
+            <a:avLst>
+              <a:gd name="adj1" fmla="val 50000"/>
+            </a:avLst>
+          </a:prstGeom>
+          <a:ln w="19050">
+            <a:solidFill>
+              <a:srgbClr val="C00000"/>
+            </a:solidFill>
+            <a:tailEnd type="triangle"/>
+          </a:ln>
+        </p:spPr>
+        <p:style>
+          <a:lnRef idx="1">
+            <a:schemeClr val="accent1"/>
+          </a:lnRef>
+          <a:fillRef idx="0">
+            <a:schemeClr val="accent1"/>
+          </a:fillRef>
+          <a:effectRef idx="0">
+            <a:schemeClr val="accent1"/>
+          </a:effectRef>
+          <a:fontRef idx="minor">
+            <a:schemeClr val="tx1"/>
+          </a:fontRef>
+        </p:style>
+      </p:cxnSp>
+      <p:sp>
+        <p:nvSpPr>
+          <p:cNvPr id="72" name="TextBox 71">
+            <a:extLst>
+              <a:ext uri="{FF2B5EF4-FFF2-40B4-BE49-F238E27FC236}">
+                <a16:creationId xmlns:a16="http://schemas.microsoft.com/office/drawing/2014/main" id="{A2282059-7653-B7D6-0E7C-3AA570780FB9}"/>
+              </a:ext>
+            </a:extLst>
+          </p:cNvPr>
+          <p:cNvSpPr txBox="1"/>
+          <p:nvPr/>
+        </p:nvSpPr>
+        <p:spPr>
+          <a:xfrm>
+            <a:off x="515661" y="3891742"/>
+            <a:ext cx="1271780" cy="461665"/>
+          </a:xfrm>
+          <a:prstGeom prst="rect">
+            <a:avLst/>
+          </a:prstGeom>
+          <a:noFill/>
+        </p:spPr>
+        <p:txBody>
+          <a:bodyPr wrap="square" rtlCol="0">
+            <a:spAutoFit/>
+          </a:bodyPr>
+          <a:lstStyle/>
+          <a:p>
+            <a:r>
+              <a:rPr lang="en-US" sz="1200" b="1" dirty="0">
+                <a:solidFill>
+                  <a:srgbClr val="C00000"/>
+                </a:solidFill>
+              </a:rPr>
+              <a:t>Red Team Attacker</a:t>
+            </a:r>
+            <a:endParaRPr lang="en-SG" sz="1200" b="1" dirty="0">
+              <a:solidFill>
+                <a:srgbClr val="C00000"/>
+              </a:solidFill>
+            </a:endParaRPr>
+          </a:p>
+        </p:txBody>
+      </p:sp>
+      <p:sp>
+        <p:nvSpPr>
+          <p:cNvPr id="74" name="Multiplication Sign 73">
+            <a:extLst>
+              <a:ext uri="{FF2B5EF4-FFF2-40B4-BE49-F238E27FC236}">
+                <a16:creationId xmlns:a16="http://schemas.microsoft.com/office/drawing/2014/main" id="{9655C07A-8150-1819-D492-13F2C9180DD4}"/>
+              </a:ext>
+            </a:extLst>
+          </p:cNvPr>
+          <p:cNvSpPr/>
+          <p:nvPr/>
+        </p:nvSpPr>
+        <p:spPr>
+          <a:xfrm>
+            <a:off x="6589393" y="3582588"/>
+            <a:ext cx="349955" cy="407579"/>
+          </a:xfrm>
+          <a:prstGeom prst="mathMultiply">
+            <a:avLst/>
+          </a:prstGeom>
+          <a:solidFill>
+            <a:srgbClr val="C00000"/>
+          </a:solidFill>
+        </p:spPr>
+        <p:style>
+          <a:lnRef idx="2">
+            <a:schemeClr val="accent1">
+              <a:shade val="15000"/>
+            </a:schemeClr>
+          </a:lnRef>
+          <a:fillRef idx="1">
+            <a:schemeClr val="accent1"/>
+          </a:fillRef>
+          <a:effectRef idx="0">
+            <a:schemeClr val="accent1"/>
+          </a:effectRef>
+          <a:fontRef idx="minor">
+            <a:schemeClr val="lt1"/>
+          </a:fontRef>
+        </p:style>
+        <p:txBody>
+          <a:bodyPr rtlCol="0" anchor="ctr"/>
+          <a:lstStyle/>
+          <a:p>
+            <a:pPr algn="ctr"/>
+            <a:endParaRPr lang="en-SG">
+              <a:solidFill>
+                <a:srgbClr val="C00000"/>
+              </a:solidFill>
+            </a:endParaRPr>
+          </a:p>
+        </p:txBody>
+      </p:sp>
+      <p:sp>
+        <p:nvSpPr>
+          <p:cNvPr id="78" name="Multiplication Sign 77">
+            <a:extLst>
+              <a:ext uri="{FF2B5EF4-FFF2-40B4-BE49-F238E27FC236}">
+                <a16:creationId xmlns:a16="http://schemas.microsoft.com/office/drawing/2014/main" id="{39845958-9A15-8346-29CE-7CFFE0B052E9}"/>
+              </a:ext>
+            </a:extLst>
+          </p:cNvPr>
+          <p:cNvSpPr/>
+          <p:nvPr/>
+        </p:nvSpPr>
+        <p:spPr>
+          <a:xfrm>
+            <a:off x="6583444" y="3985043"/>
+            <a:ext cx="349955" cy="407579"/>
+          </a:xfrm>
+          <a:prstGeom prst="mathMultiply">
+            <a:avLst/>
+          </a:prstGeom>
+          <a:solidFill>
+            <a:srgbClr val="C00000"/>
+          </a:solidFill>
+        </p:spPr>
+        <p:style>
+          <a:lnRef idx="2">
+            <a:schemeClr val="accent1">
+              <a:shade val="15000"/>
+            </a:schemeClr>
+          </a:lnRef>
+          <a:fillRef idx="1">
+            <a:schemeClr val="accent1"/>
+          </a:fillRef>
+          <a:effectRef idx="0">
+            <a:schemeClr val="accent1"/>
+          </a:effectRef>
+          <a:fontRef idx="minor">
+            <a:schemeClr val="lt1"/>
+          </a:fontRef>
+        </p:style>
+        <p:txBody>
+          <a:bodyPr rtlCol="0" anchor="ctr"/>
+          <a:lstStyle/>
+          <a:p>
+            <a:pPr algn="ctr"/>
+            <a:endParaRPr lang="en-SG">
+              <a:solidFill>
+                <a:srgbClr val="C00000"/>
+              </a:solidFill>
+            </a:endParaRPr>
+          </a:p>
+        </p:txBody>
+      </p:sp>
+      <p:pic>
+        <p:nvPicPr>
+          <p:cNvPr id="82" name="Picture 81" descr="A screen shot of a graph&#10;&#10;Description automatically generated">
+            <a:extLst>
+              <a:ext uri="{FF2B5EF4-FFF2-40B4-BE49-F238E27FC236}">
+                <a16:creationId xmlns:a16="http://schemas.microsoft.com/office/drawing/2014/main" id="{3BF0E4F2-1AE6-BDD0-DFA2-F7F8C814B68C}"/>
+              </a:ext>
+            </a:extLst>
+          </p:cNvPr>
+          <p:cNvPicPr>
+            <a:picLocks noChangeAspect="1"/>
+          </p:cNvPicPr>
+          <p:nvPr/>
+        </p:nvPicPr>
+        <p:blipFill>
+          <a:blip r:embed="rId17">
+            <a:extLst>
+              <a:ext uri="{28A0092B-C50C-407E-A947-70E740481C1C}">
+                <a14:useLocalDpi xmlns:a14="http://schemas.microsoft.com/office/drawing/2010/main" val="0"/>
+              </a:ext>
+            </a:extLst>
+          </a:blip>
+          <a:stretch>
+            <a:fillRect/>
+          </a:stretch>
+        </p:blipFill>
+        <p:spPr>
+          <a:xfrm>
+            <a:off x="8064950" y="2691027"/>
+            <a:ext cx="3013952" cy="1888476"/>
+          </a:xfrm>
+          <a:prstGeom prst="rect">
+            <a:avLst/>
+          </a:prstGeom>
+          <a:ln w="12700">
+            <a:solidFill>
+              <a:schemeClr val="tx1"/>
+            </a:solidFill>
+          </a:ln>
+        </p:spPr>
+      </p:pic>
+      <p:cxnSp>
+        <p:nvCxnSpPr>
+          <p:cNvPr id="79" name="Straight Arrow Connector 78">
+            <a:extLst>
+              <a:ext uri="{FF2B5EF4-FFF2-40B4-BE49-F238E27FC236}">
+                <a16:creationId xmlns:a16="http://schemas.microsoft.com/office/drawing/2014/main" id="{BA351F40-D3AF-2113-9D8F-8E2A1DFDD677}"/>
+              </a:ext>
+            </a:extLst>
+          </p:cNvPr>
+          <p:cNvCxnSpPr>
+            <a:cxnSpLocks/>
+          </p:cNvCxnSpPr>
+          <p:nvPr/>
+        </p:nvCxnSpPr>
+        <p:spPr>
+          <a:xfrm flipV="1">
+            <a:off x="7625356" y="3896373"/>
+            <a:ext cx="1701544" cy="0"/>
+          </a:xfrm>
+          <a:prstGeom prst="straightConnector1">
+            <a:avLst/>
+          </a:prstGeom>
+          <a:ln w="57150">
+            <a:solidFill>
+              <a:srgbClr val="C00000"/>
+            </a:solidFill>
+            <a:tailEnd type="triangle"/>
+          </a:ln>
+        </p:spPr>
+        <p:style>
+          <a:lnRef idx="2">
+            <a:schemeClr val="accent1"/>
+          </a:lnRef>
+          <a:fillRef idx="0">
+            <a:schemeClr val="accent1"/>
+          </a:fillRef>
+          <a:effectRef idx="1">
+            <a:schemeClr val="accent1"/>
+          </a:effectRef>
+          <a:fontRef idx="minor">
+            <a:schemeClr val="tx1"/>
+          </a:fontRef>
+        </p:style>
+      </p:cxnSp>
+      <p:sp>
+        <p:nvSpPr>
+          <p:cNvPr id="84" name="Rectangle 83">
+            <a:extLst>
+              <a:ext uri="{FF2B5EF4-FFF2-40B4-BE49-F238E27FC236}">
+                <a16:creationId xmlns:a16="http://schemas.microsoft.com/office/drawing/2014/main" id="{959FF20C-8F17-9D86-AD1A-C890D28A5976}"/>
+              </a:ext>
+            </a:extLst>
+          </p:cNvPr>
+          <p:cNvSpPr/>
+          <p:nvPr/>
+        </p:nvSpPr>
+        <p:spPr>
+          <a:xfrm>
+            <a:off x="9282097" y="3523617"/>
+            <a:ext cx="1631858" cy="1251583"/>
+          </a:xfrm>
+          <a:prstGeom prst="rect">
+            <a:avLst/>
+          </a:prstGeom>
+          <a:noFill/>
+          <a:ln>
+            <a:solidFill>
+              <a:srgbClr val="C00000"/>
+            </a:solidFill>
+            <a:prstDash val="sysDash"/>
+          </a:ln>
+        </p:spPr>
+        <p:style>
+          <a:lnRef idx="2">
+            <a:schemeClr val="accent1">
+              <a:shade val="15000"/>
+            </a:schemeClr>
+          </a:lnRef>
+          <a:fillRef idx="1">
+            <a:schemeClr val="accent1"/>
+          </a:fillRef>
+          <a:effectRef idx="0">
+            <a:schemeClr val="accent1"/>
+          </a:effectRef>
+          <a:fontRef idx="minor">
+            <a:schemeClr val="lt1"/>
+          </a:fontRef>
+        </p:style>
+        <p:txBody>
+          <a:bodyPr rtlCol="0" anchor="ctr"/>
+          <a:lstStyle/>
+          <a:p>
+            <a:pPr algn="ctr"/>
+            <a:endParaRPr lang="en-SG" dirty="0"/>
+          </a:p>
+        </p:txBody>
+      </p:sp>
+      <p:sp>
+        <p:nvSpPr>
+          <p:cNvPr id="86" name="Multiplication Sign 85">
+            <a:extLst>
+              <a:ext uri="{FF2B5EF4-FFF2-40B4-BE49-F238E27FC236}">
+                <a16:creationId xmlns:a16="http://schemas.microsoft.com/office/drawing/2014/main" id="{62616AAF-26D5-2144-41E6-83987F5EE7BD}"/>
+              </a:ext>
+            </a:extLst>
+          </p:cNvPr>
+          <p:cNvSpPr/>
+          <p:nvPr/>
+        </p:nvSpPr>
+        <p:spPr>
+          <a:xfrm>
+            <a:off x="10098026" y="3554690"/>
+            <a:ext cx="666384" cy="752618"/>
+          </a:xfrm>
+          <a:prstGeom prst="mathMultiply">
+            <a:avLst/>
+          </a:prstGeom>
+          <a:solidFill>
+            <a:srgbClr val="C00000"/>
+          </a:solidFill>
+        </p:spPr>
+        <p:style>
+          <a:lnRef idx="2">
+            <a:schemeClr val="accent1">
+              <a:shade val="15000"/>
+            </a:schemeClr>
+          </a:lnRef>
+          <a:fillRef idx="1">
+            <a:schemeClr val="accent1"/>
+          </a:fillRef>
+          <a:effectRef idx="0">
+            <a:schemeClr val="accent1"/>
+          </a:effectRef>
+          <a:fontRef idx="minor">
+            <a:schemeClr val="lt1"/>
+          </a:fontRef>
+        </p:style>
+        <p:txBody>
+          <a:bodyPr rtlCol="0" anchor="ctr"/>
+          <a:lstStyle/>
+          <a:p>
+            <a:pPr algn="ctr"/>
+            <a:endParaRPr lang="en-SG">
+              <a:solidFill>
+                <a:srgbClr val="C00000"/>
+              </a:solidFill>
+            </a:endParaRPr>
+          </a:p>
+        </p:txBody>
+      </p:sp>
+      <p:sp>
+        <p:nvSpPr>
+          <p:cNvPr id="87" name="TextBox 86">
+            <a:extLst>
+              <a:ext uri="{FF2B5EF4-FFF2-40B4-BE49-F238E27FC236}">
+                <a16:creationId xmlns:a16="http://schemas.microsoft.com/office/drawing/2014/main" id="{3BE72DF3-523C-38F3-AB2C-FEACCA85D5A9}"/>
+              </a:ext>
+            </a:extLst>
+          </p:cNvPr>
+          <p:cNvSpPr txBox="1"/>
+          <p:nvPr/>
+        </p:nvSpPr>
+        <p:spPr>
+          <a:xfrm>
+            <a:off x="8319656" y="4830646"/>
+            <a:ext cx="2878922" cy="338554"/>
+          </a:xfrm>
+          <a:prstGeom prst="rect">
+            <a:avLst/>
+          </a:prstGeom>
+          <a:noFill/>
+        </p:spPr>
+        <p:txBody>
+          <a:bodyPr wrap="square" rtlCol="0">
+            <a:spAutoFit/>
+          </a:bodyPr>
+          <a:lstStyle/>
+          <a:p>
+            <a:r>
+              <a:rPr lang="en-US" sz="1600" b="1" dirty="0">
+                <a:solidFill>
+                  <a:srgbClr val="C00000"/>
+                </a:solidFill>
+              </a:rPr>
+              <a:t>Error IoT Radar Reading Data</a:t>
+            </a:r>
+            <a:endParaRPr lang="en-SG" sz="1600" b="1" dirty="0">
+              <a:solidFill>
+                <a:srgbClr val="C00000"/>
+              </a:solidFill>
+            </a:endParaRPr>
+          </a:p>
+        </p:txBody>
+      </p:sp>
+      <p:pic>
+        <p:nvPicPr>
+          <p:cNvPr id="89" name="Graphic 88" descr="Users with solid fill">
+            <a:extLst>
+              <a:ext uri="{FF2B5EF4-FFF2-40B4-BE49-F238E27FC236}">
+                <a16:creationId xmlns:a16="http://schemas.microsoft.com/office/drawing/2014/main" id="{F2C595DC-64EB-B5EB-0471-D383CC14718E}"/>
+              </a:ext>
+            </a:extLst>
+          </p:cNvPr>
+          <p:cNvPicPr>
+            <a:picLocks noChangeAspect="1"/>
+          </p:cNvPicPr>
+          <p:nvPr/>
+        </p:nvPicPr>
+        <p:blipFill>
+          <a:blip r:embed="rId18">
+            <a:extLst>
+              <a:ext uri="{96DAC541-7B7A-43D3-8B79-37D633B846F1}">
+                <asvg:svgBlip xmlns:asvg="http://schemas.microsoft.com/office/drawing/2016/SVG/main" r:embed="rId19"/>
+              </a:ext>
+            </a:extLst>
+          </a:blip>
+          <a:stretch>
+            <a:fillRect/>
+          </a:stretch>
+        </p:blipFill>
+        <p:spPr>
+          <a:xfrm>
+            <a:off x="9016931" y="1722934"/>
+            <a:ext cx="846767" cy="846767"/>
+          </a:xfrm>
+          <a:prstGeom prst="rect">
+            <a:avLst/>
+          </a:prstGeom>
+        </p:spPr>
+      </p:pic>
+      <p:pic>
+        <p:nvPicPr>
+          <p:cNvPr id="91" name="Graphic 90" descr="Server with solid fill">
+            <a:extLst>
+              <a:ext uri="{FF2B5EF4-FFF2-40B4-BE49-F238E27FC236}">
+                <a16:creationId xmlns:a16="http://schemas.microsoft.com/office/drawing/2014/main" id="{132A2FCF-0B92-DB78-EE7B-A17B4EA53258}"/>
+              </a:ext>
+            </a:extLst>
+          </p:cNvPr>
+          <p:cNvPicPr>
+            <a:picLocks noChangeAspect="1"/>
+          </p:cNvPicPr>
+          <p:nvPr/>
+        </p:nvPicPr>
+        <p:blipFill>
+          <a:blip r:embed="rId20">
+            <a:extLst>
+              <a:ext uri="{96DAC541-7B7A-43D3-8B79-37D633B846F1}">
+                <asvg:svgBlip xmlns:asvg="http://schemas.microsoft.com/office/drawing/2016/SVG/main" r:embed="rId21"/>
+              </a:ext>
+            </a:extLst>
+          </a:blip>
+          <a:stretch>
+            <a:fillRect/>
+          </a:stretch>
+        </p:blipFill>
+        <p:spPr>
+          <a:xfrm>
+            <a:off x="9919497" y="1802201"/>
+            <a:ext cx="666384" cy="666384"/>
+          </a:xfrm>
+          <a:prstGeom prst="rect">
+            <a:avLst/>
+          </a:prstGeom>
+        </p:spPr>
+      </p:pic>
+      <p:cxnSp>
+        <p:nvCxnSpPr>
+          <p:cNvPr id="96" name="Straight Arrow Connector 95">
+            <a:extLst>
+              <a:ext uri="{FF2B5EF4-FFF2-40B4-BE49-F238E27FC236}">
+                <a16:creationId xmlns:a16="http://schemas.microsoft.com/office/drawing/2014/main" id="{5C8FE36B-17EC-FA50-7090-F826BDDEFC00}"/>
+              </a:ext>
+            </a:extLst>
+          </p:cNvPr>
+          <p:cNvCxnSpPr>
+            <a:cxnSpLocks/>
+          </p:cNvCxnSpPr>
+          <p:nvPr/>
+        </p:nvCxnSpPr>
+        <p:spPr>
+          <a:xfrm flipV="1">
+            <a:off x="9405922" y="2424854"/>
+            <a:ext cx="0" cy="1098763"/>
+          </a:xfrm>
+          <a:prstGeom prst="straightConnector1">
+            <a:avLst/>
+          </a:prstGeom>
+          <a:ln w="38100">
+            <a:solidFill>
+              <a:srgbClr val="C00000"/>
+            </a:solidFill>
+            <a:prstDash val="sysDash"/>
+            <a:tailEnd type="triangle"/>
+          </a:ln>
+        </p:spPr>
+        <p:style>
+          <a:lnRef idx="2">
+            <a:schemeClr val="accent1"/>
+          </a:lnRef>
+          <a:fillRef idx="0">
+            <a:schemeClr val="accent1"/>
+          </a:fillRef>
+          <a:effectRef idx="1">
+            <a:schemeClr val="accent1"/>
+          </a:effectRef>
+          <a:fontRef idx="minor">
+            <a:schemeClr val="tx1"/>
+          </a:fontRef>
+        </p:style>
+      </p:cxnSp>
+      <p:cxnSp>
+        <p:nvCxnSpPr>
+          <p:cNvPr id="98" name="Straight Arrow Connector 97">
+            <a:extLst>
+              <a:ext uri="{FF2B5EF4-FFF2-40B4-BE49-F238E27FC236}">
+                <a16:creationId xmlns:a16="http://schemas.microsoft.com/office/drawing/2014/main" id="{EC8D4CF9-011A-2CFB-86F8-7E5AF8675B57}"/>
+              </a:ext>
+            </a:extLst>
+          </p:cNvPr>
+          <p:cNvCxnSpPr>
+            <a:cxnSpLocks/>
+          </p:cNvCxnSpPr>
+          <p:nvPr/>
+        </p:nvCxnSpPr>
+        <p:spPr>
+          <a:xfrm flipV="1">
+            <a:off x="10252689" y="2450641"/>
+            <a:ext cx="0" cy="1033607"/>
+          </a:xfrm>
+          <a:prstGeom prst="straightConnector1">
+            <a:avLst/>
+          </a:prstGeom>
+          <a:ln w="38100">
+            <a:solidFill>
+              <a:srgbClr val="C00000"/>
+            </a:solidFill>
+            <a:prstDash val="sysDash"/>
+            <a:tailEnd type="triangle"/>
+          </a:ln>
+        </p:spPr>
+        <p:style>
+          <a:lnRef idx="2">
+            <a:schemeClr val="accent1"/>
+          </a:lnRef>
+          <a:fillRef idx="0">
+            <a:schemeClr val="accent1"/>
+          </a:fillRef>
+          <a:effectRef idx="1">
+            <a:schemeClr val="accent1"/>
+          </a:effectRef>
+          <a:fontRef idx="minor">
+            <a:schemeClr val="tx1"/>
+          </a:fontRef>
+        </p:style>
+      </p:cxnSp>
+      <p:sp>
+        <p:nvSpPr>
+          <p:cNvPr id="99" name="TextBox 98">
+            <a:extLst>
+              <a:ext uri="{FF2B5EF4-FFF2-40B4-BE49-F238E27FC236}">
+                <a16:creationId xmlns:a16="http://schemas.microsoft.com/office/drawing/2014/main" id="{F3E7737F-72F0-1029-46B3-8F794FA2DE66}"/>
+              </a:ext>
+            </a:extLst>
+          </p:cNvPr>
+          <p:cNvSpPr txBox="1"/>
+          <p:nvPr/>
+        </p:nvSpPr>
+        <p:spPr>
+          <a:xfrm>
+            <a:off x="8430803" y="1939910"/>
+            <a:ext cx="680196" cy="523220"/>
+          </a:xfrm>
+          <a:prstGeom prst="rect">
+            <a:avLst/>
+          </a:prstGeom>
+          <a:noFill/>
+        </p:spPr>
+        <p:txBody>
+          <a:bodyPr wrap="square" rtlCol="0">
+            <a:spAutoFit/>
+          </a:bodyPr>
+          <a:lstStyle/>
+          <a:p>
+            <a:r>
+              <a:rPr lang="en-US" sz="1400" b="1" dirty="0"/>
+              <a:t>IoT Users</a:t>
+            </a:r>
+            <a:endParaRPr lang="en-SG" sz="1400" b="1" dirty="0"/>
+          </a:p>
+        </p:txBody>
+      </p:sp>
+      <p:sp>
+        <p:nvSpPr>
+          <p:cNvPr id="100" name="TextBox 99">
+            <a:extLst>
+              <a:ext uri="{FF2B5EF4-FFF2-40B4-BE49-F238E27FC236}">
+                <a16:creationId xmlns:a16="http://schemas.microsoft.com/office/drawing/2014/main" id="{332FDDCF-E7CF-DB98-6746-1B2B4CBE9065}"/>
+              </a:ext>
+            </a:extLst>
+          </p:cNvPr>
+          <p:cNvSpPr txBox="1"/>
+          <p:nvPr/>
+        </p:nvSpPr>
+        <p:spPr>
+          <a:xfrm>
+            <a:off x="10480561" y="1939910"/>
+            <a:ext cx="1033713" cy="523220"/>
+          </a:xfrm>
+          <a:prstGeom prst="rect">
+            <a:avLst/>
+          </a:prstGeom>
+          <a:noFill/>
+        </p:spPr>
+        <p:txBody>
+          <a:bodyPr wrap="square" rtlCol="0">
+            <a:spAutoFit/>
+          </a:bodyPr>
+          <a:lstStyle/>
+          <a:p>
+            <a:r>
+              <a:rPr lang="en-US" sz="1400" b="1" dirty="0"/>
+              <a:t>IoT Cloud server </a:t>
+            </a:r>
+            <a:endParaRPr lang="en-SG" sz="1400" b="1" dirty="0"/>
+          </a:p>
+        </p:txBody>
+      </p:sp>
+      <p:sp>
+        <p:nvSpPr>
+          <p:cNvPr id="102" name="Multiplication Sign 101">
+            <a:extLst>
+              <a:ext uri="{FF2B5EF4-FFF2-40B4-BE49-F238E27FC236}">
+                <a16:creationId xmlns:a16="http://schemas.microsoft.com/office/drawing/2014/main" id="{9EDDDCE2-FBF8-E150-1DBC-8A921F4A0A01}"/>
+              </a:ext>
+            </a:extLst>
+          </p:cNvPr>
+          <p:cNvSpPr/>
+          <p:nvPr/>
+        </p:nvSpPr>
+        <p:spPr>
+          <a:xfrm>
+            <a:off x="9479458" y="2051936"/>
+            <a:ext cx="349955" cy="407579"/>
+          </a:xfrm>
+          <a:prstGeom prst="mathMultiply">
+            <a:avLst/>
+          </a:prstGeom>
+          <a:solidFill>
+            <a:srgbClr val="C00000"/>
+          </a:solidFill>
+        </p:spPr>
+        <p:style>
+          <a:lnRef idx="2">
+            <a:schemeClr val="accent1">
+              <a:shade val="15000"/>
+            </a:schemeClr>
+          </a:lnRef>
+          <a:fillRef idx="1">
+            <a:schemeClr val="accent1"/>
+          </a:fillRef>
+          <a:effectRef idx="0">
+            <a:schemeClr val="accent1"/>
+          </a:effectRef>
+          <a:fontRef idx="minor">
+            <a:schemeClr val="lt1"/>
+          </a:fontRef>
+        </p:style>
+        <p:txBody>
+          <a:bodyPr rtlCol="0" anchor="ctr"/>
+          <a:lstStyle/>
+          <a:p>
+            <a:pPr algn="ctr"/>
+            <a:endParaRPr lang="en-SG">
+              <a:solidFill>
+                <a:srgbClr val="C00000"/>
+              </a:solidFill>
+            </a:endParaRPr>
+          </a:p>
+        </p:txBody>
+      </p:sp>
+      <p:sp>
+        <p:nvSpPr>
+          <p:cNvPr id="103" name="Multiplication Sign 102">
+            <a:extLst>
+              <a:ext uri="{FF2B5EF4-FFF2-40B4-BE49-F238E27FC236}">
+                <a16:creationId xmlns:a16="http://schemas.microsoft.com/office/drawing/2014/main" id="{C4809804-C51A-B442-A17B-32318B491684}"/>
+              </a:ext>
+            </a:extLst>
+          </p:cNvPr>
+          <p:cNvSpPr/>
+          <p:nvPr/>
+        </p:nvSpPr>
+        <p:spPr>
+          <a:xfrm>
+            <a:off x="10232157" y="2086624"/>
+            <a:ext cx="349955" cy="407579"/>
+          </a:xfrm>
+          <a:prstGeom prst="mathMultiply">
+            <a:avLst/>
+          </a:prstGeom>
+          <a:solidFill>
+            <a:srgbClr val="C00000"/>
+          </a:solidFill>
+        </p:spPr>
+        <p:style>
+          <a:lnRef idx="2">
+            <a:schemeClr val="accent1">
+              <a:shade val="15000"/>
+            </a:schemeClr>
+          </a:lnRef>
+          <a:fillRef idx="1">
+            <a:schemeClr val="accent1"/>
+          </a:fillRef>
+          <a:effectRef idx="0">
+            <a:schemeClr val="accent1"/>
+          </a:effectRef>
+          <a:fontRef idx="minor">
+            <a:schemeClr val="lt1"/>
+          </a:fontRef>
+        </p:style>
+        <p:txBody>
+          <a:bodyPr rtlCol="0" anchor="ctr"/>
+          <a:lstStyle/>
+          <a:p>
+            <a:pPr algn="ctr"/>
+            <a:endParaRPr lang="en-SG">
+              <a:solidFill>
+                <a:srgbClr val="C00000"/>
+              </a:solidFill>
+            </a:endParaRPr>
+          </a:p>
+        </p:txBody>
+      </p:sp>
+      <p:sp>
+        <p:nvSpPr>
+          <p:cNvPr id="104" name="TextBox 103">
+            <a:extLst>
+              <a:ext uri="{FF2B5EF4-FFF2-40B4-BE49-F238E27FC236}">
+                <a16:creationId xmlns:a16="http://schemas.microsoft.com/office/drawing/2014/main" id="{6A7E7CF7-C4D0-696C-98A5-16C48AE015BE}"/>
+              </a:ext>
+            </a:extLst>
+          </p:cNvPr>
+          <p:cNvSpPr txBox="1"/>
+          <p:nvPr/>
+        </p:nvSpPr>
+        <p:spPr>
+          <a:xfrm>
+            <a:off x="887568" y="1343116"/>
+            <a:ext cx="9429257" cy="338554"/>
+          </a:xfrm>
+          <a:prstGeom prst="rect">
+            <a:avLst/>
+          </a:prstGeom>
+          <a:noFill/>
+          <a:ln w="19050">
+            <a:solidFill>
+              <a:schemeClr val="tx1"/>
+            </a:solidFill>
+            <a:prstDash val="sysDash"/>
+          </a:ln>
+        </p:spPr>
+        <p:txBody>
+          <a:bodyPr wrap="square" rtlCol="0">
+            <a:spAutoFit/>
+          </a:bodyPr>
+          <a:lstStyle/>
+          <a:p>
+            <a:r>
+              <a:rPr lang="en-US" sz="1600" b="1" dirty="0"/>
+              <a:t>IoT System Cyber Attack Case Study 02 : Python Deserialization Attack and Library Hijacking Attack</a:t>
+            </a:r>
+            <a:endParaRPr lang="en-SG" sz="1600" b="1" dirty="0"/>
+          </a:p>
+        </p:txBody>
+      </p:sp>
+    </p:spTree>
+    <p:extLst>
+      <p:ext uri="{BB962C8B-B14F-4D97-AF65-F5344CB8AC3E}">
+        <p14:creationId xmlns:p14="http://schemas.microsoft.com/office/powerpoint/2010/main" val="2391826417"/>
+      </p:ext>
+    </p:extLst>
+  </p:cSld>
+  <p:clrMapOvr>
+    <a:masterClrMapping/>
+  </p:clrMapOvr>
+</p:sld>
+</file>
+
+<file path=ppt/slides/slide3.xml><?xml version="1.0" encoding="utf-8"?>
+<p:sld xmlns:a="http://schemas.openxmlformats.org/drawingml/2006/main" xmlns:r="http://schemas.openxmlformats.org/officeDocument/2006/relationships" xmlns:p="http://schemas.openxmlformats.org/presentationml/2006/main">
+  <p:cSld>
+    <p:spTree>
+      <p:nvGrpSpPr>
+        <p:cNvPr id="1" name=""/>
+        <p:cNvGrpSpPr/>
+        <p:nvPr/>
+      </p:nvGrpSpPr>
+      <p:grpSpPr>
+        <a:xfrm>
+          <a:off x="0" y="0"/>
+          <a:ext cx="0" cy="0"/>
+          <a:chOff x="0" y="0"/>
+          <a:chExt cx="0" cy="0"/>
+        </a:xfrm>
+      </p:grpSpPr>
+      <p:pic>
+        <p:nvPicPr>
+          <p:cNvPr id="4" name="Picture 3">
+            <a:extLst>
+              <a:ext uri="{FF2B5EF4-FFF2-40B4-BE49-F238E27FC236}">
+                <a16:creationId xmlns:a16="http://schemas.microsoft.com/office/drawing/2014/main" id="{43A956AF-3421-DFB4-5F88-E4FFE9462287}"/>
+              </a:ext>
+            </a:extLst>
+          </p:cNvPr>
+          <p:cNvPicPr>
+            <a:picLocks noChangeAspect="1"/>
+          </p:cNvPicPr>
+          <p:nvPr/>
+        </p:nvPicPr>
+        <p:blipFill>
+          <a:blip r:embed="rId2"/>
+          <a:stretch>
+            <a:fillRect/>
+          </a:stretch>
+        </p:blipFill>
+        <p:spPr>
+          <a:xfrm>
+            <a:off x="1362282" y="1718143"/>
+            <a:ext cx="1399822" cy="1077169"/>
+          </a:xfrm>
+          <a:prstGeom prst="rect">
+            <a:avLst/>
+          </a:prstGeom>
+        </p:spPr>
+      </p:pic>
+      <p:sp>
+        <p:nvSpPr>
+          <p:cNvPr id="5" name="Rectangle 4">
+            <a:extLst>
+              <a:ext uri="{FF2B5EF4-FFF2-40B4-BE49-F238E27FC236}">
+                <a16:creationId xmlns:a16="http://schemas.microsoft.com/office/drawing/2014/main" id="{C4B78923-F984-C58E-0630-B4E5302273F0}"/>
+              </a:ext>
+            </a:extLst>
+          </p:cNvPr>
+          <p:cNvSpPr/>
+          <p:nvPr/>
+        </p:nvSpPr>
+        <p:spPr>
+          <a:xfrm>
+            <a:off x="1280598" y="1490133"/>
+            <a:ext cx="3878424" cy="2762734"/>
+          </a:xfrm>
+          <a:prstGeom prst="rect">
+            <a:avLst/>
+          </a:prstGeom>
+          <a:noFill/>
+          <a:ln>
+            <a:prstDash val="sysDot"/>
+          </a:ln>
+        </p:spPr>
+        <p:style>
+          <a:lnRef idx="2">
+            <a:schemeClr val="accent1">
+              <a:shade val="15000"/>
+            </a:schemeClr>
+          </a:lnRef>
+          <a:fillRef idx="1">
+            <a:schemeClr val="accent1"/>
+          </a:fillRef>
+          <a:effectRef idx="0">
+            <a:schemeClr val="accent1"/>
+          </a:effectRef>
+          <a:fontRef idx="minor">
+            <a:schemeClr val="lt1"/>
+          </a:fontRef>
+        </p:style>
+        <p:txBody>
+          <a:bodyPr rtlCol="0" anchor="ctr"/>
+          <a:lstStyle/>
+          <a:p>
+            <a:pPr algn="ctr"/>
+            <a:endParaRPr lang="en-SG" sz="1200" b="1" dirty="0">
+              <a:solidFill>
+                <a:schemeClr val="tx1"/>
+              </a:solidFill>
+            </a:endParaRPr>
+          </a:p>
+        </p:txBody>
+      </p:sp>
+      <p:sp>
+        <p:nvSpPr>
+          <p:cNvPr id="6" name="TextBox 5">
+            <a:extLst>
+              <a:ext uri="{FF2B5EF4-FFF2-40B4-BE49-F238E27FC236}">
+                <a16:creationId xmlns:a16="http://schemas.microsoft.com/office/drawing/2014/main" id="{CC4EA0DA-38F7-6401-D460-3DA9D94576E4}"/>
+              </a:ext>
+            </a:extLst>
+          </p:cNvPr>
+          <p:cNvSpPr txBox="1"/>
+          <p:nvPr/>
+        </p:nvSpPr>
+        <p:spPr>
+          <a:xfrm>
+            <a:off x="2884587" y="1632102"/>
+            <a:ext cx="2333987" cy="646331"/>
+          </a:xfrm>
+          <a:prstGeom prst="rect">
+            <a:avLst/>
+          </a:prstGeom>
+          <a:noFill/>
+        </p:spPr>
+        <p:txBody>
+          <a:bodyPr wrap="square" rtlCol="0">
+            <a:spAutoFit/>
+          </a:bodyPr>
+          <a:lstStyle/>
+          <a:p>
+            <a:pPr algn="l"/>
+            <a:r>
+              <a:rPr lang="en-SG" b="1" i="0" dirty="0">
+                <a:solidFill>
+                  <a:srgbClr val="1F2328"/>
+                </a:solidFill>
+                <a:effectLst/>
+                <a:highlight>
+                  <a:srgbClr val="FFFFFF"/>
+                </a:highlight>
+              </a:rPr>
+              <a:t>People Detection Radar IoT</a:t>
+            </a:r>
+          </a:p>
+        </p:txBody>
+      </p:sp>
+      <p:pic>
+        <p:nvPicPr>
+          <p:cNvPr id="7" name="Picture 6">
+            <a:extLst>
+              <a:ext uri="{FF2B5EF4-FFF2-40B4-BE49-F238E27FC236}">
+                <a16:creationId xmlns:a16="http://schemas.microsoft.com/office/drawing/2014/main" id="{9C956CE6-8D9C-9838-C813-84D0B4FCC114}"/>
+              </a:ext>
+            </a:extLst>
+          </p:cNvPr>
+          <p:cNvPicPr>
+            <a:picLocks noChangeAspect="1"/>
+          </p:cNvPicPr>
+          <p:nvPr/>
+        </p:nvPicPr>
+        <p:blipFill>
+          <a:blip r:embed="rId3"/>
+          <a:stretch>
+            <a:fillRect/>
+          </a:stretch>
+        </p:blipFill>
+        <p:spPr>
+          <a:xfrm>
+            <a:off x="1464752" y="3179116"/>
+            <a:ext cx="765740" cy="662262"/>
+          </a:xfrm>
+          <a:prstGeom prst="rect">
+            <a:avLst/>
+          </a:prstGeom>
+          <a:ln w="9525">
+            <a:solidFill>
+              <a:schemeClr val="tx1"/>
+            </a:solidFill>
+          </a:ln>
+        </p:spPr>
+      </p:pic>
+      <p:pic>
+        <p:nvPicPr>
+          <p:cNvPr id="8" name="Picture 7">
+            <a:extLst>
+              <a:ext uri="{FF2B5EF4-FFF2-40B4-BE49-F238E27FC236}">
+                <a16:creationId xmlns:a16="http://schemas.microsoft.com/office/drawing/2014/main" id="{1D8DF469-5B5A-38E6-C2D4-1784F3DCB92F}"/>
+              </a:ext>
+            </a:extLst>
+          </p:cNvPr>
+          <p:cNvPicPr>
+            <a:picLocks noChangeAspect="1"/>
+          </p:cNvPicPr>
+          <p:nvPr/>
+        </p:nvPicPr>
+        <p:blipFill>
+          <a:blip r:embed="rId4"/>
+          <a:stretch>
+            <a:fillRect/>
+          </a:stretch>
+        </p:blipFill>
+        <p:spPr>
+          <a:xfrm>
+            <a:off x="3887499" y="3122109"/>
+            <a:ext cx="671517" cy="671517"/>
+          </a:xfrm>
+          <a:prstGeom prst="rect">
+            <a:avLst/>
+          </a:prstGeom>
+          <a:ln>
+            <a:solidFill>
+              <a:srgbClr val="0070C0"/>
+            </a:solidFill>
+            <a:prstDash val="sysDash"/>
+          </a:ln>
+        </p:spPr>
+      </p:pic>
+      <p:cxnSp>
+        <p:nvCxnSpPr>
+          <p:cNvPr id="9" name="Straight Connector 8">
+            <a:extLst>
+              <a:ext uri="{FF2B5EF4-FFF2-40B4-BE49-F238E27FC236}">
+                <a16:creationId xmlns:a16="http://schemas.microsoft.com/office/drawing/2014/main" id="{D7BAB3F6-9B34-A20A-A99F-2F588507866E}"/>
+              </a:ext>
+            </a:extLst>
+          </p:cNvPr>
+          <p:cNvCxnSpPr>
+            <a:cxnSpLocks/>
+          </p:cNvCxnSpPr>
+          <p:nvPr/>
+        </p:nvCxnSpPr>
+        <p:spPr>
+          <a:xfrm>
+            <a:off x="2268480" y="3288416"/>
+            <a:ext cx="1581031" cy="0"/>
+          </a:xfrm>
+          <a:prstGeom prst="line">
+            <a:avLst/>
+          </a:prstGeom>
+        </p:spPr>
+        <p:style>
+          <a:lnRef idx="2">
+            <a:schemeClr val="accent1"/>
+          </a:lnRef>
+          <a:fillRef idx="0">
+            <a:schemeClr val="accent1"/>
+          </a:fillRef>
+          <a:effectRef idx="1">
+            <a:schemeClr val="accent1"/>
+          </a:effectRef>
+          <a:fontRef idx="minor">
+            <a:schemeClr val="tx1"/>
+          </a:fontRef>
+        </p:style>
+      </p:cxnSp>
+      <p:pic>
+        <p:nvPicPr>
+          <p:cNvPr id="10" name="Picture 9">
+            <a:extLst>
+              <a:ext uri="{FF2B5EF4-FFF2-40B4-BE49-F238E27FC236}">
+                <a16:creationId xmlns:a16="http://schemas.microsoft.com/office/drawing/2014/main" id="{362CC2C1-BA6D-165E-2A1F-9623CBE2212C}"/>
+              </a:ext>
+            </a:extLst>
+          </p:cNvPr>
+          <p:cNvPicPr>
+            <a:picLocks noChangeAspect="1"/>
+          </p:cNvPicPr>
+          <p:nvPr/>
+        </p:nvPicPr>
+        <p:blipFill>
+          <a:blip r:embed="rId5"/>
+          <a:stretch>
+            <a:fillRect/>
+          </a:stretch>
+        </p:blipFill>
+        <p:spPr>
+          <a:xfrm rot="5400000">
+            <a:off x="2658524" y="3126034"/>
+            <a:ext cx="662264" cy="768429"/>
+          </a:xfrm>
+          <a:prstGeom prst="rect">
+            <a:avLst/>
+          </a:prstGeom>
+          <a:ln w="6350">
+            <a:solidFill>
+              <a:schemeClr val="tx1"/>
+            </a:solidFill>
+          </a:ln>
+        </p:spPr>
+      </p:pic>
+      <p:cxnSp>
+        <p:nvCxnSpPr>
+          <p:cNvPr id="11" name="Straight Connector 10">
+            <a:extLst>
+              <a:ext uri="{FF2B5EF4-FFF2-40B4-BE49-F238E27FC236}">
+                <a16:creationId xmlns:a16="http://schemas.microsoft.com/office/drawing/2014/main" id="{2FCE4539-D9CF-E3A1-D381-C846B04C663F}"/>
+              </a:ext>
+            </a:extLst>
+          </p:cNvPr>
+          <p:cNvCxnSpPr>
+            <a:cxnSpLocks/>
+          </p:cNvCxnSpPr>
+          <p:nvPr/>
+        </p:nvCxnSpPr>
+        <p:spPr>
+          <a:xfrm>
+            <a:off x="3392865" y="3677882"/>
+            <a:ext cx="456646" cy="0"/>
+          </a:xfrm>
+          <a:prstGeom prst="line">
+            <a:avLst/>
+          </a:prstGeom>
+        </p:spPr>
+        <p:style>
+          <a:lnRef idx="2">
+            <a:schemeClr val="accent1"/>
+          </a:lnRef>
+          <a:fillRef idx="0">
+            <a:schemeClr val="accent1"/>
+          </a:fillRef>
+          <a:effectRef idx="1">
+            <a:schemeClr val="accent1"/>
+          </a:effectRef>
+          <a:fontRef idx="minor">
+            <a:schemeClr val="tx1"/>
+          </a:fontRef>
+        </p:style>
+      </p:cxnSp>
+      <p:sp>
+        <p:nvSpPr>
+          <p:cNvPr id="12" name="Isosceles Triangle 11">
+            <a:extLst>
+              <a:ext uri="{FF2B5EF4-FFF2-40B4-BE49-F238E27FC236}">
+                <a16:creationId xmlns:a16="http://schemas.microsoft.com/office/drawing/2014/main" id="{14F0A260-16DF-F598-8287-BE4EE38EF24F}"/>
+              </a:ext>
+            </a:extLst>
+          </p:cNvPr>
+          <p:cNvSpPr/>
+          <p:nvPr/>
+        </p:nvSpPr>
+        <p:spPr>
+          <a:xfrm>
+            <a:off x="1583594" y="3856361"/>
+            <a:ext cx="561907" cy="532103"/>
+          </a:xfrm>
+          <a:prstGeom prst="triangle">
+            <a:avLst>
+              <a:gd name="adj" fmla="val 48277"/>
+            </a:avLst>
+          </a:prstGeom>
+          <a:solidFill>
+            <a:schemeClr val="accent6">
+              <a:lumMod val="20000"/>
+              <a:lumOff val="80000"/>
+            </a:schemeClr>
+          </a:solidFill>
+          <a:ln>
+            <a:solidFill>
+              <a:schemeClr val="bg1"/>
+            </a:solidFill>
+          </a:ln>
+        </p:spPr>
+        <p:style>
+          <a:lnRef idx="2">
+            <a:schemeClr val="accent1">
+              <a:shade val="15000"/>
+            </a:schemeClr>
+          </a:lnRef>
+          <a:fillRef idx="1">
+            <a:schemeClr val="accent1"/>
+          </a:fillRef>
+          <a:effectRef idx="0">
+            <a:schemeClr val="accent1"/>
+          </a:effectRef>
+          <a:fontRef idx="minor">
+            <a:schemeClr val="lt1"/>
+          </a:fontRef>
+        </p:style>
+        <p:txBody>
+          <a:bodyPr rtlCol="0" anchor="ctr"/>
+          <a:lstStyle/>
+          <a:p>
+            <a:pPr algn="ctr"/>
+            <a:endParaRPr lang="en-SG" dirty="0"/>
+          </a:p>
+        </p:txBody>
+      </p:sp>
+      <p:sp>
+        <p:nvSpPr>
+          <p:cNvPr id="13" name="Isosceles Triangle 12">
+            <a:extLst>
+              <a:ext uri="{FF2B5EF4-FFF2-40B4-BE49-F238E27FC236}">
+                <a16:creationId xmlns:a16="http://schemas.microsoft.com/office/drawing/2014/main" id="{269B4603-541D-F748-7573-6D20A32EB6E1}"/>
+              </a:ext>
+            </a:extLst>
+          </p:cNvPr>
+          <p:cNvSpPr/>
+          <p:nvPr/>
+        </p:nvSpPr>
+        <p:spPr>
+          <a:xfrm>
+            <a:off x="2708703" y="3855959"/>
+            <a:ext cx="561906" cy="523808"/>
+          </a:xfrm>
+          <a:prstGeom prst="triangle">
+            <a:avLst>
+              <a:gd name="adj" fmla="val 49185"/>
+            </a:avLst>
+          </a:prstGeom>
+          <a:solidFill>
+            <a:schemeClr val="accent2">
+              <a:lumMod val="20000"/>
+              <a:lumOff val="80000"/>
+            </a:schemeClr>
+          </a:solidFill>
+          <a:ln>
+            <a:solidFill>
+              <a:schemeClr val="bg1"/>
+            </a:solidFill>
+          </a:ln>
+        </p:spPr>
+        <p:style>
+          <a:lnRef idx="2">
+            <a:schemeClr val="accent1">
+              <a:shade val="15000"/>
+            </a:schemeClr>
+          </a:lnRef>
+          <a:fillRef idx="1">
+            <a:schemeClr val="accent1"/>
+          </a:fillRef>
+          <a:effectRef idx="0">
+            <a:schemeClr val="accent1"/>
+          </a:effectRef>
+          <a:fontRef idx="minor">
+            <a:schemeClr val="lt1"/>
+          </a:fontRef>
+        </p:style>
+        <p:txBody>
+          <a:bodyPr rtlCol="0" anchor="ctr"/>
+          <a:lstStyle/>
+          <a:p>
+            <a:pPr algn="ctr"/>
+            <a:endParaRPr lang="en-SG"/>
+          </a:p>
+        </p:txBody>
+      </p:sp>
+      <p:pic>
+        <p:nvPicPr>
+          <p:cNvPr id="14" name="Picture 13">
+            <a:extLst>
+              <a:ext uri="{FF2B5EF4-FFF2-40B4-BE49-F238E27FC236}">
+                <a16:creationId xmlns:a16="http://schemas.microsoft.com/office/drawing/2014/main" id="{12BE4161-5E33-5071-957A-98BD7EB3B405}"/>
+              </a:ext>
+            </a:extLst>
+          </p:cNvPr>
+          <p:cNvPicPr>
+            <a:picLocks noChangeAspect="1"/>
+          </p:cNvPicPr>
+          <p:nvPr/>
+        </p:nvPicPr>
+        <p:blipFill>
+          <a:blip r:embed="rId6"/>
+          <a:stretch>
+            <a:fillRect/>
+          </a:stretch>
+        </p:blipFill>
+        <p:spPr>
+          <a:xfrm>
+            <a:off x="2708703" y="4413193"/>
+            <a:ext cx="561905" cy="523810"/>
+          </a:xfrm>
+          <a:prstGeom prst="rect">
+            <a:avLst/>
+          </a:prstGeom>
+        </p:spPr>
+      </p:pic>
+      <p:pic>
+        <p:nvPicPr>
+          <p:cNvPr id="15" name="Picture 14">
+            <a:extLst>
+              <a:ext uri="{FF2B5EF4-FFF2-40B4-BE49-F238E27FC236}">
+                <a16:creationId xmlns:a16="http://schemas.microsoft.com/office/drawing/2014/main" id="{E1951A93-4DA0-219A-C60A-3358F2D8D960}"/>
+              </a:ext>
+            </a:extLst>
+          </p:cNvPr>
+          <p:cNvPicPr>
+            <a:picLocks noChangeAspect="1"/>
+          </p:cNvPicPr>
+          <p:nvPr/>
+        </p:nvPicPr>
+        <p:blipFill>
+          <a:blip r:embed="rId7"/>
+          <a:stretch>
+            <a:fillRect/>
+          </a:stretch>
+        </p:blipFill>
+        <p:spPr>
+          <a:xfrm>
+            <a:off x="1623771" y="4426950"/>
+            <a:ext cx="521730" cy="511296"/>
+          </a:xfrm>
+          <a:prstGeom prst="rect">
+            <a:avLst/>
+          </a:prstGeom>
+        </p:spPr>
+      </p:pic>
+      <p:sp>
+        <p:nvSpPr>
+          <p:cNvPr id="19" name="Rectangle 18">
+            <a:extLst>
+              <a:ext uri="{FF2B5EF4-FFF2-40B4-BE49-F238E27FC236}">
+                <a16:creationId xmlns:a16="http://schemas.microsoft.com/office/drawing/2014/main" id="{F3AD7FA0-DE65-F9AF-C180-FBBAC758A70C}"/>
+              </a:ext>
+            </a:extLst>
+          </p:cNvPr>
+          <p:cNvSpPr/>
+          <p:nvPr/>
+        </p:nvSpPr>
+        <p:spPr>
+          <a:xfrm>
+            <a:off x="4706935" y="3453290"/>
+            <a:ext cx="1101072" cy="423681"/>
+          </a:xfrm>
+          <a:prstGeom prst="rect">
+            <a:avLst/>
+          </a:prstGeom>
+        </p:spPr>
+        <p:style>
+          <a:lnRef idx="2">
+            <a:schemeClr val="accent1">
+              <a:shade val="15000"/>
+            </a:schemeClr>
+          </a:lnRef>
+          <a:fillRef idx="1">
+            <a:schemeClr val="accent1"/>
+          </a:fillRef>
+          <a:effectRef idx="0">
+            <a:schemeClr val="accent1"/>
+          </a:effectRef>
+          <a:fontRef idx="minor">
+            <a:schemeClr val="lt1"/>
+          </a:fontRef>
+        </p:style>
+        <p:txBody>
+          <a:bodyPr rtlCol="0" anchor="ctr"/>
+          <a:lstStyle/>
+          <a:p>
+            <a:pPr algn="ctr"/>
+            <a:r>
+              <a:rPr lang="en-US" sz="1200" b="1" dirty="0"/>
+              <a:t>Http server </a:t>
+            </a:r>
+          </a:p>
+          <a:p>
+            <a:pPr algn="ctr"/>
+            <a:r>
+              <a:rPr lang="en-US" sz="1200" b="1" dirty="0"/>
+              <a:t>Port: 5000</a:t>
+            </a:r>
+            <a:endParaRPr lang="en-SG" sz="1200" b="1" dirty="0"/>
+          </a:p>
+        </p:txBody>
+      </p:sp>
+      <p:sp>
+        <p:nvSpPr>
+          <p:cNvPr id="20" name="Rectangle 19">
+            <a:extLst>
+              <a:ext uri="{FF2B5EF4-FFF2-40B4-BE49-F238E27FC236}">
+                <a16:creationId xmlns:a16="http://schemas.microsoft.com/office/drawing/2014/main" id="{48F58BDC-C152-1FEC-3541-8A3BDE1804B3}"/>
+              </a:ext>
+            </a:extLst>
+          </p:cNvPr>
+          <p:cNvSpPr/>
+          <p:nvPr/>
+        </p:nvSpPr>
+        <p:spPr>
+          <a:xfrm>
+            <a:off x="4645531" y="2030385"/>
+            <a:ext cx="1116482" cy="407579"/>
+          </a:xfrm>
+          <a:prstGeom prst="rect">
+            <a:avLst/>
+          </a:prstGeom>
+        </p:spPr>
+        <p:style>
+          <a:lnRef idx="2">
+            <a:schemeClr val="accent1">
+              <a:shade val="15000"/>
+            </a:schemeClr>
+          </a:lnRef>
+          <a:fillRef idx="1">
+            <a:schemeClr val="accent1"/>
+          </a:fillRef>
+          <a:effectRef idx="0">
+            <a:schemeClr val="accent1"/>
+          </a:effectRef>
+          <a:fontRef idx="minor">
+            <a:schemeClr val="lt1"/>
+          </a:fontRef>
+        </p:style>
+        <p:txBody>
+          <a:bodyPr rtlCol="0" anchor="ctr"/>
+          <a:lstStyle/>
+          <a:p>
+            <a:pPr algn="ctr"/>
+            <a:r>
+              <a:rPr lang="en-US" sz="1200" b="1" dirty="0"/>
+              <a:t>ZMQ Server</a:t>
+            </a:r>
+          </a:p>
+          <a:p>
+            <a:pPr algn="ctr"/>
+            <a:r>
+              <a:rPr lang="en-US" sz="1200" b="1" dirty="0"/>
+              <a:t>Port: 3000 </a:t>
+            </a:r>
+            <a:endParaRPr lang="en-SG" sz="1200" b="1" dirty="0"/>
+          </a:p>
+        </p:txBody>
+      </p:sp>
+      <p:cxnSp>
+        <p:nvCxnSpPr>
+          <p:cNvPr id="22" name="Straight Arrow Connector 21">
+            <a:extLst>
+              <a:ext uri="{FF2B5EF4-FFF2-40B4-BE49-F238E27FC236}">
+                <a16:creationId xmlns:a16="http://schemas.microsoft.com/office/drawing/2014/main" id="{879B41B7-9044-08C8-5868-6702BA8D1A36}"/>
+              </a:ext>
+            </a:extLst>
+          </p:cNvPr>
+          <p:cNvCxnSpPr>
+            <a:cxnSpLocks/>
+          </p:cNvCxnSpPr>
+          <p:nvPr/>
+        </p:nvCxnSpPr>
+        <p:spPr>
+          <a:xfrm flipH="1">
+            <a:off x="5762013" y="2073928"/>
+            <a:ext cx="2489366" cy="0"/>
+          </a:xfrm>
+          <a:prstGeom prst="straightConnector1">
+            <a:avLst/>
+          </a:prstGeom>
+          <a:ln>
+            <a:tailEnd type="triangle"/>
+          </a:ln>
+        </p:spPr>
+        <p:style>
+          <a:lnRef idx="2">
+            <a:schemeClr val="accent1"/>
+          </a:lnRef>
+          <a:fillRef idx="0">
+            <a:schemeClr val="accent1"/>
+          </a:fillRef>
+          <a:effectRef idx="1">
+            <a:schemeClr val="accent1"/>
+          </a:effectRef>
+          <a:fontRef idx="minor">
+            <a:schemeClr val="tx1"/>
+          </a:fontRef>
+        </p:style>
+      </p:cxnSp>
+      <p:cxnSp>
+        <p:nvCxnSpPr>
+          <p:cNvPr id="26" name="Straight Arrow Connector 25">
+            <a:extLst>
+              <a:ext uri="{FF2B5EF4-FFF2-40B4-BE49-F238E27FC236}">
+                <a16:creationId xmlns:a16="http://schemas.microsoft.com/office/drawing/2014/main" id="{A8E26122-7E33-890B-4DC9-5CCC865B36DF}"/>
+              </a:ext>
+            </a:extLst>
+          </p:cNvPr>
+          <p:cNvCxnSpPr>
+            <a:cxnSpLocks/>
+          </p:cNvCxnSpPr>
+          <p:nvPr/>
+        </p:nvCxnSpPr>
+        <p:spPr>
+          <a:xfrm>
+            <a:off x="5788582" y="2348675"/>
+            <a:ext cx="2462797" cy="0"/>
+          </a:xfrm>
+          <a:prstGeom prst="straightConnector1">
+            <a:avLst/>
+          </a:prstGeom>
+          <a:ln>
+            <a:tailEnd type="triangle"/>
+          </a:ln>
+        </p:spPr>
+        <p:style>
+          <a:lnRef idx="2">
+            <a:schemeClr val="accent1"/>
+          </a:lnRef>
+          <a:fillRef idx="0">
+            <a:schemeClr val="accent1"/>
+          </a:fillRef>
+          <a:effectRef idx="1">
+            <a:schemeClr val="accent1"/>
+          </a:effectRef>
+          <a:fontRef idx="minor">
+            <a:schemeClr val="tx1"/>
+          </a:fontRef>
+        </p:style>
+      </p:cxnSp>
+      <p:pic>
+        <p:nvPicPr>
+          <p:cNvPr id="30" name="Graphic 29" descr="Electrician male with solid fill">
+            <a:extLst>
+              <a:ext uri="{FF2B5EF4-FFF2-40B4-BE49-F238E27FC236}">
+                <a16:creationId xmlns:a16="http://schemas.microsoft.com/office/drawing/2014/main" id="{4D6660E0-52AA-04DA-FDC3-6E2EC3915B7B}"/>
+              </a:ext>
+            </a:extLst>
+          </p:cNvPr>
+          <p:cNvPicPr>
+            <a:picLocks noChangeAspect="1"/>
+          </p:cNvPicPr>
+          <p:nvPr/>
+        </p:nvPicPr>
+        <p:blipFill>
+          <a:blip r:embed="rId8">
+            <a:extLst>
+              <a:ext uri="{96DAC541-7B7A-43D3-8B79-37D633B846F1}">
+                <asvg:svgBlip xmlns:asvg="http://schemas.microsoft.com/office/drawing/2016/SVG/main" r:embed="rId9"/>
+              </a:ext>
+            </a:extLst>
+          </a:blip>
+          <a:stretch>
+            <a:fillRect/>
+          </a:stretch>
+        </p:blipFill>
+        <p:spPr>
+          <a:xfrm>
+            <a:off x="8364268" y="1804826"/>
+            <a:ext cx="756024" cy="756024"/>
+          </a:xfrm>
+          <a:prstGeom prst="rect">
+            <a:avLst/>
+          </a:prstGeom>
+        </p:spPr>
+      </p:pic>
+      <p:sp>
+        <p:nvSpPr>
+          <p:cNvPr id="33" name="TextBox 32">
+            <a:extLst>
+              <a:ext uri="{FF2B5EF4-FFF2-40B4-BE49-F238E27FC236}">
+                <a16:creationId xmlns:a16="http://schemas.microsoft.com/office/drawing/2014/main" id="{72C33003-4764-D0D2-014A-8A87AADB4429}"/>
+              </a:ext>
+            </a:extLst>
+          </p:cNvPr>
+          <p:cNvSpPr txBox="1"/>
+          <p:nvPr/>
+        </p:nvSpPr>
+        <p:spPr>
+          <a:xfrm>
+            <a:off x="5755641" y="2073928"/>
+            <a:ext cx="1889798" cy="307777"/>
+          </a:xfrm>
+          <a:prstGeom prst="rect">
+            <a:avLst/>
+          </a:prstGeom>
+          <a:noFill/>
+        </p:spPr>
+        <p:txBody>
+          <a:bodyPr wrap="square" rtlCol="0">
+            <a:spAutoFit/>
+          </a:bodyPr>
+          <a:lstStyle/>
+          <a:p>
+            <a:r>
+              <a:rPr lang="en-US" sz="1400" b="1" dirty="0"/>
+              <a:t>IoT basic Config Info</a:t>
+            </a:r>
+            <a:endParaRPr lang="en-SG" sz="1400" b="1" dirty="0"/>
+          </a:p>
+        </p:txBody>
+      </p:sp>
+      <p:sp>
+        <p:nvSpPr>
+          <p:cNvPr id="35" name="TextBox 34">
+            <a:extLst>
+              <a:ext uri="{FF2B5EF4-FFF2-40B4-BE49-F238E27FC236}">
+                <a16:creationId xmlns:a16="http://schemas.microsoft.com/office/drawing/2014/main" id="{D2AF6B59-7073-061B-65DC-4EBFA84098D0}"/>
+              </a:ext>
+            </a:extLst>
+          </p:cNvPr>
+          <p:cNvSpPr txBox="1"/>
+          <p:nvPr/>
+        </p:nvSpPr>
+        <p:spPr>
+          <a:xfrm>
+            <a:off x="5744225" y="1776599"/>
+            <a:ext cx="1889798" cy="307777"/>
+          </a:xfrm>
+          <a:prstGeom prst="rect">
+            <a:avLst/>
+          </a:prstGeom>
+          <a:noFill/>
+        </p:spPr>
+        <p:txBody>
+          <a:bodyPr wrap="square" rtlCol="0">
+            <a:spAutoFit/>
+          </a:bodyPr>
+          <a:lstStyle/>
+          <a:p>
+            <a:r>
+              <a:rPr lang="en-US" sz="1400" b="1" dirty="0"/>
+              <a:t>IoT locate request</a:t>
+            </a:r>
+            <a:endParaRPr lang="en-SG" sz="1400" b="1" dirty="0"/>
+          </a:p>
+        </p:txBody>
+      </p:sp>
+      <p:sp>
+        <p:nvSpPr>
+          <p:cNvPr id="36" name="TextBox 35">
+            <a:extLst>
+              <a:ext uri="{FF2B5EF4-FFF2-40B4-BE49-F238E27FC236}">
+                <a16:creationId xmlns:a16="http://schemas.microsoft.com/office/drawing/2014/main" id="{BF48B2AB-F3DB-BB4D-4531-44200CCF1BF3}"/>
+              </a:ext>
+            </a:extLst>
+          </p:cNvPr>
+          <p:cNvSpPr txBox="1"/>
+          <p:nvPr/>
+        </p:nvSpPr>
+        <p:spPr>
+          <a:xfrm>
+            <a:off x="8364268" y="2487535"/>
+            <a:ext cx="1316441" cy="307777"/>
+          </a:xfrm>
+          <a:prstGeom prst="rect">
+            <a:avLst/>
+          </a:prstGeom>
+          <a:noFill/>
+        </p:spPr>
+        <p:txBody>
+          <a:bodyPr wrap="square" rtlCol="0">
+            <a:spAutoFit/>
+          </a:bodyPr>
+          <a:lstStyle/>
+          <a:p>
+            <a:r>
+              <a:rPr lang="en-US" sz="1400" b="1" dirty="0"/>
+              <a:t>IoT Engineer</a:t>
+            </a:r>
+            <a:endParaRPr lang="en-SG" sz="1400" b="1" dirty="0"/>
+          </a:p>
+        </p:txBody>
+      </p:sp>
+      <p:pic>
+        <p:nvPicPr>
+          <p:cNvPr id="37" name="Picture 36">
+            <a:extLst>
+              <a:ext uri="{FF2B5EF4-FFF2-40B4-BE49-F238E27FC236}">
+                <a16:creationId xmlns:a16="http://schemas.microsoft.com/office/drawing/2014/main" id="{D9B78DBA-0C01-609F-A8EB-8F2B2AF5AC26}"/>
+              </a:ext>
+            </a:extLst>
+          </p:cNvPr>
+          <p:cNvPicPr>
+            <a:picLocks noChangeAspect="1"/>
+          </p:cNvPicPr>
+          <p:nvPr/>
+        </p:nvPicPr>
+        <p:blipFill>
+          <a:blip r:embed="rId10"/>
+          <a:stretch>
+            <a:fillRect/>
+          </a:stretch>
+        </p:blipFill>
+        <p:spPr>
+          <a:xfrm>
+            <a:off x="7348703" y="586170"/>
+            <a:ext cx="570640" cy="632667"/>
+          </a:xfrm>
+          <a:prstGeom prst="rect">
+            <a:avLst/>
+          </a:prstGeom>
+          <a:ln w="9525">
+            <a:solidFill>
+              <a:schemeClr val="tx1"/>
+            </a:solidFill>
+          </a:ln>
+        </p:spPr>
+      </p:pic>
+      <p:cxnSp>
+        <p:nvCxnSpPr>
+          <p:cNvPr id="38" name="Straight Arrow Connector 37">
+            <a:extLst>
+              <a:ext uri="{FF2B5EF4-FFF2-40B4-BE49-F238E27FC236}">
+                <a16:creationId xmlns:a16="http://schemas.microsoft.com/office/drawing/2014/main" id="{6E55D0A4-1B6A-6979-8C2C-456F48124A7C}"/>
+              </a:ext>
+            </a:extLst>
+          </p:cNvPr>
+          <p:cNvCxnSpPr>
+            <a:cxnSpLocks/>
+          </p:cNvCxnSpPr>
+          <p:nvPr/>
+        </p:nvCxnSpPr>
+        <p:spPr>
+          <a:xfrm flipH="1" flipV="1">
+            <a:off x="7634585" y="1264222"/>
+            <a:ext cx="0" cy="611855"/>
+          </a:xfrm>
+          <a:prstGeom prst="straightConnector1">
+            <a:avLst/>
+          </a:prstGeom>
+          <a:ln w="38100">
+            <a:solidFill>
+              <a:srgbClr val="C00000"/>
+            </a:solidFill>
+            <a:prstDash val="sysDash"/>
+            <a:tailEnd type="triangle"/>
+          </a:ln>
+        </p:spPr>
+        <p:style>
+          <a:lnRef idx="2">
+            <a:schemeClr val="accent1"/>
+          </a:lnRef>
+          <a:fillRef idx="0">
+            <a:schemeClr val="accent1"/>
+          </a:fillRef>
+          <a:effectRef idx="1">
+            <a:schemeClr val="accent1"/>
+          </a:effectRef>
+          <a:fontRef idx="minor">
+            <a:schemeClr val="tx1"/>
+          </a:fontRef>
+        </p:style>
+      </p:cxnSp>
+      <p:sp>
+        <p:nvSpPr>
+          <p:cNvPr id="39" name="Multiplication Sign 38">
+            <a:extLst>
+              <a:ext uri="{FF2B5EF4-FFF2-40B4-BE49-F238E27FC236}">
+                <a16:creationId xmlns:a16="http://schemas.microsoft.com/office/drawing/2014/main" id="{204316CF-96B6-E48E-2A5E-8917C954CBC5}"/>
+              </a:ext>
+            </a:extLst>
+          </p:cNvPr>
+          <p:cNvSpPr/>
+          <p:nvPr/>
+        </p:nvSpPr>
+        <p:spPr>
+          <a:xfrm>
+            <a:off x="7470462" y="1850555"/>
+            <a:ext cx="349955" cy="407579"/>
+          </a:xfrm>
+          <a:prstGeom prst="mathMultiply">
+            <a:avLst/>
+          </a:prstGeom>
+          <a:solidFill>
+            <a:srgbClr val="C00000"/>
+          </a:solidFill>
+        </p:spPr>
+        <p:style>
+          <a:lnRef idx="2">
+            <a:schemeClr val="accent1">
+              <a:shade val="15000"/>
+            </a:schemeClr>
+          </a:lnRef>
+          <a:fillRef idx="1">
+            <a:schemeClr val="accent1"/>
+          </a:fillRef>
+          <a:effectRef idx="0">
+            <a:schemeClr val="accent1"/>
+          </a:effectRef>
+          <a:fontRef idx="minor">
+            <a:schemeClr val="lt1"/>
+          </a:fontRef>
+        </p:style>
+        <p:txBody>
+          <a:bodyPr rtlCol="0" anchor="ctr"/>
+          <a:lstStyle/>
+          <a:p>
+            <a:pPr algn="ctr"/>
+            <a:endParaRPr lang="en-SG">
+              <a:solidFill>
+                <a:srgbClr val="C00000"/>
+              </a:solidFill>
+            </a:endParaRPr>
+          </a:p>
+        </p:txBody>
+      </p:sp>
+      <p:sp>
+        <p:nvSpPr>
+          <p:cNvPr id="46" name="TextBox 45">
+            <a:extLst>
+              <a:ext uri="{FF2B5EF4-FFF2-40B4-BE49-F238E27FC236}">
+                <a16:creationId xmlns:a16="http://schemas.microsoft.com/office/drawing/2014/main" id="{2D5B635D-41B9-BE6D-A304-EBD745F04AB0}"/>
+              </a:ext>
+            </a:extLst>
+          </p:cNvPr>
+          <p:cNvSpPr txBox="1"/>
+          <p:nvPr/>
+        </p:nvSpPr>
+        <p:spPr>
+          <a:xfrm>
+            <a:off x="7714562" y="1247114"/>
+            <a:ext cx="1889797" cy="461665"/>
+          </a:xfrm>
+          <a:prstGeom prst="rect">
+            <a:avLst/>
+          </a:prstGeom>
+          <a:noFill/>
+        </p:spPr>
+        <p:txBody>
+          <a:bodyPr wrap="square" rtlCol="0">
+            <a:spAutoFit/>
+          </a:bodyPr>
+          <a:lstStyle/>
+          <a:p>
+            <a:r>
+              <a:rPr lang="en-US" sz="1200" b="1" dirty="0">
+                <a:solidFill>
+                  <a:srgbClr val="C00000"/>
+                </a:solidFill>
+              </a:rPr>
+              <a:t>1. Traffic </a:t>
+            </a:r>
+            <a:r>
+              <a:rPr lang="en-SG" sz="1200" b="1" i="0" dirty="0">
+                <a:solidFill>
+                  <a:srgbClr val="C00000"/>
+                </a:solidFill>
+                <a:effectLst/>
+                <a:highlight>
+                  <a:srgbClr val="FFFFFF"/>
+                </a:highlight>
+              </a:rPr>
+              <a:t>eavesdrop and packet analyse</a:t>
+            </a:r>
+            <a:endParaRPr lang="en-SG" sz="1200" b="1" dirty="0">
+              <a:solidFill>
+                <a:srgbClr val="C00000"/>
+              </a:solidFill>
+            </a:endParaRPr>
+          </a:p>
+        </p:txBody>
+      </p:sp>
+      <p:pic>
+        <p:nvPicPr>
+          <p:cNvPr id="48" name="Picture 47">
+            <a:extLst>
+              <a:ext uri="{FF2B5EF4-FFF2-40B4-BE49-F238E27FC236}">
+                <a16:creationId xmlns:a16="http://schemas.microsoft.com/office/drawing/2014/main" id="{3935238A-9C7D-F1E5-647E-91CC26922100}"/>
+              </a:ext>
+            </a:extLst>
+          </p:cNvPr>
+          <p:cNvPicPr>
+            <a:picLocks noChangeAspect="1"/>
+          </p:cNvPicPr>
+          <p:nvPr/>
+        </p:nvPicPr>
+        <p:blipFill>
+          <a:blip r:embed="rId11">
+            <a:duotone>
+              <a:schemeClr val="accent2">
+                <a:shade val="45000"/>
+                <a:satMod val="135000"/>
+              </a:schemeClr>
+              <a:prstClr val="white"/>
+            </a:duotone>
+          </a:blip>
+          <a:stretch>
+            <a:fillRect/>
+          </a:stretch>
+        </p:blipFill>
+        <p:spPr>
+          <a:xfrm>
+            <a:off x="5330842" y="722113"/>
+            <a:ext cx="539446" cy="567117"/>
+          </a:xfrm>
+          <a:prstGeom prst="rect">
+            <a:avLst/>
+          </a:prstGeom>
+        </p:spPr>
+      </p:pic>
+      <p:pic>
+        <p:nvPicPr>
+          <p:cNvPr id="50" name="Picture 49" descr="A red bomb with a star&#10;&#10;Description automatically generated">
+            <a:extLst>
+              <a:ext uri="{FF2B5EF4-FFF2-40B4-BE49-F238E27FC236}">
+                <a16:creationId xmlns:a16="http://schemas.microsoft.com/office/drawing/2014/main" id="{84EB49B4-3E01-8AD3-423B-5EE53582B034}"/>
+              </a:ext>
+            </a:extLst>
+          </p:cNvPr>
+          <p:cNvPicPr>
+            <a:picLocks noChangeAspect="1"/>
+          </p:cNvPicPr>
+          <p:nvPr/>
+        </p:nvPicPr>
+        <p:blipFill>
+          <a:blip r:embed="rId12">
+            <a:extLst>
+              <a:ext uri="{28A0092B-C50C-407E-A947-70E740481C1C}">
+                <a14:useLocalDpi xmlns:a14="http://schemas.microsoft.com/office/drawing/2010/main" val="0"/>
+              </a:ext>
+            </a:extLst>
+          </a:blip>
+          <a:stretch>
+            <a:fillRect/>
+          </a:stretch>
+        </p:blipFill>
+        <p:spPr>
+          <a:xfrm flipH="1">
+            <a:off x="5427628" y="829631"/>
+            <a:ext cx="489782" cy="352080"/>
+          </a:xfrm>
+          <a:prstGeom prst="rect">
+            <a:avLst/>
+          </a:prstGeom>
+        </p:spPr>
+      </p:pic>
+      <p:cxnSp>
+        <p:nvCxnSpPr>
+          <p:cNvPr id="51" name="Straight Arrow Connector 50">
+            <a:extLst>
+              <a:ext uri="{FF2B5EF4-FFF2-40B4-BE49-F238E27FC236}">
+                <a16:creationId xmlns:a16="http://schemas.microsoft.com/office/drawing/2014/main" id="{65070593-25AA-BCF2-D922-B15FE9712989}"/>
+              </a:ext>
+            </a:extLst>
+          </p:cNvPr>
+          <p:cNvCxnSpPr>
+            <a:cxnSpLocks/>
+          </p:cNvCxnSpPr>
+          <p:nvPr/>
+        </p:nvCxnSpPr>
+        <p:spPr>
+          <a:xfrm flipH="1">
+            <a:off x="5949244" y="974644"/>
+            <a:ext cx="1335791" cy="0"/>
+          </a:xfrm>
+          <a:prstGeom prst="straightConnector1">
+            <a:avLst/>
+          </a:prstGeom>
+          <a:ln w="38100">
+            <a:solidFill>
+              <a:srgbClr val="C00000"/>
+            </a:solidFill>
+            <a:prstDash val="sysDash"/>
+            <a:tailEnd type="triangle"/>
+          </a:ln>
+        </p:spPr>
+        <p:style>
+          <a:lnRef idx="2">
+            <a:schemeClr val="accent1"/>
+          </a:lnRef>
+          <a:fillRef idx="0">
+            <a:schemeClr val="accent1"/>
+          </a:fillRef>
+          <a:effectRef idx="1">
+            <a:schemeClr val="accent1"/>
+          </a:effectRef>
+          <a:fontRef idx="minor">
+            <a:schemeClr val="tx1"/>
+          </a:fontRef>
+        </p:style>
+      </p:cxnSp>
+      <p:pic>
+        <p:nvPicPr>
+          <p:cNvPr id="49" name="Picture 48">
+            <a:extLst>
+              <a:ext uri="{FF2B5EF4-FFF2-40B4-BE49-F238E27FC236}">
+                <a16:creationId xmlns:a16="http://schemas.microsoft.com/office/drawing/2014/main" id="{B1291F01-4EF3-C595-B9D0-E0A739E19FA4}"/>
+              </a:ext>
+            </a:extLst>
+          </p:cNvPr>
+          <p:cNvPicPr>
+            <a:picLocks noChangeAspect="1"/>
+          </p:cNvPicPr>
+          <p:nvPr/>
+        </p:nvPicPr>
+        <p:blipFill>
+          <a:blip r:embed="rId13"/>
+          <a:stretch>
+            <a:fillRect/>
+          </a:stretch>
+        </p:blipFill>
+        <p:spPr>
+          <a:xfrm>
+            <a:off x="6421653" y="733805"/>
+            <a:ext cx="489782" cy="506109"/>
+          </a:xfrm>
+          <a:prstGeom prst="rect">
+            <a:avLst/>
+          </a:prstGeom>
+          <a:ln w="12700">
+            <a:solidFill>
+              <a:schemeClr val="tx1"/>
+            </a:solidFill>
+          </a:ln>
+        </p:spPr>
+      </p:pic>
+      <p:sp>
+        <p:nvSpPr>
+          <p:cNvPr id="55" name="TextBox 54">
+            <a:extLst>
+              <a:ext uri="{FF2B5EF4-FFF2-40B4-BE49-F238E27FC236}">
+                <a16:creationId xmlns:a16="http://schemas.microsoft.com/office/drawing/2014/main" id="{F9F438BD-08BF-F504-3ABF-DFE730706ACC}"/>
+              </a:ext>
+            </a:extLst>
+          </p:cNvPr>
+          <p:cNvSpPr txBox="1"/>
+          <p:nvPr/>
+        </p:nvSpPr>
+        <p:spPr>
+          <a:xfrm>
+            <a:off x="5939579" y="272140"/>
+            <a:ext cx="1442093" cy="461665"/>
+          </a:xfrm>
+          <a:prstGeom prst="rect">
+            <a:avLst/>
+          </a:prstGeom>
+          <a:noFill/>
+        </p:spPr>
+        <p:txBody>
+          <a:bodyPr wrap="square" rtlCol="0">
+            <a:spAutoFit/>
+          </a:bodyPr>
+          <a:lstStyle/>
+          <a:p>
+            <a:r>
+              <a:rPr lang="en-US" sz="1200" b="1" dirty="0">
+                <a:solidFill>
+                  <a:srgbClr val="C00000"/>
+                </a:solidFill>
+              </a:rPr>
+              <a:t>2. Build web Shell Pickle Bomb</a:t>
+            </a:r>
+            <a:endParaRPr lang="en-SG" sz="1200" b="1" dirty="0">
+              <a:solidFill>
+                <a:srgbClr val="C00000"/>
+              </a:solidFill>
+            </a:endParaRPr>
+          </a:p>
+        </p:txBody>
+      </p:sp>
+      <p:cxnSp>
+        <p:nvCxnSpPr>
+          <p:cNvPr id="56" name="Straight Arrow Connector 55">
+            <a:extLst>
+              <a:ext uri="{FF2B5EF4-FFF2-40B4-BE49-F238E27FC236}">
+                <a16:creationId xmlns:a16="http://schemas.microsoft.com/office/drawing/2014/main" id="{798D5B56-D4A1-0007-D137-9333B19FEE1D}"/>
+              </a:ext>
+            </a:extLst>
+          </p:cNvPr>
+          <p:cNvCxnSpPr>
+            <a:cxnSpLocks/>
+          </p:cNvCxnSpPr>
+          <p:nvPr/>
+        </p:nvCxnSpPr>
+        <p:spPr>
+          <a:xfrm>
+            <a:off x="5477184" y="1264222"/>
+            <a:ext cx="0" cy="750796"/>
+          </a:xfrm>
+          <a:prstGeom prst="straightConnector1">
+            <a:avLst/>
+          </a:prstGeom>
+          <a:ln w="38100">
+            <a:solidFill>
+              <a:srgbClr val="C00000"/>
+            </a:solidFill>
+            <a:prstDash val="sysDash"/>
+            <a:tailEnd type="triangle"/>
+          </a:ln>
+        </p:spPr>
+        <p:style>
+          <a:lnRef idx="2">
+            <a:schemeClr val="accent1"/>
+          </a:lnRef>
+          <a:fillRef idx="0">
+            <a:schemeClr val="accent1"/>
+          </a:fillRef>
+          <a:effectRef idx="1">
+            <a:schemeClr val="accent1"/>
+          </a:effectRef>
+          <a:fontRef idx="minor">
+            <a:schemeClr val="tx1"/>
+          </a:fontRef>
+        </p:style>
+      </p:cxnSp>
+      <p:sp>
+        <p:nvSpPr>
+          <p:cNvPr id="58" name="TextBox 57">
+            <a:extLst>
+              <a:ext uri="{FF2B5EF4-FFF2-40B4-BE49-F238E27FC236}">
+                <a16:creationId xmlns:a16="http://schemas.microsoft.com/office/drawing/2014/main" id="{83394123-FDA0-E1B0-B08F-D81085BAA6F5}"/>
+              </a:ext>
+            </a:extLst>
+          </p:cNvPr>
+          <p:cNvSpPr txBox="1"/>
+          <p:nvPr/>
+        </p:nvSpPr>
+        <p:spPr>
+          <a:xfrm>
+            <a:off x="5505006" y="1343710"/>
+            <a:ext cx="1442093" cy="461665"/>
+          </a:xfrm>
+          <a:prstGeom prst="rect">
+            <a:avLst/>
+          </a:prstGeom>
+          <a:noFill/>
+        </p:spPr>
+        <p:txBody>
+          <a:bodyPr wrap="square" rtlCol="0">
+            <a:spAutoFit/>
+          </a:bodyPr>
+          <a:lstStyle/>
+          <a:p>
+            <a:r>
+              <a:rPr lang="en-US" sz="1200" b="1" dirty="0">
+                <a:solidFill>
+                  <a:srgbClr val="C00000"/>
+                </a:solidFill>
+              </a:rPr>
+              <a:t>3. Inject Bomb as data stream</a:t>
+            </a:r>
+            <a:endParaRPr lang="en-SG" sz="1200" b="1" dirty="0">
+              <a:solidFill>
+                <a:srgbClr val="C00000"/>
+              </a:solidFill>
+            </a:endParaRPr>
+          </a:p>
+        </p:txBody>
+      </p:sp>
+      <p:cxnSp>
+        <p:nvCxnSpPr>
+          <p:cNvPr id="59" name="Straight Arrow Connector 58">
+            <a:extLst>
+              <a:ext uri="{FF2B5EF4-FFF2-40B4-BE49-F238E27FC236}">
+                <a16:creationId xmlns:a16="http://schemas.microsoft.com/office/drawing/2014/main" id="{1C15F346-DAD5-529D-01BF-3F2A63012A46}"/>
+              </a:ext>
+            </a:extLst>
+          </p:cNvPr>
+          <p:cNvCxnSpPr>
+            <a:cxnSpLocks/>
+          </p:cNvCxnSpPr>
+          <p:nvPr/>
+        </p:nvCxnSpPr>
+        <p:spPr>
+          <a:xfrm>
+            <a:off x="4873229" y="2437964"/>
+            <a:ext cx="0" cy="357348"/>
+          </a:xfrm>
+          <a:prstGeom prst="straightConnector1">
+            <a:avLst/>
+          </a:prstGeom>
+          <a:ln w="38100">
+            <a:solidFill>
+              <a:srgbClr val="C00000"/>
+            </a:solidFill>
+            <a:prstDash val="sysDash"/>
+            <a:tailEnd type="triangle"/>
+          </a:ln>
+        </p:spPr>
+        <p:style>
+          <a:lnRef idx="2">
+            <a:schemeClr val="accent1"/>
+          </a:lnRef>
+          <a:fillRef idx="0">
+            <a:schemeClr val="accent1"/>
+          </a:fillRef>
+          <a:effectRef idx="1">
+            <a:schemeClr val="accent1"/>
+          </a:effectRef>
+          <a:fontRef idx="minor">
+            <a:schemeClr val="tx1"/>
+          </a:fontRef>
+        </p:style>
+      </p:cxnSp>
+      <p:sp>
+        <p:nvSpPr>
+          <p:cNvPr id="61" name="Rectangle 60">
+            <a:extLst>
+              <a:ext uri="{FF2B5EF4-FFF2-40B4-BE49-F238E27FC236}">
+                <a16:creationId xmlns:a16="http://schemas.microsoft.com/office/drawing/2014/main" id="{C9148309-0EB5-0C84-A3F0-3C3AEE686D7A}"/>
+              </a:ext>
+            </a:extLst>
+          </p:cNvPr>
+          <p:cNvSpPr/>
+          <p:nvPr/>
+        </p:nvSpPr>
+        <p:spPr>
+          <a:xfrm>
+            <a:off x="4673853" y="2850076"/>
+            <a:ext cx="1391861" cy="406144"/>
+          </a:xfrm>
+          <a:prstGeom prst="rect">
+            <a:avLst/>
+          </a:prstGeom>
+          <a:solidFill>
+            <a:srgbClr val="C00000"/>
+          </a:solidFill>
+        </p:spPr>
+        <p:style>
+          <a:lnRef idx="2">
+            <a:schemeClr val="accent1">
+              <a:shade val="50000"/>
+            </a:schemeClr>
+          </a:lnRef>
+          <a:fillRef idx="1">
+            <a:schemeClr val="accent1"/>
+          </a:fillRef>
+          <a:effectRef idx="0">
+            <a:schemeClr val="accent1"/>
+          </a:effectRef>
+          <a:fontRef idx="minor">
+            <a:schemeClr val="lt1"/>
+          </a:fontRef>
+        </p:style>
+        <p:txBody>
+          <a:bodyPr rtlCol="0" anchor="ctr"/>
+          <a:lstStyle/>
+          <a:p>
+            <a:r>
+              <a:rPr lang="en-US" sz="1200" b="1" dirty="0"/>
+              <a:t>Backdoor Web Shell Port : 5001</a:t>
+            </a:r>
+            <a:endParaRPr lang="en-SG" sz="1200" b="1" dirty="0"/>
+          </a:p>
+        </p:txBody>
+      </p:sp>
+      <p:sp>
+        <p:nvSpPr>
+          <p:cNvPr id="62" name="TextBox 61">
+            <a:extLst>
+              <a:ext uri="{FF2B5EF4-FFF2-40B4-BE49-F238E27FC236}">
+                <a16:creationId xmlns:a16="http://schemas.microsoft.com/office/drawing/2014/main" id="{0B5538A1-7541-7FDA-309C-3043DEE7B9E3}"/>
+              </a:ext>
+            </a:extLst>
+          </p:cNvPr>
+          <p:cNvSpPr txBox="1"/>
+          <p:nvPr/>
+        </p:nvSpPr>
+        <p:spPr>
+          <a:xfrm>
+            <a:off x="4936796" y="2425618"/>
+            <a:ext cx="1442093" cy="461665"/>
+          </a:xfrm>
+          <a:prstGeom prst="rect">
+            <a:avLst/>
+          </a:prstGeom>
+          <a:noFill/>
+        </p:spPr>
+        <p:txBody>
+          <a:bodyPr wrap="square" rtlCol="0">
+            <a:spAutoFit/>
+          </a:bodyPr>
+          <a:lstStyle/>
+          <a:p>
+            <a:r>
+              <a:rPr lang="en-US" sz="1200" b="1" dirty="0">
+                <a:solidFill>
+                  <a:srgbClr val="C00000"/>
+                </a:solidFill>
+              </a:rPr>
+              <a:t>4. Deserialization Bomb activated </a:t>
+            </a:r>
+            <a:endParaRPr lang="en-SG" sz="1200" b="1" dirty="0">
+              <a:solidFill>
+                <a:srgbClr val="C00000"/>
+              </a:solidFill>
+            </a:endParaRPr>
+          </a:p>
+        </p:txBody>
+      </p:sp>
+      <p:pic>
+        <p:nvPicPr>
+          <p:cNvPr id="65" name="Picture 64" descr="A screenshot of a computer&#10;&#10;Description automatically generated">
+            <a:extLst>
+              <a:ext uri="{FF2B5EF4-FFF2-40B4-BE49-F238E27FC236}">
+                <a16:creationId xmlns:a16="http://schemas.microsoft.com/office/drawing/2014/main" id="{34A78F89-029D-F434-3FF9-B871AEE515A1}"/>
+              </a:ext>
+            </a:extLst>
+          </p:cNvPr>
+          <p:cNvPicPr>
+            <a:picLocks noChangeAspect="1"/>
+          </p:cNvPicPr>
+          <p:nvPr/>
+        </p:nvPicPr>
+        <p:blipFill>
+          <a:blip r:embed="rId14">
+            <a:extLst>
+              <a:ext uri="{28A0092B-C50C-407E-A947-70E740481C1C}">
+                <a14:useLocalDpi xmlns:a14="http://schemas.microsoft.com/office/drawing/2010/main" val="0"/>
+              </a:ext>
+            </a:extLst>
+          </a:blip>
+          <a:stretch>
+            <a:fillRect/>
+          </a:stretch>
+        </p:blipFill>
+        <p:spPr>
+          <a:xfrm>
+            <a:off x="8268036" y="2867305"/>
+            <a:ext cx="1760826" cy="1181123"/>
+          </a:xfrm>
+          <a:prstGeom prst="rect">
+            <a:avLst/>
+          </a:prstGeom>
+          <a:ln w="12700">
+            <a:solidFill>
+              <a:srgbClr val="C00000"/>
+            </a:solidFill>
+          </a:ln>
+        </p:spPr>
+      </p:pic>
+      <p:cxnSp>
+        <p:nvCxnSpPr>
+          <p:cNvPr id="69" name="Straight Arrow Connector 68">
+            <a:extLst>
+              <a:ext uri="{FF2B5EF4-FFF2-40B4-BE49-F238E27FC236}">
+                <a16:creationId xmlns:a16="http://schemas.microsoft.com/office/drawing/2014/main" id="{058E882F-92A2-6F8C-6EE3-BB4BEBE4E128}"/>
+              </a:ext>
+            </a:extLst>
+          </p:cNvPr>
+          <p:cNvCxnSpPr>
+            <a:cxnSpLocks/>
+          </p:cNvCxnSpPr>
+          <p:nvPr/>
+        </p:nvCxnSpPr>
+        <p:spPr>
+          <a:xfrm flipH="1">
+            <a:off x="6065714" y="3028925"/>
+            <a:ext cx="2185665" cy="0"/>
+          </a:xfrm>
+          <a:prstGeom prst="straightConnector1">
+            <a:avLst/>
+          </a:prstGeom>
+          <a:ln w="38100">
+            <a:solidFill>
+              <a:srgbClr val="C00000"/>
+            </a:solidFill>
+            <a:prstDash val="sysDash"/>
+            <a:tailEnd type="triangle"/>
+          </a:ln>
+        </p:spPr>
+        <p:style>
+          <a:lnRef idx="2">
+            <a:schemeClr val="accent1"/>
+          </a:lnRef>
+          <a:fillRef idx="0">
+            <a:schemeClr val="accent1"/>
+          </a:fillRef>
+          <a:effectRef idx="1">
+            <a:schemeClr val="accent1"/>
+          </a:effectRef>
+          <a:fontRef idx="minor">
+            <a:schemeClr val="tx1"/>
+          </a:fontRef>
+        </p:style>
+      </p:cxnSp>
+      <p:pic>
+        <p:nvPicPr>
+          <p:cNvPr id="63" name="Picture 62">
+            <a:extLst>
+              <a:ext uri="{FF2B5EF4-FFF2-40B4-BE49-F238E27FC236}">
+                <a16:creationId xmlns:a16="http://schemas.microsoft.com/office/drawing/2014/main" id="{9281D00D-7A1E-F831-69EF-E2C013EBA2F4}"/>
+              </a:ext>
+            </a:extLst>
+          </p:cNvPr>
+          <p:cNvPicPr>
+            <a:picLocks noChangeAspect="1"/>
+          </p:cNvPicPr>
+          <p:nvPr/>
+        </p:nvPicPr>
+        <p:blipFill>
+          <a:blip r:embed="rId10"/>
+          <a:stretch>
+            <a:fillRect/>
+          </a:stretch>
+        </p:blipFill>
+        <p:spPr>
+          <a:xfrm>
+            <a:off x="10441928" y="3028925"/>
+            <a:ext cx="570640" cy="632667"/>
+          </a:xfrm>
+          <a:prstGeom prst="rect">
+            <a:avLst/>
+          </a:prstGeom>
+          <a:ln w="9525">
+            <a:solidFill>
+              <a:schemeClr val="tx1"/>
+            </a:solidFill>
+          </a:ln>
+        </p:spPr>
+      </p:pic>
+      <p:cxnSp>
+        <p:nvCxnSpPr>
+          <p:cNvPr id="74" name="Straight Arrow Connector 73">
+            <a:extLst>
+              <a:ext uri="{FF2B5EF4-FFF2-40B4-BE49-F238E27FC236}">
+                <a16:creationId xmlns:a16="http://schemas.microsoft.com/office/drawing/2014/main" id="{F1B3DFD0-0FEB-6A86-3CA5-9D29BA3ACF44}"/>
+              </a:ext>
+            </a:extLst>
+          </p:cNvPr>
+          <p:cNvCxnSpPr>
+            <a:cxnSpLocks/>
+          </p:cNvCxnSpPr>
+          <p:nvPr/>
+        </p:nvCxnSpPr>
+        <p:spPr>
+          <a:xfrm flipH="1">
+            <a:off x="10022941" y="3202074"/>
+            <a:ext cx="396409" cy="0"/>
+          </a:xfrm>
+          <a:prstGeom prst="straightConnector1">
+            <a:avLst/>
+          </a:prstGeom>
+          <a:ln w="38100">
+            <a:solidFill>
+              <a:srgbClr val="C00000"/>
+            </a:solidFill>
+            <a:prstDash val="sysDash"/>
+            <a:tailEnd type="triangle"/>
+          </a:ln>
+        </p:spPr>
+        <p:style>
+          <a:lnRef idx="2">
+            <a:schemeClr val="accent1"/>
+          </a:lnRef>
+          <a:fillRef idx="0">
+            <a:schemeClr val="accent1"/>
+          </a:fillRef>
+          <a:effectRef idx="1">
+            <a:schemeClr val="accent1"/>
+          </a:effectRef>
+          <a:fontRef idx="minor">
+            <a:schemeClr val="tx1"/>
+          </a:fontRef>
+        </p:style>
+      </p:cxnSp>
+      <p:sp>
+        <p:nvSpPr>
+          <p:cNvPr id="77" name="TextBox 76">
+            <a:extLst>
+              <a:ext uri="{FF2B5EF4-FFF2-40B4-BE49-F238E27FC236}">
+                <a16:creationId xmlns:a16="http://schemas.microsoft.com/office/drawing/2014/main" id="{52CC3432-D5A4-D1D3-2004-8FA06BE5B662}"/>
+              </a:ext>
+            </a:extLst>
+          </p:cNvPr>
+          <p:cNvSpPr txBox="1"/>
+          <p:nvPr/>
+        </p:nvSpPr>
+        <p:spPr>
+          <a:xfrm>
+            <a:off x="6416488" y="2574485"/>
+            <a:ext cx="1889712" cy="461665"/>
+          </a:xfrm>
+          <a:prstGeom prst="rect">
+            <a:avLst/>
+          </a:prstGeom>
+          <a:noFill/>
+        </p:spPr>
+        <p:txBody>
+          <a:bodyPr wrap="square" rtlCol="0">
+            <a:spAutoFit/>
+          </a:bodyPr>
+          <a:lstStyle/>
+          <a:p>
+            <a:r>
+              <a:rPr lang="en-US" sz="1200" b="1" dirty="0">
+                <a:solidFill>
+                  <a:srgbClr val="C00000"/>
+                </a:solidFill>
+              </a:rPr>
+              <a:t>5. Remote command execution request</a:t>
+            </a:r>
+            <a:endParaRPr lang="en-SG" sz="1200" b="1" dirty="0">
+              <a:solidFill>
+                <a:srgbClr val="C00000"/>
+              </a:solidFill>
+            </a:endParaRPr>
+          </a:p>
+        </p:txBody>
+      </p:sp>
+      <p:sp>
+        <p:nvSpPr>
+          <p:cNvPr id="78" name="Cylinder 77">
+            <a:extLst>
+              <a:ext uri="{FF2B5EF4-FFF2-40B4-BE49-F238E27FC236}">
+                <a16:creationId xmlns:a16="http://schemas.microsoft.com/office/drawing/2014/main" id="{0136ED82-C057-4DF4-78C1-6B2EB8445953}"/>
+              </a:ext>
+            </a:extLst>
+          </p:cNvPr>
+          <p:cNvSpPr/>
+          <p:nvPr/>
+        </p:nvSpPr>
+        <p:spPr>
+          <a:xfrm>
+            <a:off x="2462949" y="2667780"/>
+            <a:ext cx="843276" cy="359636"/>
+          </a:xfrm>
+          <a:prstGeom prst="can">
+            <a:avLst/>
+          </a:prstGeom>
+        </p:spPr>
+        <p:style>
+          <a:lnRef idx="2">
+            <a:schemeClr val="accent1">
+              <a:shade val="15000"/>
+            </a:schemeClr>
+          </a:lnRef>
+          <a:fillRef idx="1">
+            <a:schemeClr val="accent1"/>
+          </a:fillRef>
+          <a:effectRef idx="0">
+            <a:schemeClr val="accent1"/>
+          </a:effectRef>
+          <a:fontRef idx="minor">
+            <a:schemeClr val="lt1"/>
+          </a:fontRef>
+        </p:style>
+        <p:txBody>
+          <a:bodyPr rtlCol="0" anchor="ctr"/>
+          <a:lstStyle/>
+          <a:p>
+            <a:pPr algn="ctr"/>
+            <a:r>
+              <a:rPr lang="en-US" sz="1200" dirty="0"/>
+              <a:t>Database</a:t>
+            </a:r>
+            <a:endParaRPr lang="en-SG" sz="1200" dirty="0"/>
+          </a:p>
+        </p:txBody>
+      </p:sp>
+      <p:cxnSp>
+        <p:nvCxnSpPr>
+          <p:cNvPr id="80" name="Connector: Elbow 79">
+            <a:extLst>
+              <a:ext uri="{FF2B5EF4-FFF2-40B4-BE49-F238E27FC236}">
+                <a16:creationId xmlns:a16="http://schemas.microsoft.com/office/drawing/2014/main" id="{F4C1C265-57B1-FDFC-3646-2C40E9B20A95}"/>
+              </a:ext>
+            </a:extLst>
+          </p:cNvPr>
+          <p:cNvCxnSpPr>
+            <a:stCxn id="78" idx="3"/>
+            <a:endCxn id="8" idx="0"/>
+          </p:cNvCxnSpPr>
+          <p:nvPr/>
+        </p:nvCxnSpPr>
+        <p:spPr>
+          <a:xfrm rot="16200000" flipH="1">
+            <a:off x="3506576" y="2405426"/>
+            <a:ext cx="94693" cy="1338671"/>
+          </a:xfrm>
+          <a:prstGeom prst="bentConnector3">
+            <a:avLst/>
+          </a:prstGeom>
+        </p:spPr>
+        <p:style>
+          <a:lnRef idx="2">
+            <a:schemeClr val="accent1"/>
+          </a:lnRef>
+          <a:fillRef idx="0">
+            <a:schemeClr val="accent1"/>
+          </a:fillRef>
+          <a:effectRef idx="1">
+            <a:schemeClr val="accent1"/>
+          </a:effectRef>
+          <a:fontRef idx="minor">
+            <a:schemeClr val="tx1"/>
+          </a:fontRef>
+        </p:style>
+      </p:cxnSp>
+      <p:cxnSp>
+        <p:nvCxnSpPr>
+          <p:cNvPr id="82" name="Straight Arrow Connector 81">
+            <a:extLst>
+              <a:ext uri="{FF2B5EF4-FFF2-40B4-BE49-F238E27FC236}">
+                <a16:creationId xmlns:a16="http://schemas.microsoft.com/office/drawing/2014/main" id="{70A84E32-6C51-EF61-06FC-86DDF5E82FD5}"/>
+              </a:ext>
+            </a:extLst>
+          </p:cNvPr>
+          <p:cNvCxnSpPr>
+            <a:cxnSpLocks/>
+          </p:cNvCxnSpPr>
+          <p:nvPr/>
+        </p:nvCxnSpPr>
+        <p:spPr>
+          <a:xfrm flipH="1">
+            <a:off x="3306225" y="2886927"/>
+            <a:ext cx="1339306" cy="0"/>
+          </a:xfrm>
+          <a:prstGeom prst="straightConnector1">
+            <a:avLst/>
+          </a:prstGeom>
+          <a:ln w="38100">
+            <a:solidFill>
+              <a:srgbClr val="C00000"/>
+            </a:solidFill>
+            <a:prstDash val="sysDash"/>
+            <a:tailEnd type="triangle"/>
+          </a:ln>
+        </p:spPr>
+        <p:style>
+          <a:lnRef idx="2">
+            <a:schemeClr val="accent1"/>
+          </a:lnRef>
+          <a:fillRef idx="0">
+            <a:schemeClr val="accent1"/>
+          </a:fillRef>
+          <a:effectRef idx="1">
+            <a:schemeClr val="accent1"/>
+          </a:effectRef>
+          <a:fontRef idx="minor">
+            <a:schemeClr val="tx1"/>
+          </a:fontRef>
+        </p:style>
+      </p:cxnSp>
+      <p:sp>
+        <p:nvSpPr>
+          <p:cNvPr id="86" name="TextBox 85">
+            <a:extLst>
+              <a:ext uri="{FF2B5EF4-FFF2-40B4-BE49-F238E27FC236}">
+                <a16:creationId xmlns:a16="http://schemas.microsoft.com/office/drawing/2014/main" id="{A5E4DF79-6723-5D83-EF3F-4718320B1821}"/>
+              </a:ext>
+            </a:extLst>
+          </p:cNvPr>
+          <p:cNvSpPr txBox="1"/>
+          <p:nvPr/>
+        </p:nvSpPr>
+        <p:spPr>
+          <a:xfrm>
+            <a:off x="3380016" y="2438136"/>
+            <a:ext cx="1889712" cy="461665"/>
+          </a:xfrm>
+          <a:prstGeom prst="rect">
+            <a:avLst/>
+          </a:prstGeom>
+          <a:noFill/>
+        </p:spPr>
+        <p:txBody>
+          <a:bodyPr wrap="square" rtlCol="0">
+            <a:spAutoFit/>
+          </a:bodyPr>
+          <a:lstStyle/>
+          <a:p>
+            <a:r>
+              <a:rPr lang="en-US" sz="1200" b="1" dirty="0">
+                <a:solidFill>
+                  <a:srgbClr val="C00000"/>
+                </a:solidFill>
+              </a:rPr>
+              <a:t>6. Steal secret information  </a:t>
+            </a:r>
+            <a:endParaRPr lang="en-SG" sz="1200" b="1" dirty="0">
+              <a:solidFill>
+                <a:srgbClr val="C00000"/>
+              </a:solidFill>
+            </a:endParaRPr>
+          </a:p>
+        </p:txBody>
+      </p:sp>
+      <p:sp>
+        <p:nvSpPr>
+          <p:cNvPr id="87" name="TextBox 86">
+            <a:extLst>
+              <a:ext uri="{FF2B5EF4-FFF2-40B4-BE49-F238E27FC236}">
+                <a16:creationId xmlns:a16="http://schemas.microsoft.com/office/drawing/2014/main" id="{A1AE441C-2D89-87D9-613D-601EB5E48536}"/>
+              </a:ext>
+            </a:extLst>
+          </p:cNvPr>
+          <p:cNvSpPr txBox="1"/>
+          <p:nvPr/>
+        </p:nvSpPr>
+        <p:spPr>
+          <a:xfrm>
+            <a:off x="8946138" y="3260638"/>
+            <a:ext cx="1316441" cy="738664"/>
+          </a:xfrm>
+          <a:prstGeom prst="rect">
+            <a:avLst/>
+          </a:prstGeom>
+          <a:noFill/>
+        </p:spPr>
+        <p:txBody>
+          <a:bodyPr wrap="square" rtlCol="0">
+            <a:spAutoFit/>
+          </a:bodyPr>
+          <a:lstStyle/>
+          <a:p>
+            <a:r>
+              <a:rPr lang="en-US" sz="1400" b="1" dirty="0"/>
+              <a:t>Backdoor web shell interface </a:t>
+            </a:r>
+            <a:endParaRPr lang="en-SG" sz="1400" b="1" dirty="0"/>
+          </a:p>
+        </p:txBody>
+      </p:sp>
+      <p:pic>
+        <p:nvPicPr>
+          <p:cNvPr id="88" name="Graphic 87" descr="Cube with solid fill">
+            <a:extLst>
+              <a:ext uri="{FF2B5EF4-FFF2-40B4-BE49-F238E27FC236}">
+                <a16:creationId xmlns:a16="http://schemas.microsoft.com/office/drawing/2014/main" id="{EA43B607-8A67-D2D9-C77A-85194FAD3731}"/>
+              </a:ext>
+            </a:extLst>
+          </p:cNvPr>
+          <p:cNvPicPr>
+            <a:picLocks noChangeAspect="1"/>
+          </p:cNvPicPr>
+          <p:nvPr/>
+        </p:nvPicPr>
+        <p:blipFill>
+          <a:blip r:embed="rId15">
+            <a:extLst>
+              <a:ext uri="{96DAC541-7B7A-43D3-8B79-37D633B846F1}">
+                <asvg:svgBlip xmlns:asvg="http://schemas.microsoft.com/office/drawing/2016/SVG/main" r:embed="rId16"/>
+              </a:ext>
+            </a:extLst>
+          </a:blip>
+          <a:stretch>
+            <a:fillRect/>
+          </a:stretch>
+        </p:blipFill>
+        <p:spPr>
+          <a:xfrm>
+            <a:off x="10152541" y="4217339"/>
+            <a:ext cx="784520" cy="784520"/>
+          </a:xfrm>
+          <a:prstGeom prst="rect">
+            <a:avLst/>
+          </a:prstGeom>
+        </p:spPr>
+      </p:pic>
+      <p:pic>
+        <p:nvPicPr>
+          <p:cNvPr id="89" name="Picture 88" descr="A blue and yellow snake logo&#10;&#10;Description automatically generated">
+            <a:extLst>
+              <a:ext uri="{FF2B5EF4-FFF2-40B4-BE49-F238E27FC236}">
+                <a16:creationId xmlns:a16="http://schemas.microsoft.com/office/drawing/2014/main" id="{DBA3445A-7098-9AB4-3932-A155BEB24CED}"/>
+              </a:ext>
+            </a:extLst>
+          </p:cNvPr>
+          <p:cNvPicPr>
+            <a:picLocks noChangeAspect="1"/>
+          </p:cNvPicPr>
+          <p:nvPr/>
+        </p:nvPicPr>
+        <p:blipFill>
+          <a:blip r:embed="rId17">
+            <a:extLst>
+              <a:ext uri="{28A0092B-C50C-407E-A947-70E740481C1C}">
+                <a14:useLocalDpi xmlns:a14="http://schemas.microsoft.com/office/drawing/2010/main" val="0"/>
+              </a:ext>
+            </a:extLst>
+          </a:blip>
+          <a:stretch>
+            <a:fillRect/>
+          </a:stretch>
+        </p:blipFill>
+        <p:spPr>
+          <a:xfrm>
+            <a:off x="10132031" y="4378448"/>
+            <a:ext cx="825539" cy="462302"/>
+          </a:xfrm>
+          <a:prstGeom prst="rect">
+            <a:avLst/>
+          </a:prstGeom>
+        </p:spPr>
+      </p:pic>
+      <p:cxnSp>
+        <p:nvCxnSpPr>
+          <p:cNvPr id="90" name="Straight Arrow Connector 89">
+            <a:extLst>
+              <a:ext uri="{FF2B5EF4-FFF2-40B4-BE49-F238E27FC236}">
+                <a16:creationId xmlns:a16="http://schemas.microsoft.com/office/drawing/2014/main" id="{48DAF173-0A84-89D5-9A63-6FD52C61144E}"/>
+              </a:ext>
+            </a:extLst>
+          </p:cNvPr>
+          <p:cNvCxnSpPr>
+            <a:cxnSpLocks/>
+          </p:cNvCxnSpPr>
+          <p:nvPr/>
+        </p:nvCxnSpPr>
+        <p:spPr>
+          <a:xfrm>
+            <a:off x="10544801" y="3708423"/>
+            <a:ext cx="0" cy="538007"/>
+          </a:xfrm>
+          <a:prstGeom prst="straightConnector1">
+            <a:avLst/>
+          </a:prstGeom>
+          <a:ln w="38100">
+            <a:solidFill>
+              <a:srgbClr val="C00000"/>
+            </a:solidFill>
+            <a:prstDash val="sysDash"/>
+            <a:tailEnd type="triangle"/>
+          </a:ln>
+        </p:spPr>
+        <p:style>
+          <a:lnRef idx="2">
+            <a:schemeClr val="accent1"/>
+          </a:lnRef>
+          <a:fillRef idx="0">
+            <a:schemeClr val="accent1"/>
+          </a:fillRef>
+          <a:effectRef idx="1">
+            <a:schemeClr val="accent1"/>
+          </a:effectRef>
+          <a:fontRef idx="minor">
+            <a:schemeClr val="tx1"/>
+          </a:fontRef>
+        </p:style>
+      </p:cxnSp>
+      <p:sp>
+        <p:nvSpPr>
+          <p:cNvPr id="92" name="TextBox 91">
+            <a:extLst>
+              <a:ext uri="{FF2B5EF4-FFF2-40B4-BE49-F238E27FC236}">
+                <a16:creationId xmlns:a16="http://schemas.microsoft.com/office/drawing/2014/main" id="{DC77D25E-13DE-C094-B937-C774329ED533}"/>
+              </a:ext>
+            </a:extLst>
+          </p:cNvPr>
+          <p:cNvSpPr txBox="1"/>
+          <p:nvPr/>
+        </p:nvSpPr>
+        <p:spPr>
+          <a:xfrm>
+            <a:off x="10608406" y="3755674"/>
+            <a:ext cx="1482527" cy="461665"/>
+          </a:xfrm>
+          <a:prstGeom prst="rect">
+            <a:avLst/>
+          </a:prstGeom>
+          <a:noFill/>
+        </p:spPr>
+        <p:txBody>
+          <a:bodyPr wrap="square" rtlCol="0">
+            <a:spAutoFit/>
+          </a:bodyPr>
+          <a:lstStyle/>
+          <a:p>
+            <a:r>
+              <a:rPr lang="en-US" sz="1200" b="1" dirty="0">
+                <a:solidFill>
+                  <a:srgbClr val="C00000"/>
+                </a:solidFill>
+              </a:rPr>
+              <a:t>7. Build attack hijacking lib file</a:t>
+            </a:r>
+            <a:endParaRPr lang="en-SG" sz="1200" b="1" dirty="0">
+              <a:solidFill>
+                <a:srgbClr val="C00000"/>
+              </a:solidFill>
+            </a:endParaRPr>
+          </a:p>
+        </p:txBody>
+      </p:sp>
+      <p:cxnSp>
+        <p:nvCxnSpPr>
+          <p:cNvPr id="93" name="Straight Arrow Connector 92">
+            <a:extLst>
+              <a:ext uri="{FF2B5EF4-FFF2-40B4-BE49-F238E27FC236}">
+                <a16:creationId xmlns:a16="http://schemas.microsoft.com/office/drawing/2014/main" id="{BD1D7013-B5D8-EED2-F3B6-8478901827D2}"/>
+              </a:ext>
+            </a:extLst>
+          </p:cNvPr>
+          <p:cNvCxnSpPr>
+            <a:cxnSpLocks/>
+          </p:cNvCxnSpPr>
+          <p:nvPr/>
+        </p:nvCxnSpPr>
+        <p:spPr>
+          <a:xfrm flipH="1">
+            <a:off x="8941712" y="4695047"/>
+            <a:ext cx="1279433" cy="0"/>
+          </a:xfrm>
+          <a:prstGeom prst="straightConnector1">
+            <a:avLst/>
+          </a:prstGeom>
+          <a:ln w="38100">
+            <a:solidFill>
+              <a:srgbClr val="C00000"/>
+            </a:solidFill>
+            <a:prstDash val="sysDash"/>
+            <a:tailEnd type="triangle"/>
+          </a:ln>
+        </p:spPr>
+        <p:style>
+          <a:lnRef idx="2">
+            <a:schemeClr val="accent1"/>
+          </a:lnRef>
+          <a:fillRef idx="0">
+            <a:schemeClr val="accent1"/>
+          </a:fillRef>
+          <a:effectRef idx="1">
+            <a:schemeClr val="accent1"/>
+          </a:effectRef>
+          <a:fontRef idx="minor">
+            <a:schemeClr val="tx1"/>
+          </a:fontRef>
+        </p:style>
+      </p:cxnSp>
+      <p:pic>
+        <p:nvPicPr>
+          <p:cNvPr id="97" name="Picture 96">
+            <a:extLst>
+              <a:ext uri="{FF2B5EF4-FFF2-40B4-BE49-F238E27FC236}">
+                <a16:creationId xmlns:a16="http://schemas.microsoft.com/office/drawing/2014/main" id="{F01CB058-382B-313C-5CD1-9B42F7D1AE91}"/>
+              </a:ext>
+            </a:extLst>
+          </p:cNvPr>
+          <p:cNvPicPr>
+            <a:picLocks noChangeAspect="1"/>
+          </p:cNvPicPr>
+          <p:nvPr/>
+        </p:nvPicPr>
+        <p:blipFill>
+          <a:blip r:embed="rId18"/>
+          <a:stretch>
+            <a:fillRect/>
+          </a:stretch>
+        </p:blipFill>
+        <p:spPr>
+          <a:xfrm>
+            <a:off x="8363664" y="4453091"/>
+            <a:ext cx="465402" cy="483912"/>
+          </a:xfrm>
+          <a:prstGeom prst="rect">
+            <a:avLst/>
+          </a:prstGeom>
+        </p:spPr>
+      </p:pic>
+      <p:pic>
+        <p:nvPicPr>
+          <p:cNvPr id="98" name="Picture 97" descr="A red bomb with a star&#10;&#10;Description automatically generated">
+            <a:extLst>
+              <a:ext uri="{FF2B5EF4-FFF2-40B4-BE49-F238E27FC236}">
+                <a16:creationId xmlns:a16="http://schemas.microsoft.com/office/drawing/2014/main" id="{26D1BDD6-6209-E05A-0F54-B9FEBDD95752}"/>
+              </a:ext>
+            </a:extLst>
+          </p:cNvPr>
+          <p:cNvPicPr>
+            <a:picLocks noChangeAspect="1"/>
+          </p:cNvPicPr>
+          <p:nvPr/>
+        </p:nvPicPr>
+        <p:blipFill>
+          <a:blip r:embed="rId12">
+            <a:extLst>
+              <a:ext uri="{28A0092B-C50C-407E-A947-70E740481C1C}">
+                <a14:useLocalDpi xmlns:a14="http://schemas.microsoft.com/office/drawing/2010/main" val="0"/>
+              </a:ext>
+            </a:extLst>
+          </a:blip>
+          <a:stretch>
+            <a:fillRect/>
+          </a:stretch>
+        </p:blipFill>
+        <p:spPr>
+          <a:xfrm flipH="1">
+            <a:off x="8566470" y="4315983"/>
+            <a:ext cx="431733" cy="350087"/>
+          </a:xfrm>
+          <a:prstGeom prst="rect">
+            <a:avLst/>
+          </a:prstGeom>
+        </p:spPr>
+      </p:pic>
+      <p:sp>
+        <p:nvSpPr>
+          <p:cNvPr id="100" name="TextBox 99">
+            <a:extLst>
+              <a:ext uri="{FF2B5EF4-FFF2-40B4-BE49-F238E27FC236}">
+                <a16:creationId xmlns:a16="http://schemas.microsoft.com/office/drawing/2014/main" id="{03077AB2-3510-0D41-94F6-99ADC0D972C3}"/>
+              </a:ext>
+            </a:extLst>
+          </p:cNvPr>
+          <p:cNvSpPr txBox="1"/>
+          <p:nvPr/>
+        </p:nvSpPr>
+        <p:spPr>
+          <a:xfrm>
+            <a:off x="9009604" y="4127085"/>
+            <a:ext cx="1339067" cy="461665"/>
+          </a:xfrm>
+          <a:prstGeom prst="rect">
+            <a:avLst/>
+          </a:prstGeom>
+          <a:noFill/>
+        </p:spPr>
+        <p:txBody>
+          <a:bodyPr wrap="square" rtlCol="0">
+            <a:spAutoFit/>
+          </a:bodyPr>
+          <a:lstStyle/>
+          <a:p>
+            <a:r>
+              <a:rPr lang="en-US" sz="1200" b="1" dirty="0">
+                <a:solidFill>
+                  <a:srgbClr val="C00000"/>
+                </a:solidFill>
+              </a:rPr>
+              <a:t>8. Disguise attack lib file </a:t>
+            </a:r>
+            <a:endParaRPr lang="en-SG" sz="1200" b="1" dirty="0">
+              <a:solidFill>
+                <a:srgbClr val="C00000"/>
+              </a:solidFill>
+            </a:endParaRPr>
+          </a:p>
+        </p:txBody>
+      </p:sp>
+      <p:pic>
+        <p:nvPicPr>
+          <p:cNvPr id="103" name="Picture 102" descr="A screenshot of a computer&#10;&#10;Description automatically generated">
+            <a:extLst>
+              <a:ext uri="{FF2B5EF4-FFF2-40B4-BE49-F238E27FC236}">
+                <a16:creationId xmlns:a16="http://schemas.microsoft.com/office/drawing/2014/main" id="{090FF74E-85DD-F160-47C3-C24CC50C8DE4}"/>
+              </a:ext>
+            </a:extLst>
+          </p:cNvPr>
+          <p:cNvPicPr>
+            <a:picLocks noChangeAspect="1"/>
+          </p:cNvPicPr>
+          <p:nvPr/>
+        </p:nvPicPr>
+        <p:blipFill>
+          <a:blip r:embed="rId19">
+            <a:extLst>
+              <a:ext uri="{28A0092B-C50C-407E-A947-70E740481C1C}">
+                <a14:useLocalDpi xmlns:a14="http://schemas.microsoft.com/office/drawing/2010/main" val="0"/>
+              </a:ext>
+            </a:extLst>
+          </a:blip>
+          <a:stretch>
+            <a:fillRect/>
+          </a:stretch>
+        </p:blipFill>
+        <p:spPr>
+          <a:xfrm>
+            <a:off x="6096000" y="3994156"/>
+            <a:ext cx="1779776" cy="956630"/>
+          </a:xfrm>
+          <a:prstGeom prst="rect">
+            <a:avLst/>
+          </a:prstGeom>
+        </p:spPr>
+      </p:pic>
+      <p:cxnSp>
+        <p:nvCxnSpPr>
+          <p:cNvPr id="107" name="Straight Arrow Connector 106">
+            <a:extLst>
+              <a:ext uri="{FF2B5EF4-FFF2-40B4-BE49-F238E27FC236}">
+                <a16:creationId xmlns:a16="http://schemas.microsoft.com/office/drawing/2014/main" id="{6C5B273F-CD6B-D139-6985-32A6D63AE10A}"/>
+              </a:ext>
+            </a:extLst>
+          </p:cNvPr>
+          <p:cNvCxnSpPr>
+            <a:cxnSpLocks/>
+          </p:cNvCxnSpPr>
+          <p:nvPr/>
+        </p:nvCxnSpPr>
+        <p:spPr>
+          <a:xfrm flipH="1">
+            <a:off x="7907180" y="4682598"/>
+            <a:ext cx="399020" cy="0"/>
+          </a:xfrm>
+          <a:prstGeom prst="straightConnector1">
+            <a:avLst/>
+          </a:prstGeom>
+          <a:ln w="38100">
+            <a:solidFill>
+              <a:srgbClr val="C00000"/>
+            </a:solidFill>
+            <a:prstDash val="sysDash"/>
+            <a:tailEnd type="triangle"/>
+          </a:ln>
+        </p:spPr>
+        <p:style>
+          <a:lnRef idx="2">
+            <a:schemeClr val="accent1"/>
+          </a:lnRef>
+          <a:fillRef idx="0">
+            <a:schemeClr val="accent1"/>
+          </a:fillRef>
+          <a:effectRef idx="1">
+            <a:schemeClr val="accent1"/>
+          </a:effectRef>
+          <a:fontRef idx="minor">
+            <a:schemeClr val="tx1"/>
+          </a:fontRef>
+        </p:style>
+      </p:cxnSp>
+      <p:cxnSp>
+        <p:nvCxnSpPr>
+          <p:cNvPr id="110" name="Connector: Elbow 109">
+            <a:extLst>
+              <a:ext uri="{FF2B5EF4-FFF2-40B4-BE49-F238E27FC236}">
+                <a16:creationId xmlns:a16="http://schemas.microsoft.com/office/drawing/2014/main" id="{F8309E30-4314-F336-91E4-7316A2AAA332}"/>
+              </a:ext>
+            </a:extLst>
+          </p:cNvPr>
+          <p:cNvCxnSpPr>
+            <a:stCxn id="103" idx="0"/>
+            <a:endCxn id="19" idx="3"/>
+          </p:cNvCxnSpPr>
+          <p:nvPr/>
+        </p:nvCxnSpPr>
+        <p:spPr>
+          <a:xfrm rot="16200000" flipV="1">
+            <a:off x="6232436" y="3240703"/>
+            <a:ext cx="329025" cy="1177881"/>
+          </a:xfrm>
+          <a:prstGeom prst="bentConnector2">
+            <a:avLst/>
+          </a:prstGeom>
+          <a:ln w="28575">
+            <a:solidFill>
+              <a:srgbClr val="C00000"/>
+            </a:solidFill>
+            <a:prstDash val="sysDash"/>
+            <a:tailEnd type="triangle"/>
+          </a:ln>
+        </p:spPr>
+        <p:style>
+          <a:lnRef idx="2">
+            <a:schemeClr val="accent1"/>
+          </a:lnRef>
+          <a:fillRef idx="0">
+            <a:schemeClr val="accent1"/>
+          </a:fillRef>
+          <a:effectRef idx="1">
+            <a:schemeClr val="accent1"/>
+          </a:effectRef>
+          <a:fontRef idx="minor">
+            <a:schemeClr val="tx1"/>
+          </a:fontRef>
+        </p:style>
+      </p:cxnSp>
+      <p:sp>
+        <p:nvSpPr>
+          <p:cNvPr id="111" name="TextBox 110">
+            <a:extLst>
+              <a:ext uri="{FF2B5EF4-FFF2-40B4-BE49-F238E27FC236}">
+                <a16:creationId xmlns:a16="http://schemas.microsoft.com/office/drawing/2014/main" id="{7B3C0A36-FCF9-17E5-CCA2-3A3B54638055}"/>
+              </a:ext>
+            </a:extLst>
+          </p:cNvPr>
+          <p:cNvSpPr txBox="1"/>
+          <p:nvPr/>
+        </p:nvSpPr>
+        <p:spPr>
+          <a:xfrm>
+            <a:off x="6196422" y="3177792"/>
+            <a:ext cx="2049036" cy="461665"/>
+          </a:xfrm>
+          <a:prstGeom prst="rect">
+            <a:avLst/>
+          </a:prstGeom>
+          <a:noFill/>
+        </p:spPr>
+        <p:txBody>
+          <a:bodyPr wrap="square" rtlCol="0">
+            <a:spAutoFit/>
+          </a:bodyPr>
+          <a:lstStyle/>
+          <a:p>
+            <a:r>
+              <a:rPr lang="en-US" sz="1200" b="1" dirty="0">
+                <a:solidFill>
+                  <a:srgbClr val="C00000"/>
+                </a:solidFill>
+              </a:rPr>
+              <a:t>9. Upload the disguised attack script via IoT web UI</a:t>
+            </a:r>
+            <a:endParaRPr lang="en-SG" sz="1200" b="1" dirty="0">
+              <a:solidFill>
+                <a:srgbClr val="C00000"/>
+              </a:solidFill>
+            </a:endParaRPr>
+          </a:p>
+        </p:txBody>
+      </p:sp>
+      <p:sp>
+        <p:nvSpPr>
+          <p:cNvPr id="112" name="Multiplication Sign 111">
+            <a:extLst>
+              <a:ext uri="{FF2B5EF4-FFF2-40B4-BE49-F238E27FC236}">
+                <a16:creationId xmlns:a16="http://schemas.microsoft.com/office/drawing/2014/main" id="{1A797EF2-CAD0-7DC2-8520-57CAC2A76E4B}"/>
+              </a:ext>
+            </a:extLst>
+          </p:cNvPr>
+          <p:cNvSpPr/>
+          <p:nvPr/>
+        </p:nvSpPr>
+        <p:spPr>
+          <a:xfrm>
+            <a:off x="3491856" y="3098190"/>
+            <a:ext cx="349955" cy="407579"/>
+          </a:xfrm>
+          <a:prstGeom prst="mathMultiply">
+            <a:avLst/>
+          </a:prstGeom>
+          <a:solidFill>
+            <a:srgbClr val="C00000"/>
+          </a:solidFill>
+        </p:spPr>
+        <p:style>
+          <a:lnRef idx="2">
+            <a:schemeClr val="accent1">
+              <a:shade val="15000"/>
+            </a:schemeClr>
+          </a:lnRef>
+          <a:fillRef idx="1">
+            <a:schemeClr val="accent1"/>
+          </a:fillRef>
+          <a:effectRef idx="0">
+            <a:schemeClr val="accent1"/>
+          </a:effectRef>
+          <a:fontRef idx="minor">
+            <a:schemeClr val="lt1"/>
+          </a:fontRef>
+        </p:style>
+        <p:txBody>
+          <a:bodyPr rtlCol="0" anchor="ctr"/>
+          <a:lstStyle/>
+          <a:p>
+            <a:pPr algn="ctr"/>
+            <a:endParaRPr lang="en-SG">
+              <a:solidFill>
+                <a:srgbClr val="C00000"/>
+              </a:solidFill>
+            </a:endParaRPr>
+          </a:p>
+        </p:txBody>
+      </p:sp>
+      <p:sp>
+        <p:nvSpPr>
+          <p:cNvPr id="113" name="Multiplication Sign 112">
+            <a:extLst>
+              <a:ext uri="{FF2B5EF4-FFF2-40B4-BE49-F238E27FC236}">
+                <a16:creationId xmlns:a16="http://schemas.microsoft.com/office/drawing/2014/main" id="{9DCE0C6A-BEF9-B588-6FD5-75E53DE878B8}"/>
+              </a:ext>
+            </a:extLst>
+          </p:cNvPr>
+          <p:cNvSpPr/>
+          <p:nvPr/>
+        </p:nvSpPr>
+        <p:spPr>
+          <a:xfrm>
+            <a:off x="3490863" y="3468287"/>
+            <a:ext cx="349955" cy="407579"/>
+          </a:xfrm>
+          <a:prstGeom prst="mathMultiply">
+            <a:avLst/>
+          </a:prstGeom>
+          <a:solidFill>
+            <a:srgbClr val="C00000"/>
+          </a:solidFill>
+        </p:spPr>
+        <p:style>
+          <a:lnRef idx="2">
+            <a:schemeClr val="accent1">
+              <a:shade val="15000"/>
+            </a:schemeClr>
+          </a:lnRef>
+          <a:fillRef idx="1">
+            <a:schemeClr val="accent1"/>
+          </a:fillRef>
+          <a:effectRef idx="0">
+            <a:schemeClr val="accent1"/>
+          </a:effectRef>
+          <a:fontRef idx="minor">
+            <a:schemeClr val="lt1"/>
+          </a:fontRef>
+        </p:style>
+        <p:txBody>
+          <a:bodyPr rtlCol="0" anchor="ctr"/>
+          <a:lstStyle/>
+          <a:p>
+            <a:pPr algn="ctr"/>
+            <a:endParaRPr lang="en-SG">
+              <a:solidFill>
+                <a:srgbClr val="C00000"/>
+              </a:solidFill>
+            </a:endParaRPr>
+          </a:p>
+        </p:txBody>
+      </p:sp>
+      <p:cxnSp>
+        <p:nvCxnSpPr>
+          <p:cNvPr id="114" name="Connector: Elbow 113">
+            <a:extLst>
+              <a:ext uri="{FF2B5EF4-FFF2-40B4-BE49-F238E27FC236}">
+                <a16:creationId xmlns:a16="http://schemas.microsoft.com/office/drawing/2014/main" id="{4C0E3C12-3236-4BCB-D4CB-38F063081361}"/>
+              </a:ext>
+            </a:extLst>
+          </p:cNvPr>
+          <p:cNvCxnSpPr>
+            <a:cxnSpLocks/>
+            <a:endCxn id="113" idx="3"/>
+          </p:cNvCxnSpPr>
+          <p:nvPr/>
+        </p:nvCxnSpPr>
+        <p:spPr>
+          <a:xfrm rot="10800000">
+            <a:off x="3574914" y="3777977"/>
+            <a:ext cx="705113" cy="307485"/>
+          </a:xfrm>
+          <a:prstGeom prst="bentConnector2">
+            <a:avLst/>
+          </a:prstGeom>
+          <a:ln w="28575">
+            <a:solidFill>
+              <a:srgbClr val="C00000"/>
+            </a:solidFill>
+            <a:prstDash val="sysDash"/>
+            <a:tailEnd type="triangle"/>
+          </a:ln>
+        </p:spPr>
+        <p:style>
+          <a:lnRef idx="2">
+            <a:schemeClr val="accent1"/>
+          </a:lnRef>
+          <a:fillRef idx="0">
+            <a:schemeClr val="accent1"/>
+          </a:fillRef>
+          <a:effectRef idx="1">
+            <a:schemeClr val="accent1"/>
+          </a:effectRef>
+          <a:fontRef idx="minor">
+            <a:schemeClr val="tx1"/>
+          </a:fontRef>
+        </p:style>
+      </p:cxnSp>
+      <p:pic>
+        <p:nvPicPr>
+          <p:cNvPr id="118" name="Picture 117">
+            <a:extLst>
+              <a:ext uri="{FF2B5EF4-FFF2-40B4-BE49-F238E27FC236}">
+                <a16:creationId xmlns:a16="http://schemas.microsoft.com/office/drawing/2014/main" id="{CCC9A2AE-E677-9790-6DD8-5F9F8A2C154B}"/>
+              </a:ext>
+            </a:extLst>
+          </p:cNvPr>
+          <p:cNvPicPr>
+            <a:picLocks noChangeAspect="1"/>
+          </p:cNvPicPr>
+          <p:nvPr/>
+        </p:nvPicPr>
+        <p:blipFill>
+          <a:blip r:embed="rId20"/>
+          <a:stretch>
+            <a:fillRect/>
+          </a:stretch>
+        </p:blipFill>
+        <p:spPr>
+          <a:xfrm>
+            <a:off x="4289501" y="3915127"/>
+            <a:ext cx="482487" cy="337740"/>
+          </a:xfrm>
+          <a:prstGeom prst="rect">
+            <a:avLst/>
+          </a:prstGeom>
+        </p:spPr>
+      </p:pic>
+      <p:sp>
+        <p:nvSpPr>
+          <p:cNvPr id="121" name="TextBox 120">
+            <a:extLst>
+              <a:ext uri="{FF2B5EF4-FFF2-40B4-BE49-F238E27FC236}">
+                <a16:creationId xmlns:a16="http://schemas.microsoft.com/office/drawing/2014/main" id="{53D5DECB-3B6A-3895-D4F7-25BF669A5DA9}"/>
+              </a:ext>
+            </a:extLst>
+          </p:cNvPr>
+          <p:cNvSpPr txBox="1"/>
+          <p:nvPr/>
+        </p:nvSpPr>
+        <p:spPr>
+          <a:xfrm>
+            <a:off x="3371965" y="4318659"/>
+            <a:ext cx="1696746" cy="646331"/>
+          </a:xfrm>
+          <a:prstGeom prst="rect">
+            <a:avLst/>
+          </a:prstGeom>
+          <a:noFill/>
+        </p:spPr>
+        <p:txBody>
+          <a:bodyPr wrap="square" rtlCol="0">
+            <a:spAutoFit/>
+          </a:bodyPr>
+          <a:lstStyle/>
+          <a:p>
+            <a:r>
+              <a:rPr lang="en-US" sz="1200" b="1" dirty="0">
+                <a:solidFill>
+                  <a:srgbClr val="C00000"/>
+                </a:solidFill>
+              </a:rPr>
+              <a:t>10. Fake Com reading lib interrupted radar data reading progress</a:t>
+            </a:r>
+            <a:endParaRPr lang="en-SG" sz="1200" b="1" dirty="0">
+              <a:solidFill>
+                <a:srgbClr val="C00000"/>
+              </a:solidFill>
+            </a:endParaRPr>
+          </a:p>
+        </p:txBody>
+      </p:sp>
+      <p:cxnSp>
+        <p:nvCxnSpPr>
+          <p:cNvPr id="122" name="Connector: Elbow 121">
+            <a:extLst>
+              <a:ext uri="{FF2B5EF4-FFF2-40B4-BE49-F238E27FC236}">
+                <a16:creationId xmlns:a16="http://schemas.microsoft.com/office/drawing/2014/main" id="{BE5D3F50-D3D3-D8E1-BF21-0E78D9F4E236}"/>
+              </a:ext>
+            </a:extLst>
+          </p:cNvPr>
+          <p:cNvCxnSpPr>
+            <a:cxnSpLocks/>
+            <a:stCxn id="118" idx="3"/>
+          </p:cNvCxnSpPr>
+          <p:nvPr/>
+        </p:nvCxnSpPr>
+        <p:spPr>
+          <a:xfrm>
+            <a:off x="4771988" y="4083997"/>
+            <a:ext cx="545353" cy="1141901"/>
+          </a:xfrm>
+          <a:prstGeom prst="bentConnector2">
+            <a:avLst/>
+          </a:prstGeom>
+          <a:ln w="28575">
+            <a:solidFill>
+              <a:srgbClr val="C00000"/>
+            </a:solidFill>
+            <a:prstDash val="sysDash"/>
+            <a:tailEnd type="triangle"/>
+          </a:ln>
+        </p:spPr>
+        <p:style>
+          <a:lnRef idx="2">
+            <a:schemeClr val="accent1"/>
+          </a:lnRef>
+          <a:fillRef idx="0">
+            <a:schemeClr val="accent1"/>
+          </a:fillRef>
+          <a:effectRef idx="1">
+            <a:schemeClr val="accent1"/>
+          </a:effectRef>
+          <a:fontRef idx="minor">
+            <a:schemeClr val="tx1"/>
+          </a:fontRef>
+        </p:style>
+      </p:cxnSp>
+      <p:pic>
+        <p:nvPicPr>
+          <p:cNvPr id="125" name="Picture 124" descr="A screen shot of a graph&#10;&#10;Description automatically generated">
+            <a:extLst>
+              <a:ext uri="{FF2B5EF4-FFF2-40B4-BE49-F238E27FC236}">
+                <a16:creationId xmlns:a16="http://schemas.microsoft.com/office/drawing/2014/main" id="{C7D0ABD3-72D5-A307-0B2C-C7351D538100}"/>
+              </a:ext>
+            </a:extLst>
+          </p:cNvPr>
+          <p:cNvPicPr>
+            <a:picLocks noChangeAspect="1"/>
+          </p:cNvPicPr>
+          <p:nvPr/>
+        </p:nvPicPr>
+        <p:blipFill>
+          <a:blip r:embed="rId21">
+            <a:extLst>
+              <a:ext uri="{28A0092B-C50C-407E-A947-70E740481C1C}">
+                <a14:useLocalDpi xmlns:a14="http://schemas.microsoft.com/office/drawing/2010/main" val="0"/>
+              </a:ext>
+            </a:extLst>
+          </a:blip>
+          <a:stretch>
+            <a:fillRect/>
+          </a:stretch>
+        </p:blipFill>
+        <p:spPr>
+          <a:xfrm>
+            <a:off x="4572798" y="5274145"/>
+            <a:ext cx="1653254" cy="1035893"/>
+          </a:xfrm>
+          <a:prstGeom prst="rect">
+            <a:avLst/>
+          </a:prstGeom>
+          <a:ln w="12700">
+            <a:solidFill>
+              <a:schemeClr val="tx1"/>
+            </a:solidFill>
+          </a:ln>
+        </p:spPr>
+      </p:pic>
+      <p:sp>
+        <p:nvSpPr>
+          <p:cNvPr id="126" name="Rectangle 125">
+            <a:extLst>
+              <a:ext uri="{FF2B5EF4-FFF2-40B4-BE49-F238E27FC236}">
+                <a16:creationId xmlns:a16="http://schemas.microsoft.com/office/drawing/2014/main" id="{E2187F7F-F8FA-EBE5-5411-7B9DB83F67B3}"/>
+              </a:ext>
+            </a:extLst>
+          </p:cNvPr>
+          <p:cNvSpPr/>
+          <p:nvPr/>
+        </p:nvSpPr>
+        <p:spPr>
+          <a:xfrm>
+            <a:off x="5133315" y="5757333"/>
+            <a:ext cx="932399" cy="513460"/>
+          </a:xfrm>
+          <a:prstGeom prst="rect">
+            <a:avLst/>
+          </a:prstGeom>
+          <a:noFill/>
+          <a:ln>
+            <a:solidFill>
+              <a:srgbClr val="C00000"/>
+            </a:solidFill>
+            <a:prstDash val="sysDash"/>
+          </a:ln>
+        </p:spPr>
+        <p:style>
+          <a:lnRef idx="2">
+            <a:schemeClr val="accent1">
+              <a:shade val="15000"/>
+            </a:schemeClr>
+          </a:lnRef>
+          <a:fillRef idx="1">
+            <a:schemeClr val="accent1"/>
+          </a:fillRef>
+          <a:effectRef idx="0">
+            <a:schemeClr val="accent1"/>
+          </a:effectRef>
+          <a:fontRef idx="minor">
+            <a:schemeClr val="lt1"/>
+          </a:fontRef>
+        </p:style>
+        <p:txBody>
+          <a:bodyPr rtlCol="0" anchor="ctr"/>
+          <a:lstStyle/>
+          <a:p>
+            <a:pPr algn="ctr"/>
+            <a:endParaRPr lang="en-SG" dirty="0"/>
+          </a:p>
+        </p:txBody>
+      </p:sp>
+      <p:sp>
+        <p:nvSpPr>
+          <p:cNvPr id="129" name="Multiplication Sign 128">
+            <a:extLst>
+              <a:ext uri="{FF2B5EF4-FFF2-40B4-BE49-F238E27FC236}">
+                <a16:creationId xmlns:a16="http://schemas.microsoft.com/office/drawing/2014/main" id="{FB558648-91EC-DA19-1DF8-0B80CB96F596}"/>
+              </a:ext>
+            </a:extLst>
+          </p:cNvPr>
+          <p:cNvSpPr/>
+          <p:nvPr/>
+        </p:nvSpPr>
+        <p:spPr>
+          <a:xfrm>
+            <a:off x="5376976" y="5635772"/>
+            <a:ext cx="666384" cy="752618"/>
+          </a:xfrm>
+          <a:prstGeom prst="mathMultiply">
+            <a:avLst/>
+          </a:prstGeom>
+          <a:solidFill>
+            <a:srgbClr val="C00000"/>
+          </a:solidFill>
+        </p:spPr>
+        <p:style>
+          <a:lnRef idx="2">
+            <a:schemeClr val="accent1">
+              <a:shade val="15000"/>
+            </a:schemeClr>
+          </a:lnRef>
+          <a:fillRef idx="1">
+            <a:schemeClr val="accent1"/>
+          </a:fillRef>
+          <a:effectRef idx="0">
+            <a:schemeClr val="accent1"/>
+          </a:effectRef>
+          <a:fontRef idx="minor">
+            <a:schemeClr val="lt1"/>
+          </a:fontRef>
+        </p:style>
+        <p:txBody>
+          <a:bodyPr rtlCol="0" anchor="ctr"/>
+          <a:lstStyle/>
+          <a:p>
+            <a:pPr algn="ctr"/>
+            <a:endParaRPr lang="en-SG">
+              <a:solidFill>
+                <a:srgbClr val="C00000"/>
+              </a:solidFill>
+            </a:endParaRPr>
+          </a:p>
+        </p:txBody>
+      </p:sp>
+      <p:cxnSp>
+        <p:nvCxnSpPr>
+          <p:cNvPr id="130" name="Straight Arrow Connector 129">
+            <a:extLst>
+              <a:ext uri="{FF2B5EF4-FFF2-40B4-BE49-F238E27FC236}">
+                <a16:creationId xmlns:a16="http://schemas.microsoft.com/office/drawing/2014/main" id="{D69965C4-F726-CD4A-4B44-9E4BBE8973E3}"/>
+              </a:ext>
+            </a:extLst>
+          </p:cNvPr>
+          <p:cNvCxnSpPr>
+            <a:cxnSpLocks/>
+            <a:stCxn id="125" idx="3"/>
+          </p:cNvCxnSpPr>
+          <p:nvPr/>
+        </p:nvCxnSpPr>
+        <p:spPr>
+          <a:xfrm>
+            <a:off x="6226052" y="5792092"/>
+            <a:ext cx="463072" cy="0"/>
+          </a:xfrm>
+          <a:prstGeom prst="straightConnector1">
+            <a:avLst/>
+          </a:prstGeom>
+          <a:ln w="38100">
+            <a:solidFill>
+              <a:srgbClr val="C00000"/>
+            </a:solidFill>
+            <a:prstDash val="sysDash"/>
+            <a:tailEnd type="triangle"/>
+          </a:ln>
+        </p:spPr>
+        <p:style>
+          <a:lnRef idx="2">
+            <a:schemeClr val="accent1"/>
+          </a:lnRef>
+          <a:fillRef idx="0">
+            <a:schemeClr val="accent1"/>
+          </a:fillRef>
+          <a:effectRef idx="1">
+            <a:schemeClr val="accent1"/>
+          </a:effectRef>
+          <a:fontRef idx="minor">
+            <a:schemeClr val="tx1"/>
+          </a:fontRef>
+        </p:style>
+      </p:cxnSp>
+      <p:pic>
+        <p:nvPicPr>
+          <p:cNvPr id="133" name="Graphic 132" descr="Users with solid fill">
+            <a:extLst>
+              <a:ext uri="{FF2B5EF4-FFF2-40B4-BE49-F238E27FC236}">
+                <a16:creationId xmlns:a16="http://schemas.microsoft.com/office/drawing/2014/main" id="{AA0951DA-400A-2C45-1977-17FE7A69A327}"/>
+              </a:ext>
+            </a:extLst>
+          </p:cNvPr>
+          <p:cNvPicPr>
+            <a:picLocks noChangeAspect="1"/>
+          </p:cNvPicPr>
+          <p:nvPr/>
+        </p:nvPicPr>
+        <p:blipFill>
+          <a:blip r:embed="rId22">
+            <a:extLst>
+              <a:ext uri="{96DAC541-7B7A-43D3-8B79-37D633B846F1}">
+                <asvg:svgBlip xmlns:asvg="http://schemas.microsoft.com/office/drawing/2016/SVG/main" r:embed="rId23"/>
+              </a:ext>
+            </a:extLst>
+          </a:blip>
+          <a:stretch>
+            <a:fillRect/>
+          </a:stretch>
+        </p:blipFill>
+        <p:spPr>
+          <a:xfrm>
+            <a:off x="6735162" y="5424026"/>
+            <a:ext cx="846767" cy="846767"/>
+          </a:xfrm>
+          <a:prstGeom prst="rect">
+            <a:avLst/>
+          </a:prstGeom>
+        </p:spPr>
+      </p:pic>
+      <p:cxnSp>
+        <p:nvCxnSpPr>
+          <p:cNvPr id="134" name="Connector: Elbow 133">
+            <a:extLst>
+              <a:ext uri="{FF2B5EF4-FFF2-40B4-BE49-F238E27FC236}">
+                <a16:creationId xmlns:a16="http://schemas.microsoft.com/office/drawing/2014/main" id="{33D7C494-8D2C-FC13-78D1-A86D7590715D}"/>
+              </a:ext>
+            </a:extLst>
+          </p:cNvPr>
+          <p:cNvCxnSpPr>
+            <a:cxnSpLocks/>
+            <a:stCxn id="19" idx="1"/>
+            <a:endCxn id="118" idx="0"/>
+          </p:cNvCxnSpPr>
+          <p:nvPr/>
+        </p:nvCxnSpPr>
+        <p:spPr>
+          <a:xfrm rot="10800000" flipV="1">
+            <a:off x="4530745" y="3665131"/>
+            <a:ext cx="176190" cy="249996"/>
+          </a:xfrm>
+          <a:prstGeom prst="bentConnector2">
+            <a:avLst/>
+          </a:prstGeom>
+          <a:ln w="28575">
+            <a:solidFill>
+              <a:srgbClr val="C00000"/>
+            </a:solidFill>
+            <a:prstDash val="sysDash"/>
+            <a:tailEnd type="triangle"/>
+          </a:ln>
+        </p:spPr>
+        <p:style>
+          <a:lnRef idx="2">
+            <a:schemeClr val="accent1"/>
+          </a:lnRef>
+          <a:fillRef idx="0">
+            <a:schemeClr val="accent1"/>
+          </a:fillRef>
+          <a:effectRef idx="1">
+            <a:schemeClr val="accent1"/>
+          </a:effectRef>
+          <a:fontRef idx="minor">
+            <a:schemeClr val="tx1"/>
+          </a:fontRef>
+        </p:style>
+      </p:cxnSp>
+      <p:sp>
+        <p:nvSpPr>
+          <p:cNvPr id="138" name="TextBox 137">
+            <a:extLst>
+              <a:ext uri="{FF2B5EF4-FFF2-40B4-BE49-F238E27FC236}">
+                <a16:creationId xmlns:a16="http://schemas.microsoft.com/office/drawing/2014/main" id="{439B311E-A4A8-678C-F308-0638AE24E446}"/>
+              </a:ext>
+            </a:extLst>
+          </p:cNvPr>
+          <p:cNvSpPr txBox="1"/>
+          <p:nvPr/>
+        </p:nvSpPr>
+        <p:spPr>
+          <a:xfrm>
+            <a:off x="6266089" y="5140606"/>
+            <a:ext cx="1653254" cy="461665"/>
+          </a:xfrm>
+          <a:prstGeom prst="rect">
+            <a:avLst/>
+          </a:prstGeom>
+          <a:noFill/>
+        </p:spPr>
+        <p:txBody>
+          <a:bodyPr wrap="square" rtlCol="0">
+            <a:spAutoFit/>
+          </a:bodyPr>
+          <a:lstStyle/>
+          <a:p>
+            <a:r>
+              <a:rPr lang="en-US" sz="1200" b="1" dirty="0">
+                <a:solidFill>
+                  <a:srgbClr val="C00000"/>
+                </a:solidFill>
+              </a:rPr>
+              <a:t>11. Reply Error IoT data to the user</a:t>
+            </a:r>
+            <a:endParaRPr lang="en-SG" sz="1200" b="1" dirty="0">
+              <a:solidFill>
+                <a:srgbClr val="C00000"/>
+              </a:solidFill>
+            </a:endParaRPr>
+          </a:p>
+        </p:txBody>
+      </p:sp>
+      <p:sp>
+        <p:nvSpPr>
+          <p:cNvPr id="139" name="TextBox 138">
+            <a:extLst>
+              <a:ext uri="{FF2B5EF4-FFF2-40B4-BE49-F238E27FC236}">
+                <a16:creationId xmlns:a16="http://schemas.microsoft.com/office/drawing/2014/main" id="{8C0375A2-CB0A-763F-AB9B-463B68F19B86}"/>
+              </a:ext>
+            </a:extLst>
+          </p:cNvPr>
+          <p:cNvSpPr txBox="1"/>
+          <p:nvPr/>
+        </p:nvSpPr>
+        <p:spPr>
+          <a:xfrm>
+            <a:off x="1289809" y="538828"/>
+            <a:ext cx="3164944" cy="338554"/>
+          </a:xfrm>
+          <a:prstGeom prst="rect">
+            <a:avLst/>
+          </a:prstGeom>
+          <a:noFill/>
+          <a:ln w="19050">
+            <a:solidFill>
+              <a:schemeClr val="tx1"/>
+            </a:solidFill>
+            <a:prstDash val="sysDash"/>
+          </a:ln>
+        </p:spPr>
+        <p:txBody>
+          <a:bodyPr wrap="square" rtlCol="0">
+            <a:spAutoFit/>
+          </a:bodyPr>
+          <a:lstStyle/>
+          <a:p>
+            <a:r>
+              <a:rPr lang="en-US" sz="1600" b="1" dirty="0"/>
+              <a:t>11 Steps IoT Cyber Attack Path</a:t>
+            </a:r>
+            <a:endParaRPr lang="en-SG" sz="1600" b="1" dirty="0"/>
+          </a:p>
+        </p:txBody>
+      </p:sp>
+    </p:spTree>
+    <p:extLst>
+      <p:ext uri="{BB962C8B-B14F-4D97-AF65-F5344CB8AC3E}">
+        <p14:creationId xmlns:p14="http://schemas.microsoft.com/office/powerpoint/2010/main" val="4286193449"/>
+      </p:ext>
+    </p:extLst>
+  </p:cSld>
+  <p:clrMapOvr>
+    <a:masterClrMapping/>
+  </p:clrMapOvr>
+</p:sld>
+</file>
+
 <file path=ppt/theme/theme1.xml><?xml version="1.0" encoding="utf-8"?>
 <a:theme xmlns:a="http://schemas.openxmlformats.org/drawingml/2006/main" name="Office Theme">
   <a:themeElements>
@@ -4098,4 +9618,319 @@
     </a:ext>
   </a:extLst>
 </a:theme>
+</file>
+
+<file path=ppt/theme/theme2.xml><?xml version="1.0" encoding="utf-8"?>
+<a:theme xmlns:a="http://schemas.openxmlformats.org/drawingml/2006/main" name="Office Theme">
+  <a:themeElements>
+    <a:clrScheme name="Office">
+      <a:dk1>
+        <a:sysClr val="windowText" lastClr="000000"/>
+      </a:dk1>
+      <a:lt1>
+        <a:sysClr val="window" lastClr="FFFFFF"/>
+      </a:lt1>
+      <a:dk2>
+        <a:srgbClr val="0E2841"/>
+      </a:dk2>
+      <a:lt2>
+        <a:srgbClr val="E8E8E8"/>
+      </a:lt2>
+      <a:accent1>
+        <a:srgbClr val="156082"/>
+      </a:accent1>
+      <a:accent2>
+        <a:srgbClr val="E97132"/>
+      </a:accent2>
+      <a:accent3>
+        <a:srgbClr val="196B24"/>
+      </a:accent3>
+      <a:accent4>
+        <a:srgbClr val="0F9ED5"/>
+      </a:accent4>
+      <a:accent5>
+        <a:srgbClr val="A02B93"/>
+      </a:accent5>
+      <a:accent6>
+        <a:srgbClr val="4EA72E"/>
+      </a:accent6>
+      <a:hlink>
+        <a:srgbClr val="467886"/>
+      </a:hlink>
+      <a:folHlink>
+        <a:srgbClr val="96607D"/>
+      </a:folHlink>
+    </a:clrScheme>
+    <a:fontScheme name="Office">
+      <a:majorFont>
+        <a:latin typeface="Aptos Display" panose="02110004020202020204"/>
+        <a:ea typeface=""/>
+        <a:cs typeface=""/>
+        <a:font script="Jpan" typeface="游ゴシック Light"/>
+        <a:font script="Hang" typeface="맑은 고딕"/>
+        <a:font script="Hans" typeface="等线 Light"/>
+        <a:font script="Hant" typeface="新細明體"/>
+        <a:font script="Arab" typeface="Times New Roman"/>
+        <a:font script="Hebr" typeface="Times New Roman"/>
+        <a:font script="Thai" typeface="Angsana New"/>
+        <a:font script="Ethi" typeface="Nyala"/>
+        <a:font script="Beng" typeface="Vrinda"/>
+        <a:font script="Gujr" typeface="Shruti"/>
+        <a:font script="Khmr" typeface="MoolBoran"/>
+        <a:font script="Knda" typeface="Tunga"/>
+        <a:font script="Guru" typeface="Raavi"/>
+        <a:font script="Cans" typeface="Euphemia"/>
+        <a:font script="Cher" typeface="Plantagenet Cherokee"/>
+        <a:font script="Yiii" typeface="Microsoft Yi Baiti"/>
+        <a:font script="Tibt" typeface="Microsoft Himalaya"/>
+        <a:font script="Thaa" typeface="MV Boli"/>
+        <a:font script="Deva" typeface="Mangal"/>
+        <a:font script="Telu" typeface="Gautami"/>
+        <a:font script="Taml" typeface="Latha"/>
+        <a:font script="Syrc" typeface="Estrangelo Edessa"/>
+        <a:font script="Orya" typeface="Kalinga"/>
+        <a:font script="Mlym" typeface="Kartika"/>
+        <a:font script="Laoo" typeface="DokChampa"/>
+        <a:font script="Sinh" typeface="Iskoola Pota"/>
+        <a:font script="Mong" typeface="Mongolian Baiti"/>
+        <a:font script="Viet" typeface="Times New Roman"/>
+        <a:font script="Uigh" typeface="Microsoft Uighur"/>
+        <a:font script="Geor" typeface="Sylfaen"/>
+        <a:font script="Armn" typeface="Arial"/>
+        <a:font script="Bugi" typeface="Leelawadee UI"/>
+        <a:font script="Bopo" typeface="Microsoft JhengHei"/>
+        <a:font script="Java" typeface="Javanese Text"/>
+        <a:font script="Lisu" typeface="Segoe UI"/>
+        <a:font script="Mymr" typeface="Myanmar Text"/>
+        <a:font script="Nkoo" typeface="Ebrima"/>
+        <a:font script="Olck" typeface="Nirmala UI"/>
+        <a:font script="Osma" typeface="Ebrima"/>
+        <a:font script="Phag" typeface="Phagspa"/>
+        <a:font script="Syrn" typeface="Estrangelo Edessa"/>
+        <a:font script="Syrj" typeface="Estrangelo Edessa"/>
+        <a:font script="Syre" typeface="Estrangelo Edessa"/>
+        <a:font script="Sora" typeface="Nirmala UI"/>
+        <a:font script="Tale" typeface="Microsoft Tai Le"/>
+        <a:font script="Talu" typeface="Microsoft New Tai Lue"/>
+        <a:font script="Tfng" typeface="Ebrima"/>
+      </a:majorFont>
+      <a:minorFont>
+        <a:latin typeface="Aptos" panose="02110004020202020204"/>
+        <a:ea typeface=""/>
+        <a:cs typeface=""/>
+        <a:font script="Jpan" typeface="游ゴシック"/>
+        <a:font script="Hang" typeface="맑은 고딕"/>
+        <a:font script="Hans" typeface="等线"/>
+        <a:font script="Hant" typeface="新細明體"/>
+        <a:font script="Arab" typeface="Arial"/>
+        <a:font script="Hebr" typeface="Arial"/>
+        <a:font script="Thai" typeface="Cordia New"/>
+        <a:font script="Ethi" typeface="Nyala"/>
+        <a:font script="Beng" typeface="Vrinda"/>
+        <a:font script="Gujr" typeface="Shruti"/>
+        <a:font script="Khmr" typeface="DaunPenh"/>
+        <a:font script="Knda" typeface="Tunga"/>
+        <a:font script="Guru" typeface="Raavi"/>
+        <a:font script="Cans" typeface="Euphemia"/>
+        <a:font script="Cher" typeface="Plantagenet Cherokee"/>
+        <a:font script="Yiii" typeface="Microsoft Yi Baiti"/>
+        <a:font script="Tibt" typeface="Microsoft Himalaya"/>
+        <a:font script="Thaa" typeface="MV Boli"/>
+        <a:font script="Deva" typeface="Mangal"/>
+        <a:font script="Telu" typeface="Gautami"/>
+        <a:font script="Taml" typeface="Latha"/>
+        <a:font script="Syrc" typeface="Estrangelo Edessa"/>
+        <a:font script="Orya" typeface="Kalinga"/>
+        <a:font script="Mlym" typeface="Kartika"/>
+        <a:font script="Laoo" typeface="DokChampa"/>
+        <a:font script="Sinh" typeface="Iskoola Pota"/>
+        <a:font script="Mong" typeface="Mongolian Baiti"/>
+        <a:font script="Viet" typeface="Arial"/>
+        <a:font script="Uigh" typeface="Microsoft Uighur"/>
+        <a:font script="Geor" typeface="Sylfaen"/>
+        <a:font script="Armn" typeface="Arial"/>
+        <a:font script="Bugi" typeface="Leelawadee UI"/>
+        <a:font script="Bopo" typeface="Microsoft JhengHei"/>
+        <a:font script="Java" typeface="Javanese Text"/>
+        <a:font script="Lisu" typeface="Segoe UI"/>
+        <a:font script="Mymr" typeface="Myanmar Text"/>
+        <a:font script="Nkoo" typeface="Ebrima"/>
+        <a:font script="Olck" typeface="Nirmala UI"/>
+        <a:font script="Osma" typeface="Ebrima"/>
+        <a:font script="Phag" typeface="Phagspa"/>
+        <a:font script="Syrn" typeface="Estrangelo Edessa"/>
+        <a:font script="Syrj" typeface="Estrangelo Edessa"/>
+        <a:font script="Syre" typeface="Estrangelo Edessa"/>
+        <a:font script="Sora" typeface="Nirmala UI"/>
+        <a:font script="Tale" typeface="Microsoft Tai Le"/>
+        <a:font script="Talu" typeface="Microsoft New Tai Lue"/>
+        <a:font script="Tfng" typeface="Ebrima"/>
+      </a:minorFont>
+    </a:fontScheme>
+    <a:fmtScheme name="Office">
+      <a:fillStyleLst>
+        <a:solidFill>
+          <a:schemeClr val="phClr"/>
+        </a:solidFill>
+        <a:gradFill rotWithShape="1">
+          <a:gsLst>
+            <a:gs pos="0">
+              <a:schemeClr val="phClr">
+                <a:lumMod val="110000"/>
+                <a:satMod val="105000"/>
+                <a:tint val="67000"/>
+              </a:schemeClr>
+            </a:gs>
+            <a:gs pos="50000">
+              <a:schemeClr val="phClr">
+                <a:lumMod val="105000"/>
+                <a:satMod val="103000"/>
+                <a:tint val="73000"/>
+              </a:schemeClr>
+            </a:gs>
+            <a:gs pos="100000">
+              <a:schemeClr val="phClr">
+                <a:lumMod val="105000"/>
+                <a:satMod val="109000"/>
+                <a:tint val="81000"/>
+              </a:schemeClr>
+            </a:gs>
+          </a:gsLst>
+          <a:lin ang="5400000" scaled="0"/>
+        </a:gradFill>
+        <a:gradFill rotWithShape="1">
+          <a:gsLst>
+            <a:gs pos="0">
+              <a:schemeClr val="phClr">
+                <a:satMod val="103000"/>
+                <a:lumMod val="102000"/>
+                <a:tint val="94000"/>
+              </a:schemeClr>
+            </a:gs>
+            <a:gs pos="50000">
+              <a:schemeClr val="phClr">
+                <a:satMod val="110000"/>
+                <a:lumMod val="100000"/>
+                <a:shade val="100000"/>
+              </a:schemeClr>
+            </a:gs>
+            <a:gs pos="100000">
+              <a:schemeClr val="phClr">
+                <a:lumMod val="99000"/>
+                <a:satMod val="120000"/>
+                <a:shade val="78000"/>
+              </a:schemeClr>
+            </a:gs>
+          </a:gsLst>
+          <a:lin ang="5400000" scaled="0"/>
+        </a:gradFill>
+      </a:fillStyleLst>
+      <a:lnStyleLst>
+        <a:ln w="12700" cap="flat" cmpd="sng" algn="ctr">
+          <a:solidFill>
+            <a:schemeClr val="phClr"/>
+          </a:solidFill>
+          <a:prstDash val="solid"/>
+          <a:miter lim="800000"/>
+        </a:ln>
+        <a:ln w="19050" cap="flat" cmpd="sng" algn="ctr">
+          <a:solidFill>
+            <a:schemeClr val="phClr"/>
+          </a:solidFill>
+          <a:prstDash val="solid"/>
+          <a:miter lim="800000"/>
+        </a:ln>
+        <a:ln w="25400" cap="flat" cmpd="sng" algn="ctr">
+          <a:solidFill>
+            <a:schemeClr val="phClr"/>
+          </a:solidFill>
+          <a:prstDash val="solid"/>
+          <a:miter lim="800000"/>
+        </a:ln>
+      </a:lnStyleLst>
+      <a:effectStyleLst>
+        <a:effectStyle>
+          <a:effectLst/>
+        </a:effectStyle>
+        <a:effectStyle>
+          <a:effectLst/>
+        </a:effectStyle>
+        <a:effectStyle>
+          <a:effectLst>
+            <a:outerShdw blurRad="57150" dist="19050" dir="5400000" algn="ctr" rotWithShape="0">
+              <a:srgbClr val="000000">
+                <a:alpha val="63000"/>
+              </a:srgbClr>
+            </a:outerShdw>
+          </a:effectLst>
+        </a:effectStyle>
+      </a:effectStyleLst>
+      <a:bgFillStyleLst>
+        <a:solidFill>
+          <a:schemeClr val="phClr"/>
+        </a:solidFill>
+        <a:solidFill>
+          <a:schemeClr val="phClr">
+            <a:tint val="95000"/>
+            <a:satMod val="170000"/>
+          </a:schemeClr>
+        </a:solidFill>
+        <a:gradFill rotWithShape="1">
+          <a:gsLst>
+            <a:gs pos="0">
+              <a:schemeClr val="phClr">
+                <a:tint val="93000"/>
+                <a:satMod val="150000"/>
+                <a:shade val="98000"/>
+                <a:lumMod val="102000"/>
+              </a:schemeClr>
+            </a:gs>
+            <a:gs pos="50000">
+              <a:schemeClr val="phClr">
+                <a:tint val="98000"/>
+                <a:satMod val="130000"/>
+                <a:shade val="90000"/>
+                <a:lumMod val="103000"/>
+              </a:schemeClr>
+            </a:gs>
+            <a:gs pos="100000">
+              <a:schemeClr val="phClr">
+                <a:shade val="63000"/>
+                <a:satMod val="120000"/>
+              </a:schemeClr>
+            </a:gs>
+          </a:gsLst>
+          <a:lin ang="5400000" scaled="0"/>
+        </a:gradFill>
+      </a:bgFillStyleLst>
+    </a:fmtScheme>
+  </a:themeElements>
+  <a:objectDefaults>
+    <a:lnDef>
+      <a:spPr/>
+      <a:bodyPr/>
+      <a:lstStyle/>
+      <a:style>
+        <a:lnRef idx="2">
+          <a:schemeClr val="accent1"/>
+        </a:lnRef>
+        <a:fillRef idx="0">
+          <a:schemeClr val="accent1"/>
+        </a:fillRef>
+        <a:effectRef idx="1">
+          <a:schemeClr val="accent1"/>
+        </a:effectRef>
+        <a:fontRef idx="minor">
+          <a:schemeClr val="tx1"/>
+        </a:fontRef>
+      </a:style>
+    </a:lnDef>
+  </a:objectDefaults>
+  <a:extraClrSchemeLst/>
+  <a:extLst>
+    <a:ext uri="{05A4C25C-085E-4340-85A3-A5531E510DB2}">
+      <thm15:themeFamily xmlns:thm15="http://schemas.microsoft.com/office/thememl/2012/main" name="Office Theme" id="{2E142A2C-CD16-42D6-873A-C26D2A0506FA}" vid="{1BDDFF52-6CD6-40A5-AB3C-68EB2F1E4D0A}"/>
+    </a:ext>
+  </a:extLst>
+</a:theme>
 </file>